--- a/cs2620/slides/cs2620_notes5.pptx
+++ b/cs2620/slides/cs2620_notes5.pptx
@@ -5,7 +5,7 @@
     <p:sldMasterId id="2147483660" r:id="rId1"/>
   </p:sldMasterIdLst>
   <p:notesMasterIdLst>
-    <p:notesMasterId r:id="rId68"/>
+    <p:notesMasterId r:id="rId70"/>
   </p:notesMasterIdLst>
   <p:sldIdLst>
     <p:sldId id="256" r:id="rId2"/>
@@ -65,40 +65,42 @@
     <p:sldId id="350" r:id="rId56"/>
     <p:sldId id="352" r:id="rId57"/>
     <p:sldId id="353" r:id="rId58"/>
-    <p:sldId id="355" r:id="rId59"/>
-    <p:sldId id="356" r:id="rId60"/>
-    <p:sldId id="360" r:id="rId61"/>
-    <p:sldId id="361" r:id="rId62"/>
-    <p:sldId id="363" r:id="rId63"/>
-    <p:sldId id="362" r:id="rId64"/>
-    <p:sldId id="364" r:id="rId65"/>
-    <p:sldId id="365" r:id="rId66"/>
-    <p:sldId id="366" r:id="rId67"/>
+    <p:sldId id="380" r:id="rId59"/>
+    <p:sldId id="355" r:id="rId60"/>
+    <p:sldId id="381" r:id="rId61"/>
+    <p:sldId id="356" r:id="rId62"/>
+    <p:sldId id="360" r:id="rId63"/>
+    <p:sldId id="361" r:id="rId64"/>
+    <p:sldId id="363" r:id="rId65"/>
+    <p:sldId id="362" r:id="rId66"/>
+    <p:sldId id="364" r:id="rId67"/>
+    <p:sldId id="365" r:id="rId68"/>
+    <p:sldId id="366" r:id="rId69"/>
   </p:sldIdLst>
   <p:sldSz cx="9144000" cy="6858000" type="screen4x3"/>
   <p:notesSz cx="6858000" cy="9144000"/>
   <p:embeddedFontLst>
     <p:embeddedFont>
       <p:font typeface="Calibri" panose="020F0502020204030204" pitchFamily="34" charset="0"/>
-      <p:regular r:id="rId69"/>
-      <p:bold r:id="rId70"/>
-      <p:italic r:id="rId71"/>
-      <p:boldItalic r:id="rId72"/>
+      <p:regular r:id="rId71"/>
+      <p:bold r:id="rId72"/>
+      <p:italic r:id="rId73"/>
+      <p:boldItalic r:id="rId74"/>
     </p:embeddedFont>
     <p:embeddedFont>
       <p:font typeface="Cambria Math" panose="02040503050406030204" pitchFamily="18" charset="0"/>
-      <p:regular r:id="rId73"/>
+      <p:regular r:id="rId75"/>
     </p:embeddedFont>
     <p:embeddedFont>
       <p:font typeface="Constantia" panose="02030602050306030303" pitchFamily="18" charset="0"/>
-      <p:regular r:id="rId74"/>
-      <p:bold r:id="rId75"/>
-      <p:italic r:id="rId76"/>
-      <p:boldItalic r:id="rId77"/>
+      <p:regular r:id="rId76"/>
+      <p:bold r:id="rId77"/>
+      <p:italic r:id="rId78"/>
+      <p:boldItalic r:id="rId79"/>
     </p:embeddedFont>
     <p:embeddedFont>
       <p:font typeface="Wingdings 2" pitchFamily="2" charset="2"/>
-      <p:regular r:id="rId78"/>
+      <p:regular r:id="rId80"/>
     </p:embeddedFont>
   </p:embeddedFontLst>
   <p:defaultTextStyle>
@@ -218,7 +220,7 @@
 <file path=ppt/revisionInfo.xml><?xml version="1.0" encoding="utf-8"?>
 <p1510:revInfo xmlns:a="http://schemas.openxmlformats.org/drawingml/2006/main" xmlns:r="http://schemas.openxmlformats.org/officeDocument/2006/relationships" xmlns:p1510="http://schemas.microsoft.com/office/powerpoint/2015/10/main">
   <p1510:revLst>
-    <p1510:client id="{6CDB7354-241A-4A45-8EE5-86C5A96A4329}" v="121" dt="2020-10-06T17:47:31.620"/>
+    <p1510:client id="{6CDB7354-241A-4A45-8EE5-86C5A96A4329}" v="131" dt="2020-10-08T15:06:32.001"/>
   </p1510:revLst>
 </p1510:revInfo>
 </file>
@@ -228,7 +230,7 @@
   <pc:docChgLst>
     <pc:chgData name="Lin  Chen" userId="5b8d33d8-9b1a-4612-8f39-9bee1ddd9437" providerId="ADAL" clId="{6CDB7354-241A-4A45-8EE5-86C5A96A4329}"/>
     <pc:docChg chg="undo custSel addSld modSld sldOrd">
-      <pc:chgData name="Lin  Chen" userId="5b8d33d8-9b1a-4612-8f39-9bee1ddd9437" providerId="ADAL" clId="{6CDB7354-241A-4A45-8EE5-86C5A96A4329}" dt="2020-10-06T17:47:31.620" v="783" actId="207"/>
+      <pc:chgData name="Lin  Chen" userId="5b8d33d8-9b1a-4612-8f39-9bee1ddd9437" providerId="ADAL" clId="{6CDB7354-241A-4A45-8EE5-86C5A96A4329}" dt="2020-10-08T15:07:03.096" v="803" actId="1076"/>
       <pc:docMkLst>
         <pc:docMk/>
       </pc:docMkLst>
@@ -448,6 +450,81 @@
             <pc:docMk/>
             <pc:sldMk cId="0" sldId="346"/>
             <ac:spMk id="3" creationId="{00000000-0000-0000-0000-000000000000}"/>
+          </ac:spMkLst>
+        </pc:spChg>
+      </pc:sldChg>
+      <pc:sldChg chg="modSp">
+        <pc:chgData name="Lin  Chen" userId="5b8d33d8-9b1a-4612-8f39-9bee1ddd9437" providerId="ADAL" clId="{6CDB7354-241A-4A45-8EE5-86C5A96A4329}" dt="2020-10-08T14:50:24.670" v="787" actId="207"/>
+        <pc:sldMkLst>
+          <pc:docMk/>
+          <pc:sldMk cId="0" sldId="349"/>
+        </pc:sldMkLst>
+        <pc:spChg chg="mod">
+          <ac:chgData name="Lin  Chen" userId="5b8d33d8-9b1a-4612-8f39-9bee1ddd9437" providerId="ADAL" clId="{6CDB7354-241A-4A45-8EE5-86C5A96A4329}" dt="2020-10-08T14:50:24.670" v="787" actId="207"/>
+          <ac:spMkLst>
+            <pc:docMk/>
+            <pc:sldMk cId="0" sldId="349"/>
+            <ac:spMk id="3" creationId="{00000000-0000-0000-0000-000000000000}"/>
+          </ac:spMkLst>
+        </pc:spChg>
+      </pc:sldChg>
+      <pc:sldChg chg="modAnim">
+        <pc:chgData name="Lin  Chen" userId="5b8d33d8-9b1a-4612-8f39-9bee1ddd9437" providerId="ADAL" clId="{6CDB7354-241A-4A45-8EE5-86C5A96A4329}" dt="2020-10-08T15:05:26.682" v="790"/>
+        <pc:sldMkLst>
+          <pc:docMk/>
+          <pc:sldMk cId="0" sldId="350"/>
+        </pc:sldMkLst>
+      </pc:sldChg>
+      <pc:sldChg chg="modAnim">
+        <pc:chgData name="Lin  Chen" userId="5b8d33d8-9b1a-4612-8f39-9bee1ddd9437" providerId="ADAL" clId="{6CDB7354-241A-4A45-8EE5-86C5A96A4329}" dt="2020-10-08T15:05:33.711" v="791"/>
+        <pc:sldMkLst>
+          <pc:docMk/>
+          <pc:sldMk cId="0" sldId="352"/>
+        </pc:sldMkLst>
+      </pc:sldChg>
+      <pc:sldChg chg="delSp modSp mod">
+        <pc:chgData name="Lin  Chen" userId="5b8d33d8-9b1a-4612-8f39-9bee1ddd9437" providerId="ADAL" clId="{6CDB7354-241A-4A45-8EE5-86C5A96A4329}" dt="2020-10-08T15:06:01.514" v="794" actId="478"/>
+        <pc:sldMkLst>
+          <pc:docMk/>
+          <pc:sldMk cId="0" sldId="353"/>
+        </pc:sldMkLst>
+        <pc:spChg chg="mod">
+          <ac:chgData name="Lin  Chen" userId="5b8d33d8-9b1a-4612-8f39-9bee1ddd9437" providerId="ADAL" clId="{6CDB7354-241A-4A45-8EE5-86C5A96A4329}" dt="2020-10-08T15:05:55.534" v="793" actId="20577"/>
+          <ac:spMkLst>
+            <pc:docMk/>
+            <pc:sldMk cId="0" sldId="353"/>
+            <ac:spMk id="3" creationId="{00000000-0000-0000-0000-000000000000}"/>
+          </ac:spMkLst>
+        </pc:spChg>
+        <pc:spChg chg="del">
+          <ac:chgData name="Lin  Chen" userId="5b8d33d8-9b1a-4612-8f39-9bee1ddd9437" providerId="ADAL" clId="{6CDB7354-241A-4A45-8EE5-86C5A96A4329}" dt="2020-10-08T15:06:01.514" v="794" actId="478"/>
+          <ac:spMkLst>
+            <pc:docMk/>
+            <pc:sldMk cId="0" sldId="353"/>
+            <ac:spMk id="5" creationId="{00000000-0000-0000-0000-000000000000}"/>
+          </ac:spMkLst>
+        </pc:spChg>
+      </pc:sldChg>
+      <pc:sldChg chg="delSp modSp mod">
+        <pc:chgData name="Lin  Chen" userId="5b8d33d8-9b1a-4612-8f39-9bee1ddd9437" providerId="ADAL" clId="{6CDB7354-241A-4A45-8EE5-86C5A96A4329}" dt="2020-10-08T15:06:40.134" v="801" actId="20577"/>
+        <pc:sldMkLst>
+          <pc:docMk/>
+          <pc:sldMk cId="0" sldId="355"/>
+        </pc:sldMkLst>
+        <pc:spChg chg="mod">
+          <ac:chgData name="Lin  Chen" userId="5b8d33d8-9b1a-4612-8f39-9bee1ddd9437" providerId="ADAL" clId="{6CDB7354-241A-4A45-8EE5-86C5A96A4329}" dt="2020-10-08T15:06:40.134" v="801" actId="20577"/>
+          <ac:spMkLst>
+            <pc:docMk/>
+            <pc:sldMk cId="0" sldId="355"/>
+            <ac:spMk id="3" creationId="{00000000-0000-0000-0000-000000000000}"/>
+          </ac:spMkLst>
+        </pc:spChg>
+        <pc:spChg chg="del">
+          <ac:chgData name="Lin  Chen" userId="5b8d33d8-9b1a-4612-8f39-9bee1ddd9437" providerId="ADAL" clId="{6CDB7354-241A-4A45-8EE5-86C5A96A4329}" dt="2020-10-08T15:06:36.309" v="798" actId="478"/>
+          <ac:spMkLst>
+            <pc:docMk/>
+            <pc:sldMk cId="0" sldId="355"/>
+            <ac:spMk id="5" creationId="{00000000-0000-0000-0000-000000000000}"/>
           </ac:spMkLst>
         </pc:spChg>
       </pc:sldChg>
@@ -683,6 +760,52 @@
           </ac:spMkLst>
         </pc:spChg>
       </pc:sldChg>
+      <pc:sldChg chg="modSp add mod">
+        <pc:chgData name="Lin  Chen" userId="5b8d33d8-9b1a-4612-8f39-9bee1ddd9437" providerId="ADAL" clId="{6CDB7354-241A-4A45-8EE5-86C5A96A4329}" dt="2020-10-08T15:06:09.913" v="796" actId="1076"/>
+        <pc:sldMkLst>
+          <pc:docMk/>
+          <pc:sldMk cId="1673969891" sldId="380"/>
+        </pc:sldMkLst>
+        <pc:spChg chg="mod">
+          <ac:chgData name="Lin  Chen" userId="5b8d33d8-9b1a-4612-8f39-9bee1ddd9437" providerId="ADAL" clId="{6CDB7354-241A-4A45-8EE5-86C5A96A4329}" dt="2020-10-08T15:06:05.630" v="795" actId="20577"/>
+          <ac:spMkLst>
+            <pc:docMk/>
+            <pc:sldMk cId="1673969891" sldId="380"/>
+            <ac:spMk id="3" creationId="{00000000-0000-0000-0000-000000000000}"/>
+          </ac:spMkLst>
+        </pc:spChg>
+        <pc:spChg chg="mod">
+          <ac:chgData name="Lin  Chen" userId="5b8d33d8-9b1a-4612-8f39-9bee1ddd9437" providerId="ADAL" clId="{6CDB7354-241A-4A45-8EE5-86C5A96A4329}" dt="2020-10-08T15:06:09.913" v="796" actId="1076"/>
+          <ac:spMkLst>
+            <pc:docMk/>
+            <pc:sldMk cId="1673969891" sldId="380"/>
+            <ac:spMk id="5" creationId="{00000000-0000-0000-0000-000000000000}"/>
+          </ac:spMkLst>
+        </pc:spChg>
+      </pc:sldChg>
+      <pc:sldChg chg="modSp add mod">
+        <pc:chgData name="Lin  Chen" userId="5b8d33d8-9b1a-4612-8f39-9bee1ddd9437" providerId="ADAL" clId="{6CDB7354-241A-4A45-8EE5-86C5A96A4329}" dt="2020-10-08T15:07:03.096" v="803" actId="1076"/>
+        <pc:sldMkLst>
+          <pc:docMk/>
+          <pc:sldMk cId="3236087655" sldId="381"/>
+        </pc:sldMkLst>
+        <pc:spChg chg="mod">
+          <ac:chgData name="Lin  Chen" userId="5b8d33d8-9b1a-4612-8f39-9bee1ddd9437" providerId="ADAL" clId="{6CDB7354-241A-4A45-8EE5-86C5A96A4329}" dt="2020-10-08T15:06:43.499" v="802" actId="20577"/>
+          <ac:spMkLst>
+            <pc:docMk/>
+            <pc:sldMk cId="3236087655" sldId="381"/>
+            <ac:spMk id="3" creationId="{00000000-0000-0000-0000-000000000000}"/>
+          </ac:spMkLst>
+        </pc:spChg>
+        <pc:spChg chg="mod">
+          <ac:chgData name="Lin  Chen" userId="5b8d33d8-9b1a-4612-8f39-9bee1ddd9437" providerId="ADAL" clId="{6CDB7354-241A-4A45-8EE5-86C5A96A4329}" dt="2020-10-08T15:07:03.096" v="803" actId="1076"/>
+          <ac:spMkLst>
+            <pc:docMk/>
+            <pc:sldMk cId="3236087655" sldId="381"/>
+            <ac:spMk id="5" creationId="{00000000-0000-0000-0000-000000000000}"/>
+          </ac:spMkLst>
+        </pc:spChg>
+      </pc:sldChg>
     </pc:docChg>
   </pc:docChgLst>
 </pc:chgInfo>
@@ -771,7 +894,7 @@
             <a:fld id="{B9169A27-169D-49B9-9258-3707F8200856}" type="datetimeFigureOut">
               <a:rPr lang="en-US" smtClean="0"/>
               <a:pPr/>
-              <a:t>10/6/20</a:t>
+              <a:t>10/8/20</a:t>
             </a:fld>
             <a:endParaRPr lang="en-US"/>
           </a:p>
@@ -1462,7 +1585,7 @@
             <a:fld id="{74223539-C274-414E-836E-21403C9CE2AE}" type="datetimeFigureOut">
               <a:rPr lang="en-US" smtClean="0"/>
               <a:pPr/>
-              <a:t>10/6/20</a:t>
+              <a:t>10/8/20</a:t>
             </a:fld>
             <a:endParaRPr lang="en-US"/>
           </a:p>
@@ -1628,7 +1751,7 @@
             <a:fld id="{74223539-C274-414E-836E-21403C9CE2AE}" type="datetimeFigureOut">
               <a:rPr lang="en-US" smtClean="0"/>
               <a:pPr/>
-              <a:t>10/6/20</a:t>
+              <a:t>10/8/20</a:t>
             </a:fld>
             <a:endParaRPr lang="en-US"/>
           </a:p>
@@ -1804,7 +1927,7 @@
             <a:fld id="{74223539-C274-414E-836E-21403C9CE2AE}" type="datetimeFigureOut">
               <a:rPr lang="en-US" smtClean="0"/>
               <a:pPr/>
-              <a:t>10/6/20</a:t>
+              <a:t>10/8/20</a:t>
             </a:fld>
             <a:endParaRPr lang="en-US"/>
           </a:p>
@@ -1970,7 +2093,7 @@
             <a:fld id="{74223539-C274-414E-836E-21403C9CE2AE}" type="datetimeFigureOut">
               <a:rPr lang="en-US" smtClean="0"/>
               <a:pPr/>
-              <a:t>10/6/20</a:t>
+              <a:t>10/8/20</a:t>
             </a:fld>
             <a:endParaRPr lang="en-US"/>
           </a:p>
@@ -2213,7 +2336,7 @@
             <a:fld id="{74223539-C274-414E-836E-21403C9CE2AE}" type="datetimeFigureOut">
               <a:rPr lang="en-US" smtClean="0"/>
               <a:pPr/>
-              <a:t>10/6/20</a:t>
+              <a:t>10/8/20</a:t>
             </a:fld>
             <a:endParaRPr lang="en-US"/>
           </a:p>
@@ -2478,7 +2601,7 @@
             <a:fld id="{74223539-C274-414E-836E-21403C9CE2AE}" type="datetimeFigureOut">
               <a:rPr lang="en-US" smtClean="0"/>
               <a:pPr/>
-              <a:t>10/6/20</a:t>
+              <a:t>10/8/20</a:t>
             </a:fld>
             <a:endParaRPr lang="en-US"/>
           </a:p>
@@ -2857,7 +2980,7 @@
             <a:fld id="{74223539-C274-414E-836E-21403C9CE2AE}" type="datetimeFigureOut">
               <a:rPr lang="en-US" smtClean="0"/>
               <a:pPr/>
-              <a:t>10/6/20</a:t>
+              <a:t>10/8/20</a:t>
             </a:fld>
             <a:endParaRPr lang="en-US"/>
           </a:p>
@@ -3008,7 +3131,7 @@
             <a:fld id="{74223539-C274-414E-836E-21403C9CE2AE}" type="datetimeFigureOut">
               <a:rPr lang="en-US" smtClean="0"/>
               <a:pPr/>
-              <a:t>10/6/20</a:t>
+              <a:t>10/8/20</a:t>
             </a:fld>
             <a:endParaRPr lang="en-US"/>
           </a:p>
@@ -3100,7 +3223,7 @@
             <a:fld id="{74223539-C274-414E-836E-21403C9CE2AE}" type="datetimeFigureOut">
               <a:rPr lang="en-US" smtClean="0"/>
               <a:pPr/>
-              <a:t>10/6/20</a:t>
+              <a:t>10/8/20</a:t>
             </a:fld>
             <a:endParaRPr lang="en-US"/>
           </a:p>
@@ -3362,7 +3485,7 @@
             <a:fld id="{74223539-C274-414E-836E-21403C9CE2AE}" type="datetimeFigureOut">
               <a:rPr lang="en-US" smtClean="0"/>
               <a:pPr/>
-              <a:t>10/6/20</a:t>
+              <a:t>10/8/20</a:t>
             </a:fld>
             <a:endParaRPr lang="en-US"/>
           </a:p>
@@ -3651,7 +3774,7 @@
             <a:fld id="{74223539-C274-414E-836E-21403C9CE2AE}" type="datetimeFigureOut">
               <a:rPr lang="en-US" smtClean="0"/>
               <a:pPr/>
-              <a:t>10/6/20</a:t>
+              <a:t>10/8/20</a:t>
             </a:fld>
             <a:endParaRPr lang="en-US"/>
           </a:p>
@@ -4422,7 +4545,7 @@
             <a:fld id="{74223539-C274-414E-836E-21403C9CE2AE}" type="datetimeFigureOut">
               <a:rPr lang="en-US" smtClean="0"/>
               <a:pPr/>
-              <a:t>10/6/20</a:t>
+              <a:t>10/8/20</a:t>
             </a:fld>
             <a:endParaRPr lang="en-US"/>
           </a:p>
@@ -30254,18 +30377,58 @@
               <a:t>: An algorithm is called </a:t>
             </a:r>
             <a:r>
-              <a:rPr lang="en-US" i="1" dirty="0"/>
+              <a:rPr lang="en-US" i="1" dirty="0">
+                <a:solidFill>
+                  <a:srgbClr val="FF0000"/>
+                </a:solidFill>
+              </a:rPr>
               <a:t>recursive</a:t>
             </a:r>
             <a:r>
               <a:rPr lang="en-US" dirty="0"/>
-              <a:t> if it solves a problem by reducing it to an instance of the same problem with smaller input.</a:t>
-            </a:r>
-          </a:p>
-          <a:p>
-            <a:r>
-              <a:rPr lang="en-US" dirty="0"/>
-              <a:t>For the algorithm to terminate, the instance of the problem must eventually be reduced to some initial case for which the solution is known.</a:t>
+              <a:t> if it solves a problem by </a:t>
+            </a:r>
+            <a:r>
+              <a:rPr lang="en-US" dirty="0">
+                <a:solidFill>
+                  <a:srgbClr val="FF0000"/>
+                </a:solidFill>
+              </a:rPr>
+              <a:t>reducing</a:t>
+            </a:r>
+            <a:r>
+              <a:rPr lang="en-US" dirty="0"/>
+              <a:t> it to an instance of the same problem with </a:t>
+            </a:r>
+            <a:r>
+              <a:rPr lang="en-US" dirty="0">
+                <a:solidFill>
+                  <a:srgbClr val="FF0000"/>
+                </a:solidFill>
+              </a:rPr>
+              <a:t>smaller input</a:t>
+            </a:r>
+            <a:r>
+              <a:rPr lang="en-US" dirty="0"/>
+              <a:t>.</a:t>
+            </a:r>
+          </a:p>
+          <a:p>
+            <a:r>
+              <a:rPr lang="en-US" dirty="0"/>
+              <a:t>For the algorithm to terminate, the instance of the problem must eventually be reduced to some </a:t>
+            </a:r>
+            <a:r>
+              <a:rPr lang="en-US" dirty="0">
+                <a:solidFill>
+                  <a:srgbClr val="FF0000"/>
+                </a:solidFill>
+              </a:rPr>
+              <a:t>initial case </a:t>
+            </a:r>
+            <a:r>
+              <a:rPr lang="en-US" dirty="0"/>
+              <a:t>for which the solution is known.</a:t>
             </a:r>
           </a:p>
         </p:txBody>
@@ -30864,6 +31027,84 @@
   <p:clrMapOvr>
     <a:masterClrMapping/>
   </p:clrMapOvr>
+  <p:timing>
+    <p:tnLst>
+      <p:par>
+        <p:cTn id="1" dur="indefinite" restart="never" nodeType="tmRoot">
+          <p:childTnLst>
+            <p:seq concurrent="1" nextAc="seek">
+              <p:cTn id="2" dur="indefinite" nodeType="mainSeq">
+                <p:childTnLst>
+                  <p:par>
+                    <p:cTn id="3" fill="hold">
+                      <p:stCondLst>
+                        <p:cond delay="indefinite"/>
+                      </p:stCondLst>
+                      <p:childTnLst>
+                        <p:par>
+                          <p:cTn id="4" fill="hold">
+                            <p:stCondLst>
+                              <p:cond delay="0"/>
+                            </p:stCondLst>
+                            <p:childTnLst>
+                              <p:par>
+                                <p:cTn id="5" presetID="1" presetClass="entr" presetSubtype="0" fill="hold" grpId="0" nodeType="clickEffect">
+                                  <p:stCondLst>
+                                    <p:cond delay="0"/>
+                                  </p:stCondLst>
+                                  <p:childTnLst>
+                                    <p:set>
+                                      <p:cBhvr>
+                                        <p:cTn id="6" dur="1" fill="hold">
+                                          <p:stCondLst>
+                                            <p:cond delay="0"/>
+                                          </p:stCondLst>
+                                        </p:cTn>
+                                        <p:tgtEl>
+                                          <p:spTgt spid="5"/>
+                                        </p:tgtEl>
+                                        <p:attrNameLst>
+                                          <p:attrName>style.visibility</p:attrName>
+                                        </p:attrNameLst>
+                                      </p:cBhvr>
+                                      <p:to>
+                                        <p:strVal val="visible"/>
+                                      </p:to>
+                                    </p:set>
+                                  </p:childTnLst>
+                                </p:cTn>
+                              </p:par>
+                            </p:childTnLst>
+                          </p:cTn>
+                        </p:par>
+                      </p:childTnLst>
+                    </p:cTn>
+                  </p:par>
+                </p:childTnLst>
+              </p:cTn>
+              <p:prevCondLst>
+                <p:cond evt="onPrev" delay="0">
+                  <p:tgtEl>
+                    <p:sldTgt/>
+                  </p:tgtEl>
+                </p:cond>
+              </p:prevCondLst>
+              <p:nextCondLst>
+                <p:cond evt="onNext" delay="0">
+                  <p:tgtEl>
+                    <p:sldTgt/>
+                  </p:tgtEl>
+                </p:cond>
+              </p:nextCondLst>
+            </p:seq>
+          </p:childTnLst>
+        </p:cTn>
+      </p:par>
+    </p:tnLst>
+    <p:bldLst>
+      <p:bldP spid="5" grpId="0" animBg="1"/>
+    </p:bldLst>
+  </p:timing>
 </p:sld>
 </file>
 
@@ -31552,6 +31793,84 @@
   <p:clrMapOvr>
     <a:masterClrMapping/>
   </p:clrMapOvr>
+  <p:timing>
+    <p:tnLst>
+      <p:par>
+        <p:cTn id="1" dur="indefinite" restart="never" nodeType="tmRoot">
+          <p:childTnLst>
+            <p:seq concurrent="1" nextAc="seek">
+              <p:cTn id="2" dur="indefinite" nodeType="mainSeq">
+                <p:childTnLst>
+                  <p:par>
+                    <p:cTn id="3" fill="hold">
+                      <p:stCondLst>
+                        <p:cond delay="indefinite"/>
+                      </p:stCondLst>
+                      <p:childTnLst>
+                        <p:par>
+                          <p:cTn id="4" fill="hold">
+                            <p:stCondLst>
+                              <p:cond delay="0"/>
+                            </p:stCondLst>
+                            <p:childTnLst>
+                              <p:par>
+                                <p:cTn id="5" presetID="1" presetClass="entr" presetSubtype="0" fill="hold" grpId="0" nodeType="clickEffect">
+                                  <p:stCondLst>
+                                    <p:cond delay="0"/>
+                                  </p:stCondLst>
+                                  <p:childTnLst>
+                                    <p:set>
+                                      <p:cBhvr>
+                                        <p:cTn id="6" dur="1" fill="hold">
+                                          <p:stCondLst>
+                                            <p:cond delay="0"/>
+                                          </p:stCondLst>
+                                        </p:cTn>
+                                        <p:tgtEl>
+                                          <p:spTgt spid="5"/>
+                                        </p:tgtEl>
+                                        <p:attrNameLst>
+                                          <p:attrName>style.visibility</p:attrName>
+                                        </p:attrNameLst>
+                                      </p:cBhvr>
+                                      <p:to>
+                                        <p:strVal val="visible"/>
+                                      </p:to>
+                                    </p:set>
+                                  </p:childTnLst>
+                                </p:cTn>
+                              </p:par>
+                            </p:childTnLst>
+                          </p:cTn>
+                        </p:par>
+                      </p:childTnLst>
+                    </p:cTn>
+                  </p:par>
+                </p:childTnLst>
+              </p:cTn>
+              <p:prevCondLst>
+                <p:cond evt="onPrev" delay="0">
+                  <p:tgtEl>
+                    <p:sldTgt/>
+                  </p:tgtEl>
+                </p:cond>
+              </p:prevCondLst>
+              <p:nextCondLst>
+                <p:cond evt="onNext" delay="0">
+                  <p:tgtEl>
+                    <p:sldTgt/>
+                  </p:tgtEl>
+                </p:cond>
+              </p:nextCondLst>
+            </p:seq>
+          </p:childTnLst>
+        </p:cTn>
+      </p:par>
+    </p:tnLst>
+    <p:bldLst>
+      <p:bldP spid="5" grpId="0" animBg="1"/>
+    </p:bldLst>
+  </p:timing>
 </p:sld>
 </file>
 
@@ -31654,693 +31973,7 @@
             <a:pPr>
               <a:buNone/>
             </a:pPr>
-            <a:r>
-              <a:rPr lang="en-US" b="1" dirty="0"/>
-              <a:t>   Solution</a:t>
-            </a:r>
-            <a:r>
-              <a:rPr lang="en-US" dirty="0"/>
-              <a:t>: Use the reduction</a:t>
-            </a:r>
-          </a:p>
-          <a:p>
-            <a:pPr>
-              <a:buNone/>
-            </a:pPr>
-            <a:r>
-              <a:rPr lang="en-US" dirty="0"/>
-              <a:t>           </a:t>
-            </a:r>
-            <a:r>
-              <a:rPr lang="en-US" dirty="0" err="1"/>
-              <a:t>gcd</a:t>
-            </a:r>
-            <a:r>
-              <a:rPr lang="en-US" dirty="0"/>
-              <a:t>(</a:t>
-            </a:r>
-            <a:r>
-              <a:rPr lang="en-US" i="1" dirty="0" err="1"/>
-              <a:t>a</a:t>
-            </a:r>
-            <a:r>
-              <a:rPr lang="en-US" dirty="0" err="1"/>
-              <a:t>,</a:t>
-            </a:r>
-            <a:r>
-              <a:rPr lang="en-US" i="1" dirty="0" err="1"/>
-              <a:t>b</a:t>
-            </a:r>
-            <a:r>
-              <a:rPr lang="en-US" dirty="0"/>
-              <a:t>) = </a:t>
-            </a:r>
-            <a:r>
-              <a:rPr lang="en-US" dirty="0" err="1"/>
-              <a:t>gcd</a:t>
-            </a:r>
-            <a:r>
-              <a:rPr lang="en-US" dirty="0"/>
-              <a:t>(</a:t>
-            </a:r>
-            <a:r>
-              <a:rPr lang="en-US" i="1" dirty="0"/>
-              <a:t>b</a:t>
-            </a:r>
-            <a:r>
-              <a:rPr lang="en-US" dirty="0"/>
-              <a:t> </a:t>
-            </a:r>
-            <a:r>
-              <a:rPr lang="en-US" b="1" dirty="0"/>
-              <a:t>mod</a:t>
-            </a:r>
-            <a:r>
-              <a:rPr lang="en-US" dirty="0"/>
-              <a:t> </a:t>
-            </a:r>
-            <a:r>
-              <a:rPr lang="en-US" i="1" dirty="0"/>
-              <a:t>a</a:t>
-            </a:r>
-            <a:r>
-              <a:rPr lang="en-US" dirty="0"/>
-              <a:t>, </a:t>
-            </a:r>
-            <a:r>
-              <a:rPr lang="en-US" i="1" dirty="0"/>
-              <a:t>a</a:t>
-            </a:r>
-            <a:r>
-              <a:rPr lang="en-US" dirty="0"/>
-              <a:t>) </a:t>
-            </a:r>
-          </a:p>
-          <a:p>
-            <a:pPr>
-              <a:buNone/>
-            </a:pPr>
-            <a:r>
-              <a:rPr lang="en-US" dirty="0"/>
-              <a:t>   and the condition </a:t>
-            </a:r>
-            <a:r>
-              <a:rPr lang="en-US" dirty="0" err="1"/>
-              <a:t>gcd</a:t>
-            </a:r>
-            <a:r>
-              <a:rPr lang="en-US" dirty="0"/>
-              <a:t>(</a:t>
-            </a:r>
-            <a:r>
-              <a:rPr lang="en-US" dirty="0">
-                <a:latin typeface="Cambria Math" pitchFamily="18" charset="0"/>
-                <a:ea typeface="Cambria Math" pitchFamily="18" charset="0"/>
-              </a:rPr>
-              <a:t>0</a:t>
-            </a:r>
-            <a:r>
-              <a:rPr lang="en-US" dirty="0"/>
-              <a:t>,</a:t>
-            </a:r>
-            <a:r>
-              <a:rPr lang="en-US" i="1" dirty="0"/>
-              <a:t>b</a:t>
-            </a:r>
-            <a:r>
-              <a:rPr lang="en-US" dirty="0"/>
-              <a:t>) = </a:t>
-            </a:r>
-            <a:r>
-              <a:rPr lang="en-US" i="1" dirty="0"/>
-              <a:t>b</a:t>
-            </a:r>
-            <a:r>
-              <a:rPr lang="en-US" dirty="0"/>
-              <a:t> when </a:t>
-            </a:r>
-            <a:r>
-              <a:rPr lang="en-US" i="1" dirty="0"/>
-              <a:t>b</a:t>
-            </a:r>
-            <a:r>
-              <a:rPr lang="en-US" dirty="0"/>
-              <a:t> &gt; </a:t>
-            </a:r>
-            <a:r>
-              <a:rPr lang="en-US" dirty="0">
-                <a:latin typeface="Cambria Math" pitchFamily="18" charset="0"/>
-                <a:ea typeface="Cambria Math" pitchFamily="18" charset="0"/>
-              </a:rPr>
-              <a:t>0</a:t>
-            </a:r>
-            <a:r>
-              <a:rPr lang="en-US" dirty="0"/>
-              <a:t>.</a:t>
-            </a:r>
-          </a:p>
-          <a:p>
-            <a:pPr>
-              <a:buNone/>
-            </a:pPr>
             <a:endParaRPr lang="en-US" dirty="0"/>
-          </a:p>
-          <a:p>
-            <a:pPr>
-              <a:buNone/>
-            </a:pPr>
-            <a:endParaRPr lang="en-US" dirty="0"/>
-          </a:p>
-        </p:txBody>
-      </p:sp>
-      <p:sp>
-        <p:nvSpPr>
-          <p:cNvPr id="5" name="Content Placeholder 2"/>
-          <p:cNvSpPr txBox="1">
-            <a:spLocks/>
-          </p:cNvSpPr>
-          <p:nvPr/>
-        </p:nvSpPr>
-        <p:spPr>
-          <a:xfrm>
-            <a:off x="1143000" y="4648200"/>
-            <a:ext cx="6781800" cy="1676400"/>
-          </a:xfrm>
-          <a:prstGeom prst="rect">
-            <a:avLst/>
-          </a:prstGeom>
-          <a:ln>
-            <a:solidFill>
-              <a:schemeClr val="accent1"/>
-            </a:solidFill>
-          </a:ln>
-        </p:spPr>
-        <p:txBody>
-          <a:bodyPr vert="horz">
-            <a:normAutofit fontScale="25000" lnSpcReduction="20000"/>
-          </a:bodyPr>
-          <a:lstStyle/>
-          <a:p>
-            <a:pPr marL="274320" lvl="0" indent="-274320">
-              <a:spcBef>
-                <a:spcPct val="20000"/>
-              </a:spcBef>
-              <a:buClr>
-                <a:schemeClr val="accent3"/>
-              </a:buClr>
-              <a:buSzPct val="95000"/>
-              <a:defRPr/>
-            </a:pPr>
-            <a:r>
-              <a:rPr lang="en-US" sz="7400" b="1" dirty="0"/>
-              <a:t>procedure</a:t>
-            </a:r>
-            <a:r>
-              <a:rPr kumimoji="0" lang="en-US" sz="7400" b="1" i="0" u="none" strike="noStrike" kern="1200" cap="none" spc="0" normalizeH="0" baseline="0" noProof="0" dirty="0">
-                <a:ln>
-                  <a:noFill/>
-                </a:ln>
-                <a:solidFill>
-                  <a:schemeClr val="tx1"/>
-                </a:solidFill>
-                <a:effectLst/>
-                <a:uLnTx/>
-                <a:uFillTx/>
-                <a:latin typeface="+mn-lt"/>
-                <a:ea typeface="+mn-ea"/>
-                <a:cs typeface="+mn-cs"/>
-              </a:rPr>
-              <a:t> </a:t>
-            </a:r>
-            <a:r>
-              <a:rPr lang="en-US" sz="7400" i="1" dirty="0" err="1"/>
-              <a:t>gcd</a:t>
-            </a:r>
-            <a:r>
-              <a:rPr kumimoji="0" lang="en-US" sz="7400" i="0" u="none" strike="noStrike" kern="1200" cap="none" spc="0" normalizeH="0" baseline="0" noProof="0" dirty="0">
-                <a:ln>
-                  <a:noFill/>
-                </a:ln>
-                <a:solidFill>
-                  <a:schemeClr val="tx1"/>
-                </a:solidFill>
-                <a:effectLst/>
-                <a:uLnTx/>
-                <a:uFillTx/>
-                <a:latin typeface="+mn-lt"/>
-                <a:ea typeface="+mn-ea"/>
-                <a:cs typeface="+mn-cs"/>
-              </a:rPr>
-              <a:t>(</a:t>
-            </a:r>
-            <a:r>
-              <a:rPr lang="en-US" sz="7400" i="1" noProof="0" dirty="0" err="1"/>
-              <a:t>a,b</a:t>
-            </a:r>
-            <a:r>
-              <a:rPr lang="en-US" sz="7400" dirty="0"/>
-              <a:t>:</a:t>
-            </a:r>
-            <a:r>
-              <a:rPr lang="en-US" sz="7400" i="1" dirty="0"/>
-              <a:t> </a:t>
-            </a:r>
-            <a:r>
-              <a:rPr lang="en-US" sz="7400" dirty="0"/>
-              <a:t>nonnegative integers </a:t>
-            </a:r>
-          </a:p>
-          <a:p>
-            <a:pPr marL="274320" lvl="0" indent="-274320">
-              <a:spcBef>
-                <a:spcPct val="20000"/>
-              </a:spcBef>
-              <a:buClr>
-                <a:schemeClr val="accent3"/>
-              </a:buClr>
-              <a:buSzPct val="95000"/>
-              <a:defRPr/>
-            </a:pPr>
-            <a:r>
-              <a:rPr lang="en-US" sz="7400" dirty="0"/>
-              <a:t>                                   with </a:t>
-            </a:r>
-            <a:r>
-              <a:rPr lang="en-US" sz="7400" i="1" dirty="0"/>
-              <a:t>a &lt; b</a:t>
-            </a:r>
-            <a:r>
-              <a:rPr kumimoji="0" lang="en-US" sz="7400" i="0" u="none" strike="noStrike" kern="1200" cap="none" spc="0" normalizeH="0" baseline="0" noProof="0" dirty="0">
-                <a:ln>
-                  <a:noFill/>
-                </a:ln>
-                <a:solidFill>
-                  <a:schemeClr val="tx1"/>
-                </a:solidFill>
-                <a:effectLst/>
-                <a:uLnTx/>
-                <a:uFillTx/>
-                <a:latin typeface="+mn-lt"/>
-                <a:ea typeface="+mn-ea"/>
-                <a:cs typeface="+mn-cs"/>
-              </a:rPr>
-              <a:t>)</a:t>
-            </a:r>
-          </a:p>
-          <a:p>
-            <a:pPr marL="274320" lvl="0" indent="-274320">
-              <a:spcBef>
-                <a:spcPct val="20000"/>
-              </a:spcBef>
-              <a:buClr>
-                <a:schemeClr val="accent3"/>
-              </a:buClr>
-              <a:buSzPct val="95000"/>
-              <a:defRPr/>
-            </a:pPr>
-            <a:r>
-              <a:rPr lang="en-US" sz="7400" b="1" dirty="0"/>
-              <a:t>if </a:t>
-            </a:r>
-            <a:r>
-              <a:rPr lang="en-US" sz="7400" dirty="0"/>
-              <a:t> </a:t>
-            </a:r>
-            <a:r>
-              <a:rPr lang="en-US" sz="7400" i="1" dirty="0"/>
-              <a:t>a</a:t>
-            </a:r>
-            <a:r>
-              <a:rPr kumimoji="0" lang="en-US" sz="7400" i="0" u="none" strike="noStrike" kern="1200" cap="none" spc="0" normalizeH="0" baseline="0" noProof="0" dirty="0">
-                <a:ln>
-                  <a:noFill/>
-                </a:ln>
-                <a:solidFill>
-                  <a:schemeClr val="tx1"/>
-                </a:solidFill>
-                <a:effectLst/>
-                <a:uLnTx/>
-                <a:uFillTx/>
-                <a:latin typeface="+mn-lt"/>
-                <a:ea typeface="+mn-ea"/>
-                <a:cs typeface="+mn-cs"/>
-              </a:rPr>
-              <a:t> = </a:t>
-            </a:r>
-            <a:r>
-              <a:rPr lang="en-US" sz="7400" dirty="0">
-                <a:latin typeface="Cambria Math" pitchFamily="18" charset="0"/>
-                <a:ea typeface="Cambria Math" pitchFamily="18" charset="0"/>
-              </a:rPr>
-              <a:t>0</a:t>
-            </a:r>
-            <a:r>
-              <a:rPr kumimoji="0" lang="en-US" sz="7400" i="0" u="none" strike="noStrike" kern="1200" cap="none" spc="0" normalizeH="0" baseline="0" noProof="0" dirty="0">
-                <a:ln>
-                  <a:noFill/>
-                </a:ln>
-                <a:solidFill>
-                  <a:schemeClr val="tx1"/>
-                </a:solidFill>
-                <a:effectLst/>
-                <a:uLnTx/>
-                <a:uFillTx/>
-                <a:latin typeface="Cambria Math" pitchFamily="18" charset="0"/>
-                <a:ea typeface="Cambria Math" pitchFamily="18" charset="0"/>
-              </a:rPr>
-              <a:t> </a:t>
-            </a:r>
-            <a:r>
-              <a:rPr kumimoji="0" lang="en-US" sz="7400" b="1" i="0" u="none" strike="noStrike" kern="1200" cap="none" spc="0" normalizeH="0" baseline="0" noProof="0" dirty="0">
-                <a:ln>
-                  <a:noFill/>
-                </a:ln>
-                <a:solidFill>
-                  <a:schemeClr val="tx1"/>
-                </a:solidFill>
-                <a:effectLst/>
-                <a:uLnTx/>
-                <a:uFillTx/>
-                <a:latin typeface="Cambria Math" pitchFamily="18" charset="0"/>
-                <a:ea typeface="Cambria Math" pitchFamily="18" charset="0"/>
-              </a:rPr>
-              <a:t>then</a:t>
-            </a:r>
-            <a:r>
-              <a:rPr kumimoji="0" lang="en-US" sz="7400" b="1" i="0" u="none" strike="noStrike" kern="1200" cap="none" spc="0" normalizeH="0" noProof="0" dirty="0">
-                <a:ln>
-                  <a:noFill/>
-                </a:ln>
-                <a:solidFill>
-                  <a:schemeClr val="tx1"/>
-                </a:solidFill>
-                <a:effectLst/>
-                <a:uLnTx/>
-                <a:uFillTx/>
-                <a:latin typeface="Cambria Math" pitchFamily="18" charset="0"/>
-                <a:ea typeface="Cambria Math" pitchFamily="18" charset="0"/>
-              </a:rPr>
-              <a:t> return </a:t>
-            </a:r>
-            <a:r>
-              <a:rPr lang="en-US" sz="7400" i="1" dirty="0">
-                <a:latin typeface="Cambria Math" pitchFamily="18" charset="0"/>
-                <a:ea typeface="Cambria Math" pitchFamily="18" charset="0"/>
-              </a:rPr>
-              <a:t>b</a:t>
-            </a:r>
-            <a:endParaRPr kumimoji="0" lang="en-US" sz="7400" i="1" u="none" strike="noStrike" kern="1200" cap="none" spc="0" normalizeH="0" noProof="0" dirty="0">
-              <a:ln>
-                <a:noFill/>
-              </a:ln>
-              <a:solidFill>
-                <a:schemeClr val="tx1"/>
-              </a:solidFill>
-              <a:effectLst/>
-              <a:uLnTx/>
-              <a:uFillTx/>
-              <a:latin typeface="Cambria Math" pitchFamily="18" charset="0"/>
-              <a:ea typeface="Cambria Math" pitchFamily="18" charset="0"/>
-            </a:endParaRPr>
-          </a:p>
-          <a:p>
-            <a:pPr marL="274320" indent="-274320">
-              <a:spcBef>
-                <a:spcPct val="20000"/>
-              </a:spcBef>
-              <a:buClr>
-                <a:schemeClr val="accent3"/>
-              </a:buClr>
-              <a:buSzPct val="95000"/>
-              <a:defRPr/>
-            </a:pPr>
-            <a:r>
-              <a:rPr lang="en-US" sz="7400" b="1" dirty="0"/>
-              <a:t>else </a:t>
-            </a:r>
-            <a:r>
-              <a:rPr lang="en-US" sz="7400" dirty="0"/>
-              <a:t> </a:t>
-            </a:r>
-            <a:r>
-              <a:rPr lang="en-US" sz="7400" b="1" dirty="0">
-                <a:latin typeface="Cambria Math" pitchFamily="18" charset="0"/>
-                <a:ea typeface="Cambria Math" pitchFamily="18" charset="0"/>
-              </a:rPr>
-              <a:t>return </a:t>
-            </a:r>
-            <a:r>
-              <a:rPr lang="en-US" sz="7400" i="1" dirty="0"/>
-              <a:t> </a:t>
-            </a:r>
-            <a:r>
-              <a:rPr lang="en-US" sz="7400" i="1" dirty="0" err="1"/>
-              <a:t>gcd</a:t>
-            </a:r>
-            <a:r>
-              <a:rPr lang="en-US" sz="7400" i="1" dirty="0"/>
-              <a:t> </a:t>
-            </a:r>
-            <a:r>
-              <a:rPr lang="en-US" sz="7400" dirty="0">
-                <a:ea typeface="Cambria Math"/>
-              </a:rPr>
-              <a:t>(</a:t>
-            </a:r>
-            <a:r>
-              <a:rPr lang="en-US" sz="7400" i="1" dirty="0">
-                <a:ea typeface="Cambria Math"/>
-              </a:rPr>
-              <a:t>b</a:t>
-            </a:r>
-            <a:r>
-              <a:rPr lang="en-US" sz="7400" i="1" dirty="0">
-                <a:latin typeface="Cambria Math"/>
-                <a:ea typeface="Cambria Math"/>
-              </a:rPr>
-              <a:t> </a:t>
-            </a:r>
-            <a:r>
-              <a:rPr lang="en-US" sz="7400" b="1" dirty="0">
-                <a:ea typeface="Cambria Math"/>
-              </a:rPr>
-              <a:t>mod</a:t>
-            </a:r>
-            <a:r>
-              <a:rPr lang="en-US" sz="7400" i="1" dirty="0">
-                <a:ea typeface="Cambria Math"/>
-              </a:rPr>
-              <a:t>  a, a</a:t>
-            </a:r>
-            <a:r>
-              <a:rPr lang="en-US" sz="7400" dirty="0">
-                <a:ea typeface="Cambria Math" pitchFamily="18" charset="0"/>
-              </a:rPr>
-              <a:t>)</a:t>
-            </a:r>
-            <a:endParaRPr lang="en-US" sz="7400" i="1" dirty="0">
-              <a:ea typeface="Cambria Math" pitchFamily="18" charset="0"/>
-            </a:endParaRPr>
-          </a:p>
-          <a:p>
-            <a:pPr marL="274320" lvl="0" indent="-274320">
-              <a:spcBef>
-                <a:spcPct val="20000"/>
-              </a:spcBef>
-              <a:buClr>
-                <a:schemeClr val="accent3"/>
-              </a:buClr>
-              <a:buSzPct val="95000"/>
-              <a:defRPr/>
-            </a:pPr>
-            <a:r>
-              <a:rPr lang="en-US" sz="7400" noProof="0" dirty="0">
-                <a:ea typeface="Cambria Math" pitchFamily="18" charset="0"/>
-              </a:rPr>
-              <a:t>{output is </a:t>
-            </a:r>
-            <a:r>
-              <a:rPr lang="en-US" sz="7400" i="1" dirty="0" err="1">
-                <a:ea typeface="Cambria Math" pitchFamily="18" charset="0"/>
-              </a:rPr>
-              <a:t>gcd</a:t>
-            </a:r>
-            <a:r>
-              <a:rPr lang="en-US" sz="7400" dirty="0">
-                <a:ea typeface="Cambria Math" pitchFamily="18" charset="0"/>
-              </a:rPr>
-              <a:t>(</a:t>
-            </a:r>
-            <a:r>
-              <a:rPr lang="en-US" sz="7400" i="1" dirty="0">
-                <a:ea typeface="Cambria Math" pitchFamily="18" charset="0"/>
-              </a:rPr>
-              <a:t>a, b</a:t>
-            </a:r>
-            <a:r>
-              <a:rPr lang="en-US" sz="7400" dirty="0">
-                <a:ea typeface="Cambria Math" pitchFamily="18" charset="0"/>
-              </a:rPr>
-              <a:t>)</a:t>
-            </a:r>
-            <a:r>
-              <a:rPr lang="en-US" sz="7400" noProof="0" dirty="0">
-                <a:ea typeface="Cambria Math" pitchFamily="18" charset="0"/>
-              </a:rPr>
-              <a:t>}</a:t>
-            </a:r>
-            <a:endParaRPr kumimoji="0" lang="en-US" sz="7400" u="none" strike="noStrike" kern="1200" cap="none" spc="0" normalizeH="0" baseline="0" noProof="0" dirty="0">
-              <a:ln>
-                <a:noFill/>
-              </a:ln>
-              <a:solidFill>
-                <a:schemeClr val="tx1"/>
-              </a:solidFill>
-              <a:effectLst/>
-              <a:uLnTx/>
-              <a:uFillTx/>
-              <a:ea typeface="Cambria Math" pitchFamily="18" charset="0"/>
-            </a:endParaRPr>
-          </a:p>
-          <a:p>
-            <a:pPr marL="274320" lvl="0" indent="-274320">
-              <a:spcBef>
-                <a:spcPct val="20000"/>
-              </a:spcBef>
-              <a:buClr>
-                <a:schemeClr val="accent3"/>
-              </a:buClr>
-              <a:buSzPct val="95000"/>
-            </a:pPr>
-            <a:endParaRPr lang="en-US" sz="2600" i="1" baseline="-25000" dirty="0"/>
-          </a:p>
-          <a:p>
-            <a:pPr marL="274320" lvl="0" indent="-274320">
-              <a:spcBef>
-                <a:spcPct val="20000"/>
-              </a:spcBef>
-              <a:buClr>
-                <a:schemeClr val="accent3"/>
-              </a:buClr>
-              <a:buSzPct val="95000"/>
-            </a:pPr>
-            <a:endParaRPr kumimoji="0" lang="en-US" sz="2600" b="0" i="1" u="none" strike="noStrike" kern="1200" cap="none" spc="0" normalizeH="0" baseline="0" noProof="0" dirty="0">
-              <a:ln>
-                <a:noFill/>
-              </a:ln>
-              <a:solidFill>
-                <a:schemeClr val="tx1"/>
-              </a:solidFill>
-              <a:effectLst/>
-              <a:uLnTx/>
-              <a:uFillTx/>
-              <a:latin typeface="+mn-lt"/>
-              <a:ea typeface="+mn-ea"/>
-              <a:cs typeface="+mn-cs"/>
-            </a:endParaRPr>
-          </a:p>
-          <a:p>
-            <a:pPr marL="274320" marR="0" lvl="0" indent="-274320" algn="l" defTabSz="914400" rtl="0" eaLnBrk="1" fontAlgn="auto" latinLnBrk="0" hangingPunct="1">
-              <a:lnSpc>
-                <a:spcPct val="100000"/>
-              </a:lnSpc>
-              <a:spcBef>
-                <a:spcPct val="20000"/>
-              </a:spcBef>
-              <a:spcAft>
-                <a:spcPts val="0"/>
-              </a:spcAft>
-              <a:buClr>
-                <a:schemeClr val="accent3"/>
-              </a:buClr>
-              <a:buSzPct val="95000"/>
-              <a:buFont typeface="Wingdings 2"/>
-              <a:buNone/>
-              <a:tabLst/>
-              <a:defRPr/>
-            </a:pPr>
-            <a:r>
-              <a:rPr kumimoji="0" lang="en-US" sz="2600" b="0" i="0" u="none" strike="noStrike" kern="1200" cap="none" spc="0" normalizeH="0" baseline="0" noProof="0" dirty="0">
-                <a:ln>
-                  <a:noFill/>
-                </a:ln>
-                <a:solidFill>
-                  <a:schemeClr val="tx1"/>
-                </a:solidFill>
-                <a:effectLst/>
-                <a:uLnTx/>
-                <a:uFillTx/>
-                <a:latin typeface="+mn-lt"/>
-                <a:ea typeface="+mn-ea"/>
-                <a:cs typeface="+mn-cs"/>
-              </a:rPr>
-              <a:t>         </a:t>
-            </a:r>
-            <a:endParaRPr kumimoji="0" lang="en-US" sz="2600" b="0" i="0" u="none" strike="noStrike" kern="1200" cap="none" spc="0" normalizeH="0" baseline="0" noProof="0" dirty="0">
-              <a:ln>
-                <a:noFill/>
-              </a:ln>
-              <a:solidFill>
-                <a:schemeClr val="tx1"/>
-              </a:solidFill>
-              <a:effectLst/>
-              <a:uLnTx/>
-              <a:uFillTx/>
-              <a:latin typeface="Cambria Math" pitchFamily="18" charset="0"/>
-              <a:ea typeface="Cambria Math" pitchFamily="18" charset="0"/>
-            </a:endParaRPr>
-          </a:p>
-          <a:p>
-            <a:pPr marL="274320" marR="0" lvl="0" indent="-274320" algn="l" defTabSz="914400" rtl="0" eaLnBrk="1" fontAlgn="auto" latinLnBrk="0" hangingPunct="1">
-              <a:lnSpc>
-                <a:spcPct val="100000"/>
-              </a:lnSpc>
-              <a:spcBef>
-                <a:spcPct val="20000"/>
-              </a:spcBef>
-              <a:spcAft>
-                <a:spcPts val="0"/>
-              </a:spcAft>
-              <a:buClr>
-                <a:schemeClr val="accent3"/>
-              </a:buClr>
-              <a:buSzPct val="95000"/>
-              <a:buFont typeface="Wingdings 2"/>
-              <a:buNone/>
-              <a:tabLst/>
-              <a:defRPr/>
-            </a:pPr>
-            <a:r>
-              <a:rPr kumimoji="0" lang="en-US" sz="2600" b="0" i="0" u="none" strike="noStrike" kern="1200" cap="none" spc="0" normalizeH="0" baseline="0" noProof="0" dirty="0">
-                <a:ln>
-                  <a:noFill/>
-                </a:ln>
-                <a:solidFill>
-                  <a:schemeClr val="tx1"/>
-                </a:solidFill>
-                <a:effectLst/>
-                <a:uLnTx/>
-                <a:uFillTx/>
-                <a:latin typeface="+mn-lt"/>
-                <a:ea typeface="+mn-ea"/>
-                <a:cs typeface="+mn-cs"/>
-              </a:rPr>
-              <a:t>    </a:t>
-            </a:r>
-            <a:endParaRPr kumimoji="0" lang="en-US" sz="2600" b="0" i="1" u="none" strike="noStrike" kern="1200" cap="none" spc="0" normalizeH="0" baseline="0" noProof="0" dirty="0">
-              <a:ln>
-                <a:noFill/>
-              </a:ln>
-              <a:solidFill>
-                <a:schemeClr val="tx1"/>
-              </a:solidFill>
-              <a:effectLst/>
-              <a:uLnTx/>
-              <a:uFillTx/>
-              <a:latin typeface="+mn-lt"/>
-              <a:ea typeface="+mn-ea"/>
-              <a:cs typeface="+mn-cs"/>
-            </a:endParaRPr>
           </a:p>
         </p:txBody>
       </p:sp>
@@ -32381,14 +32014,12 @@
         </p:nvSpPr>
         <p:spPr/>
         <p:txBody>
-          <a:bodyPr>
-            <a:noAutofit/>
-          </a:bodyPr>
+          <a:bodyPr/>
           <a:lstStyle/>
           <a:p>
             <a:r>
-              <a:rPr lang="en-US" sz="4000" dirty="0"/>
-              <a:t>Recursive Binary Search Algorithm</a:t>
+              <a:rPr lang="en-US" dirty="0"/>
+              <a:t>Recursive GCD Algorithm</a:t>
             </a:r>
           </a:p>
         </p:txBody>
@@ -32403,7 +32034,12 @@
             <p:ph idx="1"/>
           </p:nvPr>
         </p:nvSpPr>
-        <p:spPr/>
+        <p:spPr>
+          <a:xfrm>
+            <a:off x="457200" y="1935480"/>
+            <a:ext cx="8229600" cy="4541520"/>
+          </a:xfrm>
+        </p:spPr>
         <p:txBody>
           <a:bodyPr/>
           <a:lstStyle/>
@@ -32413,11 +32049,11 @@
             </a:pPr>
             <a:r>
               <a:rPr lang="en-US" b="1" dirty="0"/>
-              <a:t>   Example</a:t>
-            </a:r>
-            <a:r>
-              <a:rPr lang="en-US" dirty="0"/>
-              <a:t>: Construct a recursive version of a binary search algorithm. </a:t>
+              <a:t>Solution</a:t>
+            </a:r>
+            <a:r>
+              <a:rPr lang="en-US" dirty="0"/>
+              <a:t>: Use the reduction</a:t>
             </a:r>
           </a:p>
           <a:p>
@@ -32425,104 +32061,147 @@
               <a:buNone/>
             </a:pPr>
             <a:r>
-              <a:rPr lang="en-US" sz="2800" b="1" dirty="0"/>
-              <a:t>   Solution</a:t>
-            </a:r>
-            <a:r>
-              <a:rPr lang="en-US" sz="2800" dirty="0"/>
-              <a:t>: </a:t>
-            </a:r>
-            <a:r>
-              <a:rPr lang="en-US" sz="2000" dirty="0"/>
-              <a:t>Assume we have </a:t>
-            </a:r>
-            <a:r>
-              <a:rPr lang="en-US" sz="2000" i="1" dirty="0"/>
+              <a:rPr lang="en-US" dirty="0"/>
+              <a:t>           </a:t>
+            </a:r>
+            <a:r>
+              <a:rPr lang="en-US" dirty="0" err="1"/>
+              <a:t>gcd</a:t>
+            </a:r>
+            <a:r>
+              <a:rPr lang="en-US" dirty="0"/>
+              <a:t>(</a:t>
+            </a:r>
+            <a:r>
+              <a:rPr lang="en-US" i="1" dirty="0" err="1"/>
               <a:t>a</a:t>
             </a:r>
             <a:r>
-              <a:rPr lang="en-US" sz="2000" baseline="-25000" dirty="0"/>
-              <a:t>1</a:t>
-            </a:r>
-            <a:r>
-              <a:rPr lang="en-US" sz="2000" dirty="0"/>
+              <a:rPr lang="en-US" dirty="0" err="1"/>
               <a:t>,</a:t>
             </a:r>
             <a:r>
-              <a:rPr lang="en-US" sz="2000" i="1" dirty="0"/>
+              <a:rPr lang="en-US" i="1" dirty="0" err="1"/>
+              <a:t>b</a:t>
+            </a:r>
+            <a:r>
+              <a:rPr lang="en-US" dirty="0"/>
+              <a:t>) = </a:t>
+            </a:r>
+            <a:r>
+              <a:rPr lang="en-US" dirty="0" err="1"/>
+              <a:t>gcd</a:t>
+            </a:r>
+            <a:r>
+              <a:rPr lang="en-US" dirty="0"/>
+              <a:t>(</a:t>
+            </a:r>
+            <a:r>
+              <a:rPr lang="en-US" i="1" dirty="0"/>
+              <a:t>b</a:t>
+            </a:r>
+            <a:r>
+              <a:rPr lang="en-US" dirty="0"/>
+              <a:t> </a:t>
+            </a:r>
+            <a:r>
+              <a:rPr lang="en-US" b="1" dirty="0"/>
+              <a:t>mod</a:t>
+            </a:r>
+            <a:r>
+              <a:rPr lang="en-US" dirty="0"/>
+              <a:t> </a:t>
+            </a:r>
+            <a:r>
+              <a:rPr lang="en-US" i="1" dirty="0"/>
               <a:t>a</a:t>
             </a:r>
             <a:r>
-              <a:rPr lang="en-US" sz="2000" baseline="-25000" dirty="0"/>
-              <a:t>2</a:t>
-            </a:r>
-            <a:r>
-              <a:rPr lang="en-US" sz="2000" dirty="0"/>
-              <a:t>,…, </a:t>
-            </a:r>
-            <a:r>
-              <a:rPr lang="en-US" sz="2000" i="1" dirty="0"/>
+              <a:rPr lang="en-US" dirty="0"/>
+              <a:t>, </a:t>
+            </a:r>
+            <a:r>
+              <a:rPr lang="en-US" i="1" dirty="0"/>
               <a:t>a</a:t>
             </a:r>
             <a:r>
-              <a:rPr lang="en-US" sz="2000" i="1" baseline="-25000" dirty="0"/>
-              <a:t>n</a:t>
-            </a:r>
-            <a:r>
-              <a:rPr lang="en-US" sz="2000" dirty="0"/>
-              <a:t>, an increasing sequence of integers. Initially </a:t>
-            </a:r>
-            <a:r>
-              <a:rPr lang="en-US" sz="2000" i="1" dirty="0" err="1"/>
-              <a:t>i</a:t>
-            </a:r>
-            <a:r>
-              <a:rPr lang="en-US" sz="2000" dirty="0"/>
-              <a:t> is </a:t>
-            </a:r>
-            <a:r>
-              <a:rPr lang="en-US" sz="2000" dirty="0">
-                <a:latin typeface="Cambria Math" pitchFamily="18" charset="0"/>
-                <a:ea typeface="Cambria Math" pitchFamily="18" charset="0"/>
-              </a:rPr>
-              <a:t>1</a:t>
-            </a:r>
-            <a:r>
-              <a:rPr lang="en-US" sz="2000" dirty="0"/>
-              <a:t> and </a:t>
-            </a:r>
-            <a:r>
-              <a:rPr lang="en-US" sz="2000" i="1" dirty="0"/>
-              <a:t>j</a:t>
-            </a:r>
-            <a:r>
-              <a:rPr lang="en-US" sz="2000" dirty="0"/>
-              <a:t> is </a:t>
-            </a:r>
-            <a:r>
-              <a:rPr lang="en-US" sz="2000" i="1" dirty="0"/>
-              <a:t>n</a:t>
-            </a:r>
-            <a:r>
-              <a:rPr lang="en-US" sz="2000" dirty="0"/>
-              <a:t>. We are searching for </a:t>
-            </a:r>
-            <a:r>
-              <a:rPr lang="en-US" sz="2000" i="1" dirty="0"/>
-              <a:t>x</a:t>
-            </a:r>
-            <a:r>
-              <a:rPr lang="en-US" sz="2000" dirty="0"/>
+              <a:rPr lang="en-US" dirty="0"/>
+              <a:t>) </a:t>
+            </a:r>
+          </a:p>
+          <a:p>
+            <a:pPr>
+              <a:buNone/>
+            </a:pPr>
+            <a:r>
+              <a:rPr lang="en-US" dirty="0"/>
+              <a:t>   and the condition </a:t>
+            </a:r>
+            <a:r>
+              <a:rPr lang="en-US" dirty="0" err="1"/>
+              <a:t>gcd</a:t>
+            </a:r>
+            <a:r>
+              <a:rPr lang="en-US" dirty="0"/>
+              <a:t>(</a:t>
+            </a:r>
+            <a:r>
+              <a:rPr lang="en-US" dirty="0">
+                <a:latin typeface="Cambria Math" pitchFamily="18" charset="0"/>
+                <a:ea typeface="Cambria Math" pitchFamily="18" charset="0"/>
+              </a:rPr>
+              <a:t>0</a:t>
+            </a:r>
+            <a:r>
+              <a:rPr lang="en-US" dirty="0"/>
+              <a:t>,</a:t>
+            </a:r>
+            <a:r>
+              <a:rPr lang="en-US" i="1" dirty="0"/>
+              <a:t>b</a:t>
+            </a:r>
+            <a:r>
+              <a:rPr lang="en-US" dirty="0"/>
+              <a:t>) = </a:t>
+            </a:r>
+            <a:r>
+              <a:rPr lang="en-US" i="1" dirty="0"/>
+              <a:t>b</a:t>
+            </a:r>
+            <a:r>
+              <a:rPr lang="en-US" dirty="0"/>
+              <a:t> when </a:t>
+            </a:r>
+            <a:r>
+              <a:rPr lang="en-US" i="1" dirty="0"/>
+              <a:t>b</a:t>
+            </a:r>
+            <a:r>
+              <a:rPr lang="en-US" dirty="0"/>
+              <a:t> &gt; </a:t>
+            </a:r>
+            <a:r>
+              <a:rPr lang="en-US" dirty="0">
+                <a:latin typeface="Cambria Math" pitchFamily="18" charset="0"/>
+                <a:ea typeface="Cambria Math" pitchFamily="18" charset="0"/>
+              </a:rPr>
+              <a:t>0</a:t>
+            </a:r>
+            <a:r>
+              <a:rPr lang="en-US" dirty="0"/>
               <a:t>.</a:t>
             </a:r>
           </a:p>
           <a:p>
+            <a:pPr>
+              <a:buNone/>
+            </a:pPr>
             <a:endParaRPr lang="en-US" dirty="0"/>
           </a:p>
           <a:p>
-            <a:endParaRPr lang="en-US" dirty="0"/>
-          </a:p>
-          <a:p>
+            <a:pPr>
+              <a:buNone/>
+            </a:pPr>
             <a:endParaRPr lang="en-US" dirty="0"/>
           </a:p>
         </p:txBody>
@@ -32537,8 +32216,8 @@
         </p:nvSpPr>
         <p:spPr>
           <a:xfrm>
-            <a:off x="1066800" y="3657600"/>
-            <a:ext cx="6781800" cy="2895600"/>
+            <a:off x="990600" y="3657600"/>
+            <a:ext cx="6781800" cy="1676400"/>
           </a:xfrm>
           <a:prstGeom prst="rect">
             <a:avLst/>
@@ -32566,11 +32245,11 @@
               <a:defRPr/>
             </a:pPr>
             <a:r>
-              <a:rPr lang="en-US" sz="7200" b="1" dirty="0"/>
+              <a:rPr lang="en-US" sz="7400" b="1" dirty="0"/>
               <a:t>procedure</a:t>
             </a:r>
             <a:r>
-              <a:rPr kumimoji="0" lang="en-US" sz="7200" b="1" i="0" u="none" strike="noStrike" kern="1200" cap="none" spc="0" normalizeH="0" baseline="0" noProof="0" dirty="0">
+              <a:rPr kumimoji="0" lang="en-US" sz="7400" b="1" i="0" u="none" strike="noStrike" kern="1200" cap="none" spc="0" normalizeH="0" baseline="0" noProof="0" dirty="0">
                 <a:ln>
                   <a:noFill/>
                 </a:ln>
@@ -32587,11 +32266,11 @@
               <a:t> </a:t>
             </a:r>
             <a:r>
-              <a:rPr lang="en-US" sz="7200" i="1" dirty="0"/>
-              <a:t>binary search</a:t>
-            </a:r>
-            <a:r>
-              <a:rPr kumimoji="0" lang="en-US" sz="7200" i="0" u="none" strike="noStrike" kern="1200" cap="none" spc="0" normalizeH="0" baseline="0" noProof="0" dirty="0">
+              <a:rPr lang="en-US" sz="7400" i="1" dirty="0" err="1"/>
+              <a:t>gcd</a:t>
+            </a:r>
+            <a:r>
+              <a:rPr kumimoji="0" lang="en-US" sz="7400" i="0" u="none" strike="noStrike" kern="1200" cap="none" spc="0" normalizeH="0" baseline="0" noProof="0" dirty="0">
                 <a:ln>
                   <a:noFill/>
                 </a:ln>
@@ -32608,81 +32287,20 @@
               <a:t>(</a:t>
             </a:r>
             <a:r>
-              <a:rPr lang="en-US" sz="7200" i="1" dirty="0" err="1"/>
-              <a:t>i</a:t>
-            </a:r>
-            <a:r>
-              <a:rPr lang="en-US" sz="7200" i="1" noProof="0" dirty="0"/>
-              <a:t>, j, x : </a:t>
-            </a:r>
-            <a:r>
-              <a:rPr lang="en-US" sz="7200" dirty="0"/>
-              <a:t>integers,  </a:t>
-            </a:r>
-            <a:r>
-              <a:rPr lang="en-US" sz="7200" dirty="0">
-                <a:latin typeface="Cambria Math" pitchFamily="18" charset="0"/>
-                <a:ea typeface="Cambria Math" pitchFamily="18" charset="0"/>
-              </a:rPr>
-              <a:t>1</a:t>
-            </a:r>
-            <a:r>
-              <a:rPr lang="en-US" sz="7200" dirty="0">
-                <a:latin typeface="Cambria Math"/>
-                <a:ea typeface="Cambria Math"/>
-              </a:rPr>
-              <a:t>≤</a:t>
-            </a:r>
-            <a:r>
-              <a:rPr lang="en-US" sz="7200" i="1" dirty="0">
-                <a:ea typeface="Cambria Math"/>
-              </a:rPr>
+              <a:rPr lang="en-US" sz="7400" i="1" noProof="0" dirty="0" err="1"/>
+              <a:t>a,b</a:t>
+            </a:r>
+            <a:r>
+              <a:rPr lang="en-US" sz="7400" dirty="0"/>
+              <a:t>:</a:t>
+            </a:r>
+            <a:r>
+              <a:rPr lang="en-US" sz="7400" i="1" dirty="0"/>
               <a:t> </a:t>
             </a:r>
             <a:r>
-              <a:rPr lang="en-US" sz="7200" i="1" dirty="0" err="1">
-                <a:ea typeface="Cambria Math"/>
-              </a:rPr>
-              <a:t>i</a:t>
-            </a:r>
-            <a:r>
-              <a:rPr lang="en-US" sz="7200" i="1" dirty="0">
-                <a:ea typeface="Cambria Math"/>
-              </a:rPr>
-              <a:t> </a:t>
-            </a:r>
-            <a:r>
-              <a:rPr lang="en-US" sz="7200" dirty="0">
-                <a:latin typeface="Cambria Math"/>
-                <a:ea typeface="Cambria Math"/>
-              </a:rPr>
-              <a:t>≤ </a:t>
-            </a:r>
-            <a:r>
-              <a:rPr lang="en-US" sz="7200" i="1" dirty="0">
-                <a:ea typeface="Cambria Math"/>
-              </a:rPr>
-              <a:t>j </a:t>
-            </a:r>
-            <a:r>
-              <a:rPr lang="en-US" sz="7200" dirty="0">
-                <a:latin typeface="Cambria Math"/>
-                <a:ea typeface="Cambria Math"/>
-              </a:rPr>
-              <a:t>≤</a:t>
-            </a:r>
-            <a:r>
-              <a:rPr lang="en-US" sz="7200" i="1" dirty="0">
-                <a:ea typeface="Cambria Math"/>
-              </a:rPr>
-              <a:t>n</a:t>
-            </a:r>
-            <a:r>
-              <a:rPr lang="en-US" sz="7200" dirty="0">
-                <a:latin typeface="Cambria Math"/>
-                <a:ea typeface="Cambria Math"/>
-              </a:rPr>
-              <a:t>)</a:t>
+              <a:rPr lang="en-US" sz="7400" dirty="0"/>
+              <a:t>nonnegative integers </a:t>
             </a:r>
           </a:p>
           <a:p>
@@ -32697,146 +32315,15 @@
               <a:defRPr/>
             </a:pPr>
             <a:r>
-              <a:rPr lang="en-US" sz="7200" i="1" dirty="0">
-                <a:ea typeface="Cambria Math"/>
-              </a:rPr>
-              <a:t>m</a:t>
-            </a:r>
-            <a:r>
-              <a:rPr kumimoji="0" lang="en-US" sz="7200" i="0" u="none" strike="noStrike" kern="1200" cap="none" spc="0" normalizeH="0" baseline="0" noProof="0" dirty="0">
-                <a:ln>
-                  <a:noFill/>
-                </a:ln>
-                <a:solidFill>
-                  <a:schemeClr val="tx1"/>
-                </a:solidFill>
-                <a:effectLst/>
-                <a:uLnTx/>
-                <a:uFillTx/>
-                <a:latin typeface="Cambria Math"/>
-                <a:ea typeface="Cambria Math"/>
-                <a:cs typeface="+mn-cs"/>
-              </a:rPr>
-              <a:t> := </a:t>
-            </a:r>
-            <a:r>
-              <a:rPr kumimoji="0" lang="en-US" sz="7200" i="0" u="none" strike="noStrike" kern="1200" cap="none" spc="0" normalizeH="0" baseline="0" noProof="0" dirty="0">
-                <a:ln>
-                  <a:noFill/>
-                </a:ln>
-                <a:solidFill>
-                  <a:schemeClr val="tx1"/>
-                </a:solidFill>
-                <a:effectLst/>
-                <a:uLnTx/>
-                <a:uFillTx/>
-                <a:latin typeface="Cambria Math"/>
-                <a:ea typeface="Cambria Math"/>
-              </a:rPr>
-              <a:t>⌊(</a:t>
-            </a:r>
-            <a:r>
-              <a:rPr kumimoji="0" lang="en-US" sz="7200" i="1" u="none" strike="noStrike" kern="1200" cap="none" spc="0" normalizeH="0" baseline="0" noProof="0" dirty="0" err="1">
-                <a:ln>
-                  <a:noFill/>
-                </a:ln>
-                <a:solidFill>
-                  <a:schemeClr val="tx1"/>
-                </a:solidFill>
-                <a:effectLst/>
-                <a:uLnTx/>
-                <a:uFillTx/>
-                <a:ea typeface="Cambria Math"/>
-              </a:rPr>
-              <a:t>i</a:t>
-            </a:r>
-            <a:r>
-              <a:rPr kumimoji="0" lang="en-US" sz="7200" i="0" u="none" strike="noStrike" kern="1200" cap="none" spc="0" normalizeH="0" baseline="0" noProof="0" dirty="0">
-                <a:ln>
-                  <a:noFill/>
-                </a:ln>
-                <a:solidFill>
-                  <a:schemeClr val="tx1"/>
-                </a:solidFill>
-                <a:effectLst/>
-                <a:uLnTx/>
-                <a:uFillTx/>
-                <a:latin typeface="Cambria Math"/>
-                <a:ea typeface="Cambria Math"/>
-              </a:rPr>
-              <a:t> + </a:t>
-            </a:r>
-            <a:r>
-              <a:rPr kumimoji="0" lang="en-US" sz="7200" i="1" u="none" strike="noStrike" kern="1200" cap="none" spc="0" normalizeH="0" baseline="0" noProof="0" dirty="0">
-                <a:ln>
-                  <a:noFill/>
-                </a:ln>
-                <a:solidFill>
-                  <a:schemeClr val="tx1"/>
-                </a:solidFill>
-                <a:effectLst/>
-                <a:uLnTx/>
-                <a:uFillTx/>
-                <a:ea typeface="Cambria Math"/>
-              </a:rPr>
-              <a:t>j</a:t>
-            </a:r>
-            <a:r>
-              <a:rPr kumimoji="0" lang="en-US" sz="7200" i="0" u="none" strike="noStrike" kern="1200" cap="none" spc="0" normalizeH="0" baseline="0" noProof="0" dirty="0">
-                <a:ln>
-                  <a:noFill/>
-                </a:ln>
-                <a:solidFill>
-                  <a:schemeClr val="tx1"/>
-                </a:solidFill>
-                <a:effectLst/>
-                <a:uLnTx/>
-                <a:uFillTx/>
-                <a:latin typeface="Cambria Math"/>
-                <a:ea typeface="Cambria Math"/>
-              </a:rPr>
-              <a:t>)/2⌋</a:t>
-            </a:r>
-            <a:endParaRPr kumimoji="0" lang="en-US" sz="7200" i="0" u="none" strike="noStrike" kern="1200" cap="none" spc="0" normalizeH="0" baseline="0" noProof="0" dirty="0">
-              <a:ln>
-                <a:noFill/>
-              </a:ln>
-              <a:solidFill>
-                <a:schemeClr val="tx1"/>
-              </a:solidFill>
-              <a:effectLst/>
-              <a:uLnTx/>
-              <a:uFillTx/>
-              <a:latin typeface="+mn-lt"/>
-              <a:ea typeface="+mn-ea"/>
-              <a:cs typeface="+mn-cs"/>
-            </a:endParaRPr>
-          </a:p>
-          <a:p>
-            <a:pPr marL="274320" lvl="0" indent="-274320">
-              <a:spcBef>
-                <a:spcPct val="20000"/>
-              </a:spcBef>
-              <a:buClr>
-                <a:schemeClr val="accent3"/>
-              </a:buClr>
-              <a:buSzPct val="95000"/>
-              <a:defRPr/>
-            </a:pPr>
-            <a:r>
-              <a:rPr lang="en-US" sz="7200" b="1" dirty="0"/>
-              <a:t>if </a:t>
-            </a:r>
-            <a:r>
-              <a:rPr lang="en-US" sz="7200" dirty="0"/>
-              <a:t> </a:t>
-            </a:r>
-            <a:r>
-              <a:rPr lang="en-US" sz="7200" i="1" dirty="0"/>
-              <a:t>x</a:t>
-            </a:r>
-            <a:r>
-              <a:rPr kumimoji="0" lang="en-US" sz="7200" i="0" u="none" strike="noStrike" kern="1200" cap="none" spc="0" normalizeH="0" baseline="0" noProof="0" dirty="0">
+              <a:rPr lang="en-US" sz="7400" dirty="0"/>
+              <a:t>                                   with </a:t>
+            </a:r>
+            <a:r>
+              <a:rPr lang="en-US" sz="7400" i="1" dirty="0"/>
+              <a:t>a &lt; b</a:t>
+            </a:r>
+            <a:r>
+              <a:rPr kumimoji="0" lang="en-US" sz="7400" i="0" u="none" strike="noStrike" kern="1200" cap="none" spc="0" normalizeH="0" baseline="0" noProof="0" dirty="0">
                 <a:ln>
                   <a:noFill/>
                 </a:ln>
@@ -32850,67 +32337,7 @@
                 <a:ea typeface="+mn-ea"/>
                 <a:cs typeface="+mn-cs"/>
               </a:rPr>
-              <a:t> = </a:t>
-            </a:r>
-            <a:r>
-              <a:rPr lang="en-US" sz="7200" i="1" noProof="0" dirty="0">
-                <a:ea typeface="Cambria Math" pitchFamily="18" charset="0"/>
-              </a:rPr>
-              <a:t>a</a:t>
-            </a:r>
-            <a:r>
-              <a:rPr lang="en-US" sz="7200" i="1" baseline="-25000" noProof="0" dirty="0">
-                <a:ea typeface="Cambria Math" pitchFamily="18" charset="0"/>
-              </a:rPr>
-              <a:t>m</a:t>
-            </a:r>
-            <a:r>
-              <a:rPr kumimoji="0" lang="en-US" sz="7200" i="0" u="none" strike="noStrike" kern="1200" cap="none" spc="0" normalizeH="0" baseline="0" noProof="0" dirty="0">
-                <a:ln>
-                  <a:noFill/>
-                </a:ln>
-                <a:solidFill>
-                  <a:schemeClr val="tx1"/>
-                </a:solidFill>
-                <a:effectLst/>
-                <a:uLnTx/>
-                <a:uFillTx/>
-                <a:latin typeface="Cambria Math" pitchFamily="18" charset="0"/>
-                <a:ea typeface="Cambria Math" pitchFamily="18" charset="0"/>
-              </a:rPr>
-              <a:t> </a:t>
-            </a:r>
-            <a:r>
-              <a:rPr kumimoji="0" lang="en-US" sz="7200" b="1" i="0" u="none" strike="noStrike" kern="1200" cap="none" spc="0" normalizeH="0" baseline="0" noProof="0" dirty="0">
-                <a:ln>
-                  <a:noFill/>
-                </a:ln>
-                <a:solidFill>
-                  <a:schemeClr val="tx1"/>
-                </a:solidFill>
-                <a:effectLst/>
-                <a:uLnTx/>
-                <a:uFillTx/>
-                <a:latin typeface="Cambria Math" pitchFamily="18" charset="0"/>
-                <a:ea typeface="Cambria Math" pitchFamily="18" charset="0"/>
-              </a:rPr>
-              <a:t>then</a:t>
-            </a:r>
-            <a:r>
-              <a:rPr kumimoji="0" lang="en-US" sz="7200" b="1" i="0" u="none" strike="noStrike" kern="1200" cap="none" spc="0" normalizeH="0" noProof="0" dirty="0">
-                <a:ln>
-                  <a:noFill/>
-                </a:ln>
-                <a:solidFill>
-                  <a:schemeClr val="tx1"/>
-                </a:solidFill>
-                <a:effectLst/>
-                <a:uLnTx/>
-                <a:uFillTx/>
-                <a:latin typeface="Cambria Math" pitchFamily="18" charset="0"/>
-                <a:ea typeface="Cambria Math" pitchFamily="18" charset="0"/>
-              </a:rPr>
-              <a:t> </a:t>
+              <a:t>)</a:t>
             </a:r>
           </a:p>
           <a:p>
@@ -32925,14 +32352,19 @@
               <a:defRPr/>
             </a:pPr>
             <a:r>
-              <a:rPr lang="en-US" sz="7200" b="1" dirty="0">
-                <a:latin typeface="Cambria Math" pitchFamily="18" charset="0"/>
-                <a:ea typeface="Cambria Math" pitchFamily="18" charset="0"/>
-              </a:rPr>
-              <a:t>           </a:t>
-            </a:r>
-            <a:r>
-              <a:rPr kumimoji="0" lang="en-US" sz="7200" b="1" i="0" u="none" strike="noStrike" kern="1200" cap="none" spc="0" normalizeH="0" noProof="0" dirty="0">
+              <a:rPr lang="en-US" sz="7400" b="1" dirty="0"/>
+              <a:t>if </a:t>
+            </a:r>
+            <a:r>
+              <a:rPr lang="en-US" sz="7400" dirty="0"/>
+              <a:t> </a:t>
+            </a:r>
+            <a:r>
+              <a:rPr lang="en-US" sz="7400" i="1" dirty="0"/>
+              <a:t>a</a:t>
+            </a:r>
+            <a:r>
+              <a:rPr kumimoji="0" lang="en-US" sz="7400" i="0" u="none" strike="noStrike" kern="1200" cap="none" spc="0" normalizeH="0" baseline="0" noProof="0" dirty="0">
                 <a:ln>
                   <a:noFill/>
                 </a:ln>
@@ -32942,18 +32374,75 @@
                 <a:effectLst/>
                 <a:uLnTx/>
                 <a:uFillTx/>
-                <a:latin typeface="Cambria Math" pitchFamily="18" charset="0"/>
-                <a:ea typeface="Cambria Math" pitchFamily="18" charset="0"/>
-              </a:rPr>
-              <a:t>return </a:t>
-            </a:r>
-            <a:r>
-              <a:rPr lang="en-US" sz="7200" i="1" dirty="0">
-                <a:ea typeface="Cambria Math"/>
-              </a:rPr>
-              <a:t>m</a:t>
-            </a:r>
-            <a:endParaRPr kumimoji="0" lang="en-US" sz="7200" u="none" strike="noStrike" kern="1200" cap="none" spc="0" normalizeH="0" noProof="0" dirty="0">
+                <a:latin typeface="+mn-lt"/>
+                <a:ea typeface="+mn-ea"/>
+                <a:cs typeface="+mn-cs"/>
+              </a:rPr>
+              <a:t> = </a:t>
+            </a:r>
+            <a:r>
+              <a:rPr lang="en-US" sz="7400" dirty="0">
+                <a:latin typeface="Cambria Math" pitchFamily="18" charset="0"/>
+                <a:ea typeface="Cambria Math" pitchFamily="18" charset="0"/>
+              </a:rPr>
+              <a:t>0</a:t>
+            </a:r>
+            <a:r>
+              <a:rPr kumimoji="0" lang="en-US" sz="7400" i="0" u="none" strike="noStrike" kern="1200" cap="none" spc="0" normalizeH="0" baseline="0" noProof="0" dirty="0">
+                <a:ln>
+                  <a:noFill/>
+                </a:ln>
+                <a:solidFill>
+                  <a:schemeClr val="tx1"/>
+                </a:solidFill>
+                <a:effectLst/>
+                <a:uLnTx/>
+                <a:uFillTx/>
+                <a:latin typeface="Cambria Math" pitchFamily="18" charset="0"/>
+                <a:ea typeface="Cambria Math" pitchFamily="18" charset="0"/>
+              </a:rPr>
+              <a:t> </a:t>
+            </a:r>
+            <a:r>
+              <a:rPr kumimoji="0" lang="en-US" sz="7400" b="1" i="0" u="none" strike="noStrike" kern="1200" cap="none" spc="0" normalizeH="0" baseline="0" noProof="0" dirty="0">
+                <a:ln>
+                  <a:noFill/>
+                </a:ln>
+                <a:solidFill>
+                  <a:schemeClr val="tx1"/>
+                </a:solidFill>
+                <a:effectLst/>
+                <a:uLnTx/>
+                <a:uFillTx/>
+                <a:latin typeface="Cambria Math" pitchFamily="18" charset="0"/>
+                <a:ea typeface="Cambria Math" pitchFamily="18" charset="0"/>
+              </a:rPr>
+              <a:t>then</a:t>
+            </a:r>
+            <a:r>
+              <a:rPr kumimoji="0" lang="en-US" sz="7400" b="1" i="0" u="none" strike="noStrike" kern="1200" cap="none" spc="0" normalizeH="0" noProof="0" dirty="0">
+                <a:ln>
+                  <a:noFill/>
+                </a:ln>
+                <a:solidFill>
+                  <a:schemeClr val="tx1"/>
+                </a:solidFill>
+                <a:effectLst/>
+                <a:uLnTx/>
+                <a:uFillTx/>
+                <a:latin typeface="Cambria Math" pitchFamily="18" charset="0"/>
+                <a:ea typeface="Cambria Math" pitchFamily="18" charset="0"/>
+              </a:rPr>
+              <a:t> return </a:t>
+            </a:r>
+            <a:r>
+              <a:rPr lang="en-US" sz="7400" i="1" dirty="0">
+                <a:latin typeface="Cambria Math" pitchFamily="18" charset="0"/>
+                <a:ea typeface="Cambria Math" pitchFamily="18" charset="0"/>
+              </a:rPr>
+              <a:t>b</a:t>
+            </a:r>
+            <a:endParaRPr kumimoji="0" lang="en-US" sz="7400" i="1" u="none" strike="noStrike" kern="1200" cap="none" spc="0" normalizeH="0" noProof="0" dirty="0">
               <a:ln>
                 <a:noFill/>
               </a:ln>
@@ -32968,6 +32457,85 @@
             </a:endParaRPr>
           </a:p>
           <a:p>
+            <a:pPr marL="274320" indent="-274320">
+              <a:spcBef>
+                <a:spcPct val="20000"/>
+              </a:spcBef>
+              <a:buClr>
+                <a:schemeClr val="accent3"/>
+              </a:buClr>
+              <a:buSzPct val="95000"/>
+              <a:defRPr/>
+            </a:pPr>
+            <a:r>
+              <a:rPr lang="en-US" sz="7400" b="1" dirty="0"/>
+              <a:t>else </a:t>
+            </a:r>
+            <a:r>
+              <a:rPr lang="en-US" sz="7400" dirty="0"/>
+              <a:t> </a:t>
+            </a:r>
+            <a:r>
+              <a:rPr lang="en-US" sz="7400" b="1" dirty="0">
+                <a:latin typeface="Cambria Math" pitchFamily="18" charset="0"/>
+                <a:ea typeface="Cambria Math" pitchFamily="18" charset="0"/>
+              </a:rPr>
+              <a:t>return </a:t>
+            </a:r>
+            <a:r>
+              <a:rPr lang="en-US" sz="7400" i="1" dirty="0"/>
+              <a:t> </a:t>
+            </a:r>
+            <a:r>
+              <a:rPr lang="en-US" sz="7400" i="1" dirty="0" err="1"/>
+              <a:t>gcd</a:t>
+            </a:r>
+            <a:r>
+              <a:rPr lang="en-US" sz="7400" i="1" dirty="0"/>
+              <a:t> </a:t>
+            </a:r>
+            <a:r>
+              <a:rPr lang="en-US" sz="7400" dirty="0">
+                <a:ea typeface="Cambria Math"/>
+              </a:rPr>
+              <a:t>(</a:t>
+            </a:r>
+            <a:r>
+              <a:rPr lang="en-US" sz="7400" i="1" dirty="0">
+                <a:ea typeface="Cambria Math"/>
+              </a:rPr>
+              <a:t>b</a:t>
+            </a:r>
+            <a:r>
+              <a:rPr lang="en-US" sz="7400" i="1" dirty="0">
+                <a:latin typeface="Cambria Math"/>
+                <a:ea typeface="Cambria Math"/>
+              </a:rPr>
+              <a:t> </a:t>
+            </a:r>
+            <a:r>
+              <a:rPr lang="en-US" sz="7400" b="1" dirty="0">
+                <a:ea typeface="Cambria Math"/>
+              </a:rPr>
+              <a:t>mod</a:t>
+            </a:r>
+            <a:r>
+              <a:rPr lang="en-US" sz="7400" i="1" dirty="0">
+                <a:ea typeface="Cambria Math"/>
+              </a:rPr>
+              <a:t>  a, a</a:t>
+            </a:r>
+            <a:r>
+              <a:rPr lang="en-US" sz="7400" dirty="0">
+                <a:ea typeface="Cambria Math" pitchFamily="18" charset="0"/>
+              </a:rPr>
+              <a:t>)</a:t>
+            </a:r>
+            <a:endParaRPr lang="en-US" sz="7400" i="1" dirty="0">
+              <a:ea typeface="Cambria Math" pitchFamily="18" charset="0"/>
+            </a:endParaRPr>
+          </a:p>
+          <a:p>
             <a:pPr marL="274320" lvl="0" indent="-274320">
               <a:spcBef>
                 <a:spcPct val="20000"/>
@@ -32979,405 +32547,42 @@
               <a:defRPr/>
             </a:pPr>
             <a:r>
-              <a:rPr lang="en-US" sz="7200" b="1" dirty="0"/>
-              <a:t>else </a:t>
-            </a:r>
-            <a:r>
-              <a:rPr lang="en-US" sz="7200" dirty="0"/>
-              <a:t> </a:t>
-            </a:r>
-            <a:r>
-              <a:rPr lang="en-US" sz="7200" b="1" dirty="0"/>
-              <a:t>if  </a:t>
-            </a:r>
-            <a:r>
-              <a:rPr lang="en-US" sz="7200" dirty="0"/>
+              <a:rPr lang="en-US" sz="7400" noProof="0" dirty="0">
+                <a:ea typeface="Cambria Math" pitchFamily="18" charset="0"/>
+              </a:rPr>
+              <a:t>{output is </a:t>
+            </a:r>
+            <a:r>
+              <a:rPr lang="en-US" sz="7400" i="1" dirty="0" err="1">
+                <a:ea typeface="Cambria Math" pitchFamily="18" charset="0"/>
+              </a:rPr>
+              <a:t>gcd</a:t>
+            </a:r>
+            <a:r>
+              <a:rPr lang="en-US" sz="7400" dirty="0">
+                <a:ea typeface="Cambria Math" pitchFamily="18" charset="0"/>
+              </a:rPr>
               <a:t>(</a:t>
             </a:r>
             <a:r>
-              <a:rPr lang="en-US" sz="7200" i="1" dirty="0"/>
-              <a:t>x</a:t>
-            </a:r>
-            <a:r>
-              <a:rPr lang="en-US" sz="7200" dirty="0"/>
-              <a:t> &lt; </a:t>
-            </a:r>
-            <a:r>
-              <a:rPr lang="en-US" sz="7200" i="1" dirty="0">
-                <a:ea typeface="Cambria Math" pitchFamily="18" charset="0"/>
-              </a:rPr>
-              <a:t>a</a:t>
-            </a:r>
-            <a:r>
-              <a:rPr lang="en-US" sz="7200" i="1" baseline="-25000" dirty="0">
-                <a:ea typeface="Cambria Math" pitchFamily="18" charset="0"/>
-              </a:rPr>
-              <a:t>m </a:t>
-            </a:r>
-            <a:r>
-              <a:rPr lang="en-US" sz="800" dirty="0"/>
-              <a:t>   </a:t>
-            </a:r>
-            <a:r>
-              <a:rPr lang="en-US" sz="7200" dirty="0"/>
-              <a:t>and   </a:t>
-            </a:r>
-            <a:r>
-              <a:rPr lang="en-US" sz="7200" i="1" dirty="0" err="1"/>
-              <a:t>i</a:t>
-            </a:r>
-            <a:r>
-              <a:rPr lang="en-US" sz="7200" dirty="0"/>
-              <a:t> &lt; </a:t>
-            </a:r>
-            <a:r>
-              <a:rPr lang="en-US" sz="7200" i="1" dirty="0"/>
-              <a:t>m</a:t>
-            </a:r>
-            <a:r>
-              <a:rPr lang="en-US" sz="7200" dirty="0"/>
+              <a:rPr lang="en-US" sz="7400" i="1" dirty="0">
+                <a:ea typeface="Cambria Math" pitchFamily="18" charset="0"/>
+              </a:rPr>
+              <a:t>a, b</a:t>
+            </a:r>
+            <a:r>
+              <a:rPr lang="en-US" sz="7400" dirty="0">
+                <a:ea typeface="Cambria Math" pitchFamily="18" charset="0"/>
+              </a:rPr>
               <a:t>)</a:t>
             </a:r>
             <a:r>
-              <a:rPr lang="en-US" sz="7200" dirty="0">
-                <a:ea typeface="Cambria Math" pitchFamily="18" charset="0"/>
-              </a:rPr>
-              <a:t> </a:t>
-            </a:r>
-            <a:r>
-              <a:rPr lang="en-US" sz="7200" b="1" dirty="0">
-                <a:latin typeface="Cambria Math" pitchFamily="18" charset="0"/>
-                <a:ea typeface="Cambria Math" pitchFamily="18" charset="0"/>
-              </a:rPr>
-              <a:t>then </a:t>
-            </a:r>
-          </a:p>
-          <a:p>
-            <a:pPr marL="274320" lvl="0" indent="-274320">
-              <a:spcBef>
-                <a:spcPct val="20000"/>
-              </a:spcBef>
-              <a:buClr>
-                <a:schemeClr val="accent3"/>
-              </a:buClr>
-              <a:buSzPct val="95000"/>
-              <a:defRPr/>
-            </a:pPr>
-            <a:r>
-              <a:rPr lang="en-US" sz="7200" b="1" dirty="0">
-                <a:latin typeface="Cambria Math" pitchFamily="18" charset="0"/>
-                <a:ea typeface="Cambria Math" pitchFamily="18" charset="0"/>
-              </a:rPr>
-              <a:t>           return </a:t>
-            </a:r>
-            <a:r>
-              <a:rPr lang="en-US" sz="7200" i="1" dirty="0"/>
-              <a:t>binary search</a:t>
-            </a:r>
-            <a:r>
-              <a:rPr lang="en-US" sz="7200" dirty="0"/>
-              <a:t>(</a:t>
-            </a:r>
-            <a:r>
-              <a:rPr lang="en-US" sz="7200" i="1" dirty="0"/>
-              <a:t>i,m</a:t>
-            </a:r>
-            <a:r>
-              <a:rPr lang="en-US" sz="7200" i="1" dirty="0">
-                <a:latin typeface="Cambria Math"/>
-                <a:ea typeface="Cambria Math"/>
-              </a:rPr>
-              <a:t>−</a:t>
-            </a:r>
-            <a:r>
-              <a:rPr lang="en-US" sz="7200" dirty="0">
-                <a:latin typeface="Cambria Math"/>
-                <a:ea typeface="Cambria Math"/>
-              </a:rPr>
-              <a:t>1</a:t>
-            </a:r>
-            <a:r>
-              <a:rPr lang="en-US" sz="7200" i="1" dirty="0"/>
-              <a:t>,x</a:t>
-            </a:r>
-            <a:r>
-              <a:rPr lang="en-US" sz="7200" dirty="0">
-                <a:latin typeface="Cambria Math"/>
-                <a:ea typeface="Cambria Math"/>
-              </a:rPr>
-              <a:t>)</a:t>
-            </a:r>
-          </a:p>
-          <a:p>
-            <a:pPr marL="274320" lvl="0" indent="-274320">
-              <a:spcBef>
-                <a:spcPct val="20000"/>
-              </a:spcBef>
-              <a:buClr>
-                <a:schemeClr val="accent3"/>
-              </a:buClr>
-              <a:buSzPct val="95000"/>
-              <a:defRPr/>
-            </a:pPr>
-            <a:r>
-              <a:rPr lang="en-US" sz="7200" b="1" dirty="0"/>
-              <a:t>else </a:t>
-            </a:r>
-            <a:r>
-              <a:rPr lang="en-US" sz="7200" dirty="0"/>
-              <a:t> </a:t>
-            </a:r>
-            <a:r>
-              <a:rPr lang="en-US" sz="7200" b="1" dirty="0"/>
-              <a:t>if  </a:t>
-            </a:r>
-            <a:r>
-              <a:rPr lang="en-US" sz="7200" dirty="0"/>
-              <a:t>(</a:t>
-            </a:r>
-            <a:r>
-              <a:rPr lang="en-US" sz="7200" i="1" dirty="0"/>
-              <a:t>x</a:t>
-            </a:r>
-            <a:r>
-              <a:rPr lang="en-US" sz="7200" dirty="0"/>
-              <a:t> &gt; </a:t>
-            </a:r>
-            <a:r>
-              <a:rPr lang="en-US" sz="7200" i="1" dirty="0">
-                <a:ea typeface="Cambria Math" pitchFamily="18" charset="0"/>
-              </a:rPr>
-              <a:t>a</a:t>
-            </a:r>
-            <a:r>
-              <a:rPr lang="en-US" sz="7200" i="1" baseline="-25000" dirty="0">
-                <a:ea typeface="Cambria Math" pitchFamily="18" charset="0"/>
-              </a:rPr>
-              <a:t>m </a:t>
-            </a:r>
-            <a:r>
-              <a:rPr lang="en-US" sz="800" dirty="0"/>
-              <a:t>   </a:t>
-            </a:r>
-            <a:r>
-              <a:rPr lang="en-US" sz="7200" dirty="0"/>
-              <a:t>and   </a:t>
-            </a:r>
-            <a:r>
-              <a:rPr lang="en-US" sz="7200" i="1" dirty="0"/>
-              <a:t>j</a:t>
-            </a:r>
-            <a:r>
-              <a:rPr lang="en-US" sz="7200" dirty="0"/>
-              <a:t> &gt;</a:t>
-            </a:r>
-            <a:r>
-              <a:rPr lang="en-US" sz="7200" i="1" dirty="0"/>
-              <a:t>m</a:t>
-            </a:r>
-            <a:r>
-              <a:rPr lang="en-US" sz="7200" dirty="0"/>
-              <a:t>)</a:t>
-            </a:r>
-            <a:r>
-              <a:rPr lang="en-US" sz="7200" dirty="0">
-                <a:ea typeface="Cambria Math" pitchFamily="18" charset="0"/>
-              </a:rPr>
-              <a:t> </a:t>
-            </a:r>
-            <a:r>
-              <a:rPr lang="en-US" sz="7200" b="1" dirty="0">
-                <a:latin typeface="Cambria Math" pitchFamily="18" charset="0"/>
-                <a:ea typeface="Cambria Math" pitchFamily="18" charset="0"/>
-              </a:rPr>
-              <a:t>then </a:t>
-            </a:r>
-          </a:p>
-          <a:p>
-            <a:pPr marL="274320" lvl="0" indent="-274320">
-              <a:spcBef>
-                <a:spcPct val="20000"/>
-              </a:spcBef>
-              <a:buClr>
-                <a:schemeClr val="accent3"/>
-              </a:buClr>
-              <a:buSzPct val="95000"/>
-              <a:defRPr/>
-            </a:pPr>
-            <a:r>
-              <a:rPr lang="en-US" sz="7200" b="1" dirty="0">
-                <a:latin typeface="Cambria Math" pitchFamily="18" charset="0"/>
-                <a:ea typeface="Cambria Math" pitchFamily="18" charset="0"/>
-              </a:rPr>
-              <a:t>           return </a:t>
-            </a:r>
-            <a:r>
-              <a:rPr lang="en-US" sz="7200" i="1" dirty="0"/>
-              <a:t>binary search</a:t>
-            </a:r>
-            <a:r>
-              <a:rPr lang="en-US" sz="7200" dirty="0"/>
-              <a:t>(</a:t>
-            </a:r>
-            <a:r>
-              <a:rPr lang="en-US" sz="7200" i="1" dirty="0"/>
-              <a:t>m</a:t>
-            </a:r>
-            <a:r>
-              <a:rPr lang="en-US" sz="7200" dirty="0">
-                <a:latin typeface="Cambria Math"/>
-                <a:ea typeface="Cambria Math"/>
-              </a:rPr>
-              <a:t>+1,j</a:t>
-            </a:r>
-            <a:r>
-              <a:rPr lang="en-US" sz="7200" i="1" dirty="0"/>
-              <a:t>,x</a:t>
-            </a:r>
-            <a:r>
-              <a:rPr lang="en-US" sz="7200" dirty="0">
-                <a:latin typeface="Cambria Math"/>
-                <a:ea typeface="Cambria Math"/>
-              </a:rPr>
-              <a:t>)</a:t>
-            </a:r>
-          </a:p>
-          <a:p>
-            <a:pPr marL="274320" lvl="0" indent="-274320">
-              <a:spcBef>
-                <a:spcPct val="20000"/>
-              </a:spcBef>
-              <a:buClr>
-                <a:schemeClr val="accent3"/>
-              </a:buClr>
-              <a:buSzPct val="95000"/>
-              <a:defRPr/>
-            </a:pPr>
-            <a:r>
-              <a:rPr lang="en-US" sz="7200" b="1" dirty="0"/>
-              <a:t>else </a:t>
-            </a:r>
-            <a:r>
-              <a:rPr lang="en-US" sz="7200" b="1" dirty="0">
-                <a:latin typeface="Cambria Math" pitchFamily="18" charset="0"/>
-                <a:ea typeface="Cambria Math" pitchFamily="18" charset="0"/>
-              </a:rPr>
-              <a:t>return </a:t>
-            </a:r>
-            <a:r>
-              <a:rPr lang="en-US" sz="7200" dirty="0">
-                <a:latin typeface="Cambria Math" pitchFamily="18" charset="0"/>
-                <a:ea typeface="Cambria Math" pitchFamily="18" charset="0"/>
-              </a:rPr>
-              <a:t>0</a:t>
-            </a:r>
-            <a:endParaRPr lang="en-US" sz="7200" i="1" dirty="0">
-              <a:ea typeface="Cambria Math"/>
-            </a:endParaRPr>
-          </a:p>
-          <a:p>
-            <a:pPr marL="274320" lvl="0" indent="-274320">
-              <a:spcBef>
-                <a:spcPct val="20000"/>
-              </a:spcBef>
-              <a:buClr>
-                <a:schemeClr val="accent3"/>
-              </a:buClr>
-              <a:buSzPct val="95000"/>
-              <a:defRPr/>
-            </a:pPr>
-            <a:r>
-              <a:rPr lang="en-US" sz="7200" noProof="0" dirty="0">
-                <a:ea typeface="Cambria Math" pitchFamily="18" charset="0"/>
-              </a:rPr>
-              <a:t>{output is </a:t>
-            </a:r>
-            <a:r>
-              <a:rPr lang="en-US" sz="7200" noProof="0" dirty="0"/>
-              <a:t>location of </a:t>
-            </a:r>
-            <a:r>
-              <a:rPr lang="en-US" sz="7200" i="1" noProof="0" dirty="0"/>
-              <a:t>x </a:t>
-            </a:r>
-            <a:r>
-              <a:rPr lang="en-US" sz="7200" noProof="0" dirty="0"/>
-              <a:t>in</a:t>
-            </a:r>
-            <a:r>
-              <a:rPr lang="en-US" sz="7200" i="1" noProof="0" dirty="0"/>
-              <a:t>    a</a:t>
-            </a:r>
-            <a:r>
-              <a:rPr lang="en-US" sz="7200" baseline="-25000" noProof="0" dirty="0">
-                <a:latin typeface="Cambria Math" pitchFamily="18" charset="0"/>
-                <a:ea typeface="Cambria Math" pitchFamily="18" charset="0"/>
-              </a:rPr>
-              <a:t>1</a:t>
-            </a:r>
-            <a:r>
-              <a:rPr lang="en-US" sz="7200" noProof="0" dirty="0">
-                <a:latin typeface="Cambria Math" pitchFamily="18" charset="0"/>
-                <a:ea typeface="Cambria Math" pitchFamily="18" charset="0"/>
-              </a:rPr>
-              <a:t>, </a:t>
-            </a:r>
-            <a:r>
-              <a:rPr lang="en-US" sz="7200" i="1" dirty="0"/>
-              <a:t>a</a:t>
-            </a:r>
-            <a:r>
-              <a:rPr lang="en-US" sz="7200" baseline="-25000" dirty="0">
-                <a:latin typeface="Cambria Math" pitchFamily="18" charset="0"/>
-                <a:ea typeface="Cambria Math" pitchFamily="18" charset="0"/>
-              </a:rPr>
-              <a:t>2</a:t>
-            </a:r>
-            <a:r>
-              <a:rPr lang="en-US" sz="7200" dirty="0">
-                <a:latin typeface="Cambria Math" pitchFamily="18" charset="0"/>
-                <a:ea typeface="Cambria Math" pitchFamily="18" charset="0"/>
-              </a:rPr>
-              <a:t>,…,</a:t>
-            </a:r>
-            <a:r>
-              <a:rPr lang="en-US" sz="7200" i="1" dirty="0">
-                <a:ea typeface="Cambria Math" pitchFamily="18" charset="0"/>
-              </a:rPr>
-              <a:t>a</a:t>
-            </a:r>
-            <a:r>
-              <a:rPr lang="en-US" sz="7200" i="1" baseline="-25000" dirty="0">
-                <a:ea typeface="Cambria Math" pitchFamily="18" charset="0"/>
-              </a:rPr>
-              <a:t>n</a:t>
-            </a:r>
-            <a:r>
-              <a:rPr lang="en-US" sz="7200" i="1" dirty="0">
-                <a:ea typeface="Cambria Math" pitchFamily="18" charset="0"/>
-              </a:rPr>
-              <a:t>  </a:t>
-            </a:r>
-            <a:r>
-              <a:rPr lang="en-US" sz="7200" dirty="0">
-                <a:ea typeface="Cambria Math" pitchFamily="18" charset="0"/>
-              </a:rPr>
-              <a:t>if it appears, otherwise </a:t>
-            </a:r>
-            <a:r>
-              <a:rPr lang="en-US" sz="7200" dirty="0">
-                <a:latin typeface="Cambria Math" pitchFamily="18" charset="0"/>
-                <a:ea typeface="Cambria Math" pitchFamily="18" charset="0"/>
-              </a:rPr>
-              <a:t>0</a:t>
-            </a:r>
-            <a:r>
-              <a:rPr lang="en-US" sz="7200" noProof="0" dirty="0">
+              <a:rPr lang="en-US" sz="7400" noProof="0" dirty="0">
                 <a:ea typeface="Cambria Math" pitchFamily="18" charset="0"/>
               </a:rPr>
               <a:t>}</a:t>
             </a:r>
-            <a:endParaRPr kumimoji="0" lang="en-US" sz="7200" u="none" strike="noStrike" kern="1200" cap="none" spc="0" normalizeH="0" baseline="0" noProof="0" dirty="0">
+            <a:endParaRPr kumimoji="0" lang="en-US" sz="7400" u="none" strike="noStrike" kern="1200" cap="none" spc="0" normalizeH="0" baseline="0" noProof="0" dirty="0">
               <a:ln>
                 <a:noFill/>
               </a:ln>
@@ -33533,6 +32738,11 @@
         </p:txBody>
       </p:sp>
     </p:spTree>
+    <p:extLst>
+      <p:ext uri="{BB962C8B-B14F-4D97-AF65-F5344CB8AC3E}">
+        <p14:creationId xmlns:p14="http://schemas.microsoft.com/office/powerpoint/2010/main" val="1673969891"/>
+      </p:ext>
+    </p:extLst>
   </p:cSld>
   <p:clrMapOvr>
     <a:masterClrMapping/>
@@ -33541,6 +32751,1949 @@
 </file>
 
 <file path=ppt/slides/slide59.xml><?xml version="1.0" encoding="utf-8"?>
+<p:sld xmlns:a="http://schemas.openxmlformats.org/drawingml/2006/main" xmlns:r="http://schemas.openxmlformats.org/officeDocument/2006/relationships" xmlns:p="http://schemas.openxmlformats.org/presentationml/2006/main">
+  <p:cSld>
+    <p:spTree>
+      <p:nvGrpSpPr>
+        <p:cNvPr id="1" name=""/>
+        <p:cNvGrpSpPr/>
+        <p:nvPr/>
+      </p:nvGrpSpPr>
+      <p:grpSpPr>
+        <a:xfrm>
+          <a:off x="0" y="0"/>
+          <a:ext cx="0" cy="0"/>
+          <a:chOff x="0" y="0"/>
+          <a:chExt cx="0" cy="0"/>
+        </a:xfrm>
+      </p:grpSpPr>
+      <p:sp>
+        <p:nvSpPr>
+          <p:cNvPr id="2" name="Title 1"/>
+          <p:cNvSpPr>
+            <a:spLocks noGrp="1"/>
+          </p:cNvSpPr>
+          <p:nvPr>
+            <p:ph type="title"/>
+          </p:nvPr>
+        </p:nvSpPr>
+        <p:spPr/>
+        <p:txBody>
+          <a:bodyPr>
+            <a:noAutofit/>
+          </a:bodyPr>
+          <a:lstStyle/>
+          <a:p>
+            <a:r>
+              <a:rPr lang="en-US" sz="4000" dirty="0"/>
+              <a:t>Recursive Binary Search Algorithm</a:t>
+            </a:r>
+          </a:p>
+        </p:txBody>
+      </p:sp>
+      <p:sp>
+        <p:nvSpPr>
+          <p:cNvPr id="3" name="Content Placeholder 2"/>
+          <p:cNvSpPr>
+            <a:spLocks noGrp="1"/>
+          </p:cNvSpPr>
+          <p:nvPr>
+            <p:ph idx="1"/>
+          </p:nvPr>
+        </p:nvSpPr>
+        <p:spPr/>
+        <p:txBody>
+          <a:bodyPr/>
+          <a:lstStyle/>
+          <a:p>
+            <a:pPr>
+              <a:buNone/>
+            </a:pPr>
+            <a:r>
+              <a:rPr lang="en-US" b="1" dirty="0"/>
+              <a:t>   Example</a:t>
+            </a:r>
+            <a:r>
+              <a:rPr lang="en-US" dirty="0"/>
+              <a:t>: Construct a recursive version of a binary search algorithm. </a:t>
+            </a:r>
+          </a:p>
+          <a:p>
+            <a:endParaRPr lang="en-US" dirty="0"/>
+          </a:p>
+          <a:p>
+            <a:endParaRPr lang="en-US" dirty="0"/>
+          </a:p>
+        </p:txBody>
+      </p:sp>
+    </p:spTree>
+  </p:cSld>
+  <p:clrMapOvr>
+    <a:masterClrMapping/>
+  </p:clrMapOvr>
+</p:sld>
+</file>
+
+<file path=ppt/slides/slide6.xml><?xml version="1.0" encoding="utf-8"?>
+<p:sld xmlns:a="http://schemas.openxmlformats.org/drawingml/2006/main" xmlns:r="http://schemas.openxmlformats.org/officeDocument/2006/relationships" xmlns:p="http://schemas.openxmlformats.org/presentationml/2006/main">
+  <p:cSld>
+    <p:spTree>
+      <p:nvGrpSpPr>
+        <p:cNvPr id="1" name=""/>
+        <p:cNvGrpSpPr/>
+        <p:nvPr/>
+      </p:nvGrpSpPr>
+      <p:grpSpPr>
+        <a:xfrm>
+          <a:off x="0" y="0"/>
+          <a:ext cx="0" cy="0"/>
+          <a:chOff x="0" y="0"/>
+          <a:chExt cx="0" cy="0"/>
+        </a:xfrm>
+      </p:grpSpPr>
+      <p:sp>
+        <p:nvSpPr>
+          <p:cNvPr id="2" name="Title 1"/>
+          <p:cNvSpPr>
+            <a:spLocks noGrp="1"/>
+          </p:cNvSpPr>
+          <p:nvPr>
+            <p:ph type="title"/>
+          </p:nvPr>
+        </p:nvSpPr>
+        <p:spPr/>
+        <p:txBody>
+          <a:bodyPr>
+            <a:noAutofit/>
+          </a:bodyPr>
+          <a:lstStyle/>
+          <a:p>
+            <a:r>
+              <a:rPr lang="en-US" sz="4400" dirty="0"/>
+              <a:t>Validity of Mathematical Induction</a:t>
+            </a:r>
+          </a:p>
+        </p:txBody>
+      </p:sp>
+      <p:sp>
+        <p:nvSpPr>
+          <p:cNvPr id="3" name="Content Placeholder 2"/>
+          <p:cNvSpPr>
+            <a:spLocks noGrp="1"/>
+          </p:cNvSpPr>
+          <p:nvPr>
+            <p:ph idx="1"/>
+          </p:nvPr>
+        </p:nvSpPr>
+        <p:spPr/>
+        <p:txBody>
+          <a:bodyPr>
+            <a:normAutofit fontScale="62500" lnSpcReduction="20000"/>
+          </a:bodyPr>
+          <a:lstStyle/>
+          <a:p>
+            <a:r>
+              <a:rPr lang="en-US" sz="2900" dirty="0">
+                <a:ea typeface="Cambria Math" pitchFamily="18" charset="0"/>
+                <a:sym typeface="Wingdings" pitchFamily="2" charset="2"/>
+              </a:rPr>
+              <a:t>Mathematical induction is valid because of the well ordering property, which states that every nonempty subset of the set of positive integers has a least element (</a:t>
+            </a:r>
+            <a:r>
+              <a:rPr lang="en-US" sz="2900" i="1" dirty="0">
+                <a:ea typeface="Cambria Math" pitchFamily="18" charset="0"/>
+                <a:sym typeface="Wingdings" pitchFamily="2" charset="2"/>
+              </a:rPr>
+              <a:t>see Section </a:t>
+            </a:r>
+            <a:r>
+              <a:rPr lang="en-US" sz="2900" dirty="0">
+                <a:latin typeface="Cambria Math" pitchFamily="18" charset="0"/>
+                <a:ea typeface="Cambria Math" pitchFamily="18" charset="0"/>
+                <a:sym typeface="Wingdings" pitchFamily="2" charset="2"/>
+              </a:rPr>
+              <a:t>5.2</a:t>
+            </a:r>
+            <a:r>
+              <a:rPr lang="en-US" sz="2900" dirty="0">
+                <a:ea typeface="Cambria Math" pitchFamily="18" charset="0"/>
+                <a:sym typeface="Wingdings" pitchFamily="2" charset="2"/>
+              </a:rPr>
+              <a:t> </a:t>
+            </a:r>
+            <a:r>
+              <a:rPr lang="en-US" sz="2900" i="1" dirty="0">
+                <a:ea typeface="Cambria Math" pitchFamily="18" charset="0"/>
+                <a:sym typeface="Wingdings" pitchFamily="2" charset="2"/>
+              </a:rPr>
+              <a:t>and Appendix </a:t>
+            </a:r>
+            <a:r>
+              <a:rPr lang="en-US" sz="2900" dirty="0">
+                <a:latin typeface="Cambria Math" pitchFamily="18" charset="0"/>
+                <a:ea typeface="Cambria Math" pitchFamily="18" charset="0"/>
+                <a:sym typeface="Wingdings" pitchFamily="2" charset="2"/>
+              </a:rPr>
+              <a:t>1</a:t>
+            </a:r>
+            <a:r>
+              <a:rPr lang="en-US" sz="2900" dirty="0">
+                <a:ea typeface="Cambria Math" pitchFamily="18" charset="0"/>
+                <a:sym typeface="Wingdings" pitchFamily="2" charset="2"/>
+              </a:rPr>
+              <a:t>). Here is the proof:</a:t>
+            </a:r>
+          </a:p>
+          <a:p>
+            <a:pPr lvl="1"/>
+            <a:r>
+              <a:rPr lang="en-US" sz="2900" dirty="0">
+                <a:ea typeface="Cambria Math" pitchFamily="18" charset="0"/>
+                <a:sym typeface="Wingdings" pitchFamily="2" charset="2"/>
+              </a:rPr>
+              <a:t>Suppose that </a:t>
+            </a:r>
+            <a:r>
+              <a:rPr lang="en-US" sz="2900" i="1" dirty="0"/>
+              <a:t>P</a:t>
+            </a:r>
+            <a:r>
+              <a:rPr lang="en-US" sz="2900" dirty="0"/>
+              <a:t>(</a:t>
+            </a:r>
+            <a:r>
+              <a:rPr lang="en-US" sz="2900" dirty="0">
+                <a:latin typeface="Cambria Math" pitchFamily="18" charset="0"/>
+                <a:ea typeface="Cambria Math" pitchFamily="18" charset="0"/>
+              </a:rPr>
+              <a:t>1</a:t>
+            </a:r>
+            <a:r>
+              <a:rPr lang="en-US" sz="2900" dirty="0"/>
+              <a:t>) holds and </a:t>
+            </a:r>
+            <a:r>
+              <a:rPr lang="en-US" sz="2900" i="1" dirty="0"/>
+              <a:t>P</a:t>
+            </a:r>
+            <a:r>
+              <a:rPr lang="en-US" sz="2900" dirty="0"/>
+              <a:t>(</a:t>
+            </a:r>
+            <a:r>
+              <a:rPr lang="en-US" sz="2900" i="1" dirty="0"/>
+              <a:t>k</a:t>
+            </a:r>
+            <a:r>
+              <a:rPr lang="en-US" sz="2900" dirty="0"/>
+              <a:t>)</a:t>
+            </a:r>
+            <a:r>
+              <a:rPr lang="en-US" sz="2900" i="1" dirty="0"/>
+              <a:t> </a:t>
+            </a:r>
+            <a:r>
+              <a:rPr lang="en-US" sz="2900" dirty="0">
+                <a:ea typeface="Cambria Math"/>
+                <a:sym typeface="Wingdings" pitchFamily="2" charset="2"/>
+              </a:rPr>
+              <a:t>→</a:t>
+            </a:r>
+            <a:r>
+              <a:rPr lang="en-US" sz="2900" i="1" dirty="0">
+                <a:sym typeface="Wingdings" pitchFamily="2" charset="2"/>
+              </a:rPr>
+              <a:t> P</a:t>
+            </a:r>
+            <a:r>
+              <a:rPr lang="en-US" sz="2900" dirty="0">
+                <a:sym typeface="Wingdings" pitchFamily="2" charset="2"/>
+              </a:rPr>
+              <a:t>(</a:t>
+            </a:r>
+            <a:r>
+              <a:rPr lang="en-US" sz="2900" i="1" dirty="0">
+                <a:sym typeface="Wingdings" pitchFamily="2" charset="2"/>
+              </a:rPr>
+              <a:t>k + </a:t>
+            </a:r>
+            <a:r>
+              <a:rPr lang="en-US" sz="2900" dirty="0">
+                <a:latin typeface="Cambria Math" pitchFamily="18" charset="0"/>
+                <a:ea typeface="Cambria Math" pitchFamily="18" charset="0"/>
+                <a:sym typeface="Wingdings" pitchFamily="2" charset="2"/>
+              </a:rPr>
+              <a:t>1</a:t>
+            </a:r>
+            <a:r>
+              <a:rPr lang="en-US" sz="2900" dirty="0">
+                <a:sym typeface="Wingdings" pitchFamily="2" charset="2"/>
+              </a:rPr>
+              <a:t>)</a:t>
+            </a:r>
+            <a:r>
+              <a:rPr lang="en-US" sz="2900" dirty="0">
+                <a:ea typeface="Cambria Math"/>
+                <a:sym typeface="Wingdings" pitchFamily="2" charset="2"/>
+              </a:rPr>
+              <a:t> is true for all positive integers </a:t>
+            </a:r>
+            <a:r>
+              <a:rPr lang="en-US" sz="2900" i="1" dirty="0">
+                <a:ea typeface="Cambria Math"/>
+                <a:sym typeface="Wingdings" pitchFamily="2" charset="2"/>
+              </a:rPr>
+              <a:t>k</a:t>
+            </a:r>
+            <a:r>
+              <a:rPr lang="en-US" sz="2900" dirty="0">
+                <a:ea typeface="Cambria Math"/>
+                <a:sym typeface="Wingdings" pitchFamily="2" charset="2"/>
+              </a:rPr>
+              <a:t>. </a:t>
+            </a:r>
+          </a:p>
+          <a:p>
+            <a:pPr lvl="1"/>
+            <a:r>
+              <a:rPr lang="en-US" sz="2900" dirty="0">
+                <a:ea typeface="Cambria Math"/>
+                <a:sym typeface="Wingdings" pitchFamily="2" charset="2"/>
+              </a:rPr>
+              <a:t>Assume there is at least one positive integer  </a:t>
+            </a:r>
+            <a:r>
+              <a:rPr lang="en-US" sz="2900" i="1" dirty="0">
+                <a:ea typeface="Cambria Math"/>
+                <a:sym typeface="Wingdings" pitchFamily="2" charset="2"/>
+              </a:rPr>
+              <a:t>n</a:t>
+            </a:r>
+            <a:r>
+              <a:rPr lang="en-US" sz="2900" dirty="0">
+                <a:ea typeface="Cambria Math"/>
+                <a:sym typeface="Wingdings" pitchFamily="2" charset="2"/>
+              </a:rPr>
+              <a:t> for which P(</a:t>
+            </a:r>
+            <a:r>
+              <a:rPr lang="en-US" sz="2900" i="1" dirty="0">
+                <a:ea typeface="Cambria Math"/>
+                <a:sym typeface="Wingdings" pitchFamily="2" charset="2"/>
+              </a:rPr>
+              <a:t>n</a:t>
+            </a:r>
+            <a:r>
+              <a:rPr lang="en-US" sz="2900" dirty="0">
+                <a:ea typeface="Cambria Math"/>
+                <a:sym typeface="Wingdings" pitchFamily="2" charset="2"/>
+              </a:rPr>
+              <a:t>) is false. Then the set </a:t>
+            </a:r>
+            <a:r>
+              <a:rPr lang="en-US" sz="2900" i="1" dirty="0">
+                <a:ea typeface="Cambria Math"/>
+                <a:sym typeface="Wingdings" pitchFamily="2" charset="2"/>
+              </a:rPr>
+              <a:t>S</a:t>
+            </a:r>
+            <a:r>
+              <a:rPr lang="en-US" sz="2900" dirty="0">
+                <a:ea typeface="Cambria Math"/>
+                <a:sym typeface="Wingdings" pitchFamily="2" charset="2"/>
+              </a:rPr>
+              <a:t> of positive integers for which P(</a:t>
+            </a:r>
+            <a:r>
+              <a:rPr lang="en-US" sz="2900" i="1" dirty="0">
+                <a:ea typeface="Cambria Math"/>
+                <a:sym typeface="Wingdings" pitchFamily="2" charset="2"/>
+              </a:rPr>
+              <a:t>n</a:t>
+            </a:r>
+            <a:r>
+              <a:rPr lang="en-US" sz="2900" dirty="0">
+                <a:ea typeface="Cambria Math"/>
+                <a:sym typeface="Wingdings" pitchFamily="2" charset="2"/>
+              </a:rPr>
+              <a:t>) is false is nonempty. </a:t>
+            </a:r>
+          </a:p>
+          <a:p>
+            <a:pPr lvl="1"/>
+            <a:r>
+              <a:rPr lang="en-US" sz="2900" dirty="0">
+                <a:ea typeface="Cambria Math"/>
+                <a:sym typeface="Wingdings" pitchFamily="2" charset="2"/>
+              </a:rPr>
+              <a:t>By the well-ordering property, </a:t>
+            </a:r>
+            <a:r>
+              <a:rPr lang="en-US" sz="2900" i="1" dirty="0">
+                <a:ea typeface="Cambria Math"/>
+                <a:sym typeface="Wingdings" pitchFamily="2" charset="2"/>
+              </a:rPr>
+              <a:t>S</a:t>
+            </a:r>
+            <a:r>
+              <a:rPr lang="en-US" sz="2900" dirty="0">
+                <a:ea typeface="Cambria Math"/>
+                <a:sym typeface="Wingdings" pitchFamily="2" charset="2"/>
+              </a:rPr>
+              <a:t> has a least element, say </a:t>
+            </a:r>
+            <a:r>
+              <a:rPr lang="en-US" sz="2900" i="1" dirty="0">
+                <a:ea typeface="Cambria Math"/>
+                <a:sym typeface="Wingdings" pitchFamily="2" charset="2"/>
+              </a:rPr>
+              <a:t>m</a:t>
+            </a:r>
+            <a:r>
+              <a:rPr lang="en-US" sz="2900" dirty="0">
+                <a:ea typeface="Cambria Math"/>
+                <a:sym typeface="Wingdings" pitchFamily="2" charset="2"/>
+              </a:rPr>
+              <a:t>.</a:t>
+            </a:r>
+          </a:p>
+          <a:p>
+            <a:pPr lvl="1"/>
+            <a:r>
+              <a:rPr lang="en-US" sz="2900" dirty="0">
+                <a:ea typeface="Cambria Math"/>
+                <a:sym typeface="Wingdings" pitchFamily="2" charset="2"/>
+              </a:rPr>
+              <a:t>We know that </a:t>
+            </a:r>
+            <a:r>
+              <a:rPr lang="en-US" sz="2900" i="1" dirty="0">
+                <a:ea typeface="Cambria Math"/>
+                <a:sym typeface="Wingdings" pitchFamily="2" charset="2"/>
+              </a:rPr>
+              <a:t>m</a:t>
+            </a:r>
+            <a:r>
+              <a:rPr lang="en-US" sz="2900" dirty="0">
+                <a:ea typeface="Cambria Math"/>
+                <a:sym typeface="Wingdings" pitchFamily="2" charset="2"/>
+              </a:rPr>
+              <a:t> can not be </a:t>
+            </a:r>
+            <a:r>
+              <a:rPr lang="en-US" sz="2900" dirty="0">
+                <a:latin typeface="Cambria Math" pitchFamily="18" charset="0"/>
+                <a:ea typeface="Cambria Math" pitchFamily="18" charset="0"/>
+              </a:rPr>
+              <a:t>1</a:t>
+            </a:r>
+            <a:r>
+              <a:rPr lang="en-US" sz="2900" dirty="0">
+                <a:ea typeface="Cambria Math" pitchFamily="18" charset="0"/>
+              </a:rPr>
+              <a:t> </a:t>
+            </a:r>
+            <a:r>
+              <a:rPr lang="en-US" sz="2900" dirty="0">
+                <a:ea typeface="Cambria Math" pitchFamily="18" charset="0"/>
+                <a:sym typeface="Wingdings" pitchFamily="2" charset="2"/>
+              </a:rPr>
+              <a:t>since  </a:t>
+            </a:r>
+            <a:r>
+              <a:rPr lang="en-US" sz="2900" i="1" dirty="0"/>
+              <a:t>P</a:t>
+            </a:r>
+            <a:r>
+              <a:rPr lang="en-US" sz="2900" dirty="0"/>
+              <a:t>(</a:t>
+            </a:r>
+            <a:r>
+              <a:rPr lang="en-US" sz="2900" dirty="0">
+                <a:latin typeface="Cambria Math" pitchFamily="18" charset="0"/>
+                <a:ea typeface="Cambria Math" pitchFamily="18" charset="0"/>
+              </a:rPr>
+              <a:t>1</a:t>
+            </a:r>
+            <a:r>
+              <a:rPr lang="en-US" sz="2900" dirty="0"/>
+              <a:t>) holds. </a:t>
+            </a:r>
+          </a:p>
+          <a:p>
+            <a:pPr lvl="1"/>
+            <a:r>
+              <a:rPr lang="en-US" sz="2900" dirty="0"/>
+              <a:t>Since </a:t>
+            </a:r>
+            <a:r>
+              <a:rPr lang="en-US" sz="2900" i="1" dirty="0"/>
+              <a:t>m</a:t>
+            </a:r>
+            <a:r>
+              <a:rPr lang="en-US" sz="2900" dirty="0"/>
+              <a:t> is positive and greater than </a:t>
+            </a:r>
+            <a:r>
+              <a:rPr lang="en-US" sz="2900" dirty="0">
+                <a:latin typeface="Cambria Math" pitchFamily="18" charset="0"/>
+                <a:ea typeface="Cambria Math" pitchFamily="18" charset="0"/>
+              </a:rPr>
+              <a:t>1</a:t>
+            </a:r>
+            <a:r>
+              <a:rPr lang="en-US" sz="2900" dirty="0"/>
+              <a:t>, </a:t>
+            </a:r>
+            <a:r>
+              <a:rPr lang="en-US" sz="2900" i="1" dirty="0"/>
+              <a:t>m</a:t>
+            </a:r>
+            <a:r>
+              <a:rPr lang="en-US" sz="2900" dirty="0"/>
+              <a:t> </a:t>
+            </a:r>
+            <a:r>
+              <a:rPr lang="en-US" sz="2900" dirty="0">
+                <a:ea typeface="Cambria Math"/>
+              </a:rPr>
+              <a:t>− </a:t>
+            </a:r>
+            <a:r>
+              <a:rPr lang="en-US" sz="2900" dirty="0">
+                <a:latin typeface="Cambria Math" pitchFamily="18" charset="0"/>
+                <a:ea typeface="Cambria Math" pitchFamily="18" charset="0"/>
+              </a:rPr>
+              <a:t>1</a:t>
+            </a:r>
+            <a:r>
+              <a:rPr lang="en-US" sz="2900" dirty="0">
+                <a:ea typeface="Cambria Math"/>
+              </a:rPr>
+              <a:t> must be a positive integer. Since </a:t>
+            </a:r>
+            <a:r>
+              <a:rPr lang="en-US" sz="2900" i="1" dirty="0"/>
+              <a:t>m</a:t>
+            </a:r>
+            <a:r>
+              <a:rPr lang="en-US" sz="2900" dirty="0"/>
+              <a:t> </a:t>
+            </a:r>
+            <a:r>
+              <a:rPr lang="en-US" sz="2900" dirty="0">
+                <a:ea typeface="Cambria Math"/>
+              </a:rPr>
+              <a:t>− </a:t>
+            </a:r>
+            <a:r>
+              <a:rPr lang="en-US" sz="2900" dirty="0">
+                <a:latin typeface="Cambria Math" pitchFamily="18" charset="0"/>
+                <a:ea typeface="Cambria Math" pitchFamily="18" charset="0"/>
+              </a:rPr>
+              <a:t>1</a:t>
+            </a:r>
+            <a:r>
+              <a:rPr lang="en-US" sz="2900" dirty="0">
+                <a:ea typeface="Cambria Math"/>
+              </a:rPr>
+              <a:t> &lt; </a:t>
+            </a:r>
+            <a:r>
+              <a:rPr lang="en-US" sz="2900" i="1" dirty="0">
+                <a:ea typeface="Cambria Math"/>
+              </a:rPr>
+              <a:t>m</a:t>
+            </a:r>
+            <a:r>
+              <a:rPr lang="en-US" sz="2900" dirty="0">
+                <a:ea typeface="Cambria Math"/>
+              </a:rPr>
+              <a:t>, it is not in S, so </a:t>
+            </a:r>
+            <a:r>
+              <a:rPr lang="en-US" sz="2900" i="1" dirty="0">
+                <a:ea typeface="Cambria Math"/>
+              </a:rPr>
+              <a:t>P</a:t>
+            </a:r>
+            <a:r>
+              <a:rPr lang="en-US" sz="2900" dirty="0">
+                <a:ea typeface="Cambria Math"/>
+              </a:rPr>
+              <a:t>(</a:t>
+            </a:r>
+            <a:r>
+              <a:rPr lang="en-US" sz="2900" i="1" dirty="0"/>
+              <a:t>m</a:t>
+            </a:r>
+            <a:r>
+              <a:rPr lang="en-US" sz="2900" dirty="0"/>
+              <a:t> </a:t>
+            </a:r>
+            <a:r>
+              <a:rPr lang="en-US" sz="2900" dirty="0">
+                <a:ea typeface="Cambria Math"/>
+              </a:rPr>
+              <a:t>− </a:t>
+            </a:r>
+            <a:r>
+              <a:rPr lang="en-US" sz="2900" dirty="0">
+                <a:latin typeface="Cambria Math" pitchFamily="18" charset="0"/>
+                <a:ea typeface="Cambria Math" pitchFamily="18" charset="0"/>
+              </a:rPr>
+              <a:t>1</a:t>
+            </a:r>
+            <a:r>
+              <a:rPr lang="en-US" sz="2900" dirty="0">
+                <a:ea typeface="Cambria Math"/>
+              </a:rPr>
+              <a:t>) must be true. </a:t>
+            </a:r>
+          </a:p>
+          <a:p>
+            <a:pPr lvl="1"/>
+            <a:r>
+              <a:rPr lang="en-US" sz="2900" dirty="0">
+                <a:ea typeface="Cambria Math"/>
+              </a:rPr>
+              <a:t>But then, since the conditional </a:t>
+            </a:r>
+            <a:r>
+              <a:rPr lang="en-US" sz="2900" i="1" dirty="0"/>
+              <a:t>P</a:t>
+            </a:r>
+            <a:r>
+              <a:rPr lang="en-US" sz="2900" dirty="0"/>
+              <a:t>(</a:t>
+            </a:r>
+            <a:r>
+              <a:rPr lang="en-US" sz="2900" i="1" dirty="0"/>
+              <a:t>k</a:t>
+            </a:r>
+            <a:r>
+              <a:rPr lang="en-US" sz="2900" dirty="0"/>
+              <a:t>)</a:t>
+            </a:r>
+            <a:r>
+              <a:rPr lang="en-US" sz="2900" i="1" dirty="0"/>
+              <a:t> </a:t>
+            </a:r>
+            <a:r>
+              <a:rPr lang="en-US" sz="2900" dirty="0">
+                <a:ea typeface="Cambria Math"/>
+                <a:sym typeface="Wingdings" pitchFamily="2" charset="2"/>
+              </a:rPr>
+              <a:t>→</a:t>
+            </a:r>
+            <a:r>
+              <a:rPr lang="en-US" sz="2900" i="1" dirty="0">
+                <a:sym typeface="Wingdings" pitchFamily="2" charset="2"/>
+              </a:rPr>
+              <a:t> P</a:t>
+            </a:r>
+            <a:r>
+              <a:rPr lang="en-US" sz="2900" dirty="0">
+                <a:sym typeface="Wingdings" pitchFamily="2" charset="2"/>
+              </a:rPr>
+              <a:t>(</a:t>
+            </a:r>
+            <a:r>
+              <a:rPr lang="en-US" sz="2900" i="1" dirty="0">
+                <a:sym typeface="Wingdings" pitchFamily="2" charset="2"/>
+              </a:rPr>
+              <a:t>k + </a:t>
+            </a:r>
+            <a:r>
+              <a:rPr lang="en-US" sz="2900" dirty="0">
+                <a:latin typeface="Cambria Math" pitchFamily="18" charset="0"/>
+                <a:ea typeface="Cambria Math" pitchFamily="18" charset="0"/>
+                <a:sym typeface="Wingdings" pitchFamily="2" charset="2"/>
+              </a:rPr>
+              <a:t>1</a:t>
+            </a:r>
+            <a:r>
+              <a:rPr lang="en-US" sz="2900" dirty="0">
+                <a:sym typeface="Wingdings" pitchFamily="2" charset="2"/>
+              </a:rPr>
+              <a:t>)</a:t>
+            </a:r>
+            <a:r>
+              <a:rPr lang="en-US" sz="2900" dirty="0">
+                <a:ea typeface="Cambria Math"/>
+                <a:sym typeface="Wingdings" pitchFamily="2" charset="2"/>
+              </a:rPr>
+              <a:t>  for every positive integer </a:t>
+            </a:r>
+            <a:r>
+              <a:rPr lang="en-US" sz="2900" i="1" dirty="0">
+                <a:ea typeface="Cambria Math"/>
+                <a:sym typeface="Wingdings" pitchFamily="2" charset="2"/>
+              </a:rPr>
+              <a:t>k</a:t>
+            </a:r>
+            <a:r>
+              <a:rPr lang="en-US" sz="2900" dirty="0">
+                <a:ea typeface="Cambria Math"/>
+                <a:sym typeface="Wingdings" pitchFamily="2" charset="2"/>
+              </a:rPr>
+              <a:t> holds, </a:t>
+            </a:r>
+            <a:r>
+              <a:rPr lang="en-US" sz="2900" i="1" dirty="0"/>
+              <a:t>P</a:t>
+            </a:r>
+            <a:r>
+              <a:rPr lang="en-US" sz="2900" dirty="0"/>
+              <a:t>(</a:t>
+            </a:r>
+            <a:r>
+              <a:rPr lang="en-US" sz="2900" i="1" dirty="0"/>
+              <a:t>m</a:t>
+            </a:r>
+            <a:r>
+              <a:rPr lang="en-US" sz="2900" dirty="0"/>
+              <a:t>) must also be true. This contradicts </a:t>
+            </a:r>
+            <a:r>
+              <a:rPr lang="en-US" sz="2900" i="1" dirty="0"/>
+              <a:t>P</a:t>
+            </a:r>
+            <a:r>
+              <a:rPr lang="en-US" sz="2900" dirty="0"/>
+              <a:t>(</a:t>
+            </a:r>
+            <a:r>
+              <a:rPr lang="en-US" sz="2900" i="1" dirty="0"/>
+              <a:t>m</a:t>
+            </a:r>
+            <a:r>
+              <a:rPr lang="en-US" sz="2900" dirty="0"/>
+              <a:t>) being false. </a:t>
+            </a:r>
+          </a:p>
+          <a:p>
+            <a:pPr lvl="1"/>
+            <a:r>
+              <a:rPr lang="en-US" sz="2900" dirty="0"/>
+              <a:t> Hence, </a:t>
+            </a:r>
+            <a:r>
+              <a:rPr lang="en-US" sz="2900" i="1" dirty="0"/>
+              <a:t>P</a:t>
+            </a:r>
+            <a:r>
+              <a:rPr lang="en-US" sz="2900" dirty="0"/>
+              <a:t>(</a:t>
+            </a:r>
+            <a:r>
+              <a:rPr lang="en-US" sz="2900" i="1" dirty="0"/>
+              <a:t>n</a:t>
+            </a:r>
+            <a:r>
+              <a:rPr lang="en-US" sz="2900" dirty="0"/>
+              <a:t>) must be true for every positive integer </a:t>
+            </a:r>
+            <a:r>
+              <a:rPr lang="en-US" sz="2900" i="1" dirty="0"/>
+              <a:t>n</a:t>
+            </a:r>
+            <a:r>
+              <a:rPr lang="en-US" sz="2900" dirty="0"/>
+              <a:t>.</a:t>
+            </a:r>
+          </a:p>
+        </p:txBody>
+      </p:sp>
+    </p:spTree>
+  </p:cSld>
+  <p:clrMapOvr>
+    <a:masterClrMapping/>
+  </p:clrMapOvr>
+</p:sld>
+</file>
+
+<file path=ppt/slides/slide60.xml><?xml version="1.0" encoding="utf-8"?>
+<p:sld xmlns:a="http://schemas.openxmlformats.org/drawingml/2006/main" xmlns:r="http://schemas.openxmlformats.org/officeDocument/2006/relationships" xmlns:p="http://schemas.openxmlformats.org/presentationml/2006/main">
+  <p:cSld>
+    <p:spTree>
+      <p:nvGrpSpPr>
+        <p:cNvPr id="1" name=""/>
+        <p:cNvGrpSpPr/>
+        <p:nvPr/>
+      </p:nvGrpSpPr>
+      <p:grpSpPr>
+        <a:xfrm>
+          <a:off x="0" y="0"/>
+          <a:ext cx="0" cy="0"/>
+          <a:chOff x="0" y="0"/>
+          <a:chExt cx="0" cy="0"/>
+        </a:xfrm>
+      </p:grpSpPr>
+      <p:sp>
+        <p:nvSpPr>
+          <p:cNvPr id="2" name="Title 1"/>
+          <p:cNvSpPr>
+            <a:spLocks noGrp="1"/>
+          </p:cNvSpPr>
+          <p:nvPr>
+            <p:ph type="title"/>
+          </p:nvPr>
+        </p:nvSpPr>
+        <p:spPr/>
+        <p:txBody>
+          <a:bodyPr>
+            <a:noAutofit/>
+          </a:bodyPr>
+          <a:lstStyle/>
+          <a:p>
+            <a:r>
+              <a:rPr lang="en-US" sz="4000" dirty="0"/>
+              <a:t>Recursive Binary Search Algorithm</a:t>
+            </a:r>
+          </a:p>
+        </p:txBody>
+      </p:sp>
+      <p:sp>
+        <p:nvSpPr>
+          <p:cNvPr id="3" name="Content Placeholder 2"/>
+          <p:cNvSpPr>
+            <a:spLocks noGrp="1"/>
+          </p:cNvSpPr>
+          <p:nvPr>
+            <p:ph idx="1"/>
+          </p:nvPr>
+        </p:nvSpPr>
+        <p:spPr/>
+        <p:txBody>
+          <a:bodyPr/>
+          <a:lstStyle/>
+          <a:p>
+            <a:pPr>
+              <a:buNone/>
+            </a:pPr>
+            <a:r>
+              <a:rPr lang="en-US" sz="2800" b="1" dirty="0"/>
+              <a:t>Solution</a:t>
+            </a:r>
+            <a:r>
+              <a:rPr lang="en-US" sz="2800" dirty="0"/>
+              <a:t>: </a:t>
+            </a:r>
+            <a:r>
+              <a:rPr lang="en-US" sz="2000" dirty="0"/>
+              <a:t>Assume we have </a:t>
+            </a:r>
+            <a:r>
+              <a:rPr lang="en-US" sz="2000" i="1" dirty="0"/>
+              <a:t>a</a:t>
+            </a:r>
+            <a:r>
+              <a:rPr lang="en-US" sz="2000" baseline="-25000" dirty="0"/>
+              <a:t>1</a:t>
+            </a:r>
+            <a:r>
+              <a:rPr lang="en-US" sz="2000" dirty="0"/>
+              <a:t>,</a:t>
+            </a:r>
+            <a:r>
+              <a:rPr lang="en-US" sz="2000" i="1" dirty="0"/>
+              <a:t>a</a:t>
+            </a:r>
+            <a:r>
+              <a:rPr lang="en-US" sz="2000" baseline="-25000" dirty="0"/>
+              <a:t>2</a:t>
+            </a:r>
+            <a:r>
+              <a:rPr lang="en-US" sz="2000" dirty="0"/>
+              <a:t>,…, </a:t>
+            </a:r>
+            <a:r>
+              <a:rPr lang="en-US" sz="2000" i="1" dirty="0"/>
+              <a:t>a</a:t>
+            </a:r>
+            <a:r>
+              <a:rPr lang="en-US" sz="2000" i="1" baseline="-25000" dirty="0"/>
+              <a:t>n</a:t>
+            </a:r>
+            <a:r>
+              <a:rPr lang="en-US" sz="2000" dirty="0"/>
+              <a:t>, an increasing sequence of integers. Initially </a:t>
+            </a:r>
+            <a:r>
+              <a:rPr lang="en-US" sz="2000" i="1" dirty="0" err="1"/>
+              <a:t>i</a:t>
+            </a:r>
+            <a:r>
+              <a:rPr lang="en-US" sz="2000" dirty="0"/>
+              <a:t> is </a:t>
+            </a:r>
+            <a:r>
+              <a:rPr lang="en-US" sz="2000" dirty="0">
+                <a:latin typeface="Cambria Math" pitchFamily="18" charset="0"/>
+                <a:ea typeface="Cambria Math" pitchFamily="18" charset="0"/>
+              </a:rPr>
+              <a:t>1</a:t>
+            </a:r>
+            <a:r>
+              <a:rPr lang="en-US" sz="2000" dirty="0"/>
+              <a:t> and </a:t>
+            </a:r>
+            <a:r>
+              <a:rPr lang="en-US" sz="2000" i="1" dirty="0"/>
+              <a:t>j</a:t>
+            </a:r>
+            <a:r>
+              <a:rPr lang="en-US" sz="2000" dirty="0"/>
+              <a:t> is </a:t>
+            </a:r>
+            <a:r>
+              <a:rPr lang="en-US" sz="2000" i="1" dirty="0"/>
+              <a:t>n</a:t>
+            </a:r>
+            <a:r>
+              <a:rPr lang="en-US" sz="2000" dirty="0"/>
+              <a:t>. We are searching for </a:t>
+            </a:r>
+            <a:r>
+              <a:rPr lang="en-US" sz="2000" i="1" dirty="0"/>
+              <a:t>x</a:t>
+            </a:r>
+            <a:r>
+              <a:rPr lang="en-US" sz="2000" dirty="0"/>
+              <a:t>.</a:t>
+            </a:r>
+          </a:p>
+          <a:p>
+            <a:endParaRPr lang="en-US" dirty="0"/>
+          </a:p>
+          <a:p>
+            <a:endParaRPr lang="en-US" dirty="0"/>
+          </a:p>
+          <a:p>
+            <a:endParaRPr lang="en-US" dirty="0"/>
+          </a:p>
+        </p:txBody>
+      </p:sp>
+      <p:sp>
+        <p:nvSpPr>
+          <p:cNvPr id="5" name="Content Placeholder 2"/>
+          <p:cNvSpPr txBox="1">
+            <a:spLocks/>
+          </p:cNvSpPr>
+          <p:nvPr/>
+        </p:nvSpPr>
+        <p:spPr>
+          <a:xfrm>
+            <a:off x="838200" y="2895600"/>
+            <a:ext cx="6781800" cy="2895600"/>
+          </a:xfrm>
+          <a:prstGeom prst="rect">
+            <a:avLst/>
+          </a:prstGeom>
+          <a:ln>
+            <a:solidFill>
+              <a:schemeClr val="accent1"/>
+            </a:solidFill>
+          </a:ln>
+        </p:spPr>
+        <p:txBody>
+          <a:bodyPr vert="horz">
+            <a:normAutofit fontScale="25000" lnSpcReduction="20000"/>
+          </a:bodyPr>
+          <a:lstStyle/>
+          <a:p>
+            <a:pPr marL="274320" lvl="0" indent="-274320">
+              <a:spcBef>
+                <a:spcPct val="20000"/>
+              </a:spcBef>
+              <a:buClr>
+                <a:schemeClr val="accent3"/>
+              </a:buClr>
+              <a:buSzPct val="95000"/>
+              <a:defRPr/>
+            </a:pPr>
+            <a:r>
+              <a:rPr lang="en-US" sz="7200" b="1" dirty="0"/>
+              <a:t>procedure</a:t>
+            </a:r>
+            <a:r>
+              <a:rPr kumimoji="0" lang="en-US" sz="7200" b="1" i="0" u="none" strike="noStrike" kern="1200" cap="none" spc="0" normalizeH="0" baseline="0" noProof="0" dirty="0">
+                <a:ln>
+                  <a:noFill/>
+                </a:ln>
+                <a:solidFill>
+                  <a:schemeClr val="tx1"/>
+                </a:solidFill>
+                <a:effectLst/>
+                <a:uLnTx/>
+                <a:uFillTx/>
+                <a:latin typeface="+mn-lt"/>
+                <a:ea typeface="+mn-ea"/>
+                <a:cs typeface="+mn-cs"/>
+              </a:rPr>
+              <a:t> </a:t>
+            </a:r>
+            <a:r>
+              <a:rPr lang="en-US" sz="7200" i="1" dirty="0"/>
+              <a:t>binary search</a:t>
+            </a:r>
+            <a:r>
+              <a:rPr kumimoji="0" lang="en-US" sz="7200" i="0" u="none" strike="noStrike" kern="1200" cap="none" spc="0" normalizeH="0" baseline="0" noProof="0" dirty="0">
+                <a:ln>
+                  <a:noFill/>
+                </a:ln>
+                <a:solidFill>
+                  <a:schemeClr val="tx1"/>
+                </a:solidFill>
+                <a:effectLst/>
+                <a:uLnTx/>
+                <a:uFillTx/>
+                <a:latin typeface="+mn-lt"/>
+                <a:ea typeface="+mn-ea"/>
+                <a:cs typeface="+mn-cs"/>
+              </a:rPr>
+              <a:t>(</a:t>
+            </a:r>
+            <a:r>
+              <a:rPr lang="en-US" sz="7200" i="1" dirty="0" err="1"/>
+              <a:t>i</a:t>
+            </a:r>
+            <a:r>
+              <a:rPr lang="en-US" sz="7200" i="1" noProof="0" dirty="0"/>
+              <a:t>, j, x : </a:t>
+            </a:r>
+            <a:r>
+              <a:rPr lang="en-US" sz="7200" dirty="0"/>
+              <a:t>integers,  </a:t>
+            </a:r>
+            <a:r>
+              <a:rPr lang="en-US" sz="7200" dirty="0">
+                <a:latin typeface="Cambria Math" pitchFamily="18" charset="0"/>
+                <a:ea typeface="Cambria Math" pitchFamily="18" charset="0"/>
+              </a:rPr>
+              <a:t>1</a:t>
+            </a:r>
+            <a:r>
+              <a:rPr lang="en-US" sz="7200" dirty="0">
+                <a:latin typeface="Cambria Math"/>
+                <a:ea typeface="Cambria Math"/>
+              </a:rPr>
+              <a:t>≤</a:t>
+            </a:r>
+            <a:r>
+              <a:rPr lang="en-US" sz="7200" i="1" dirty="0">
+                <a:ea typeface="Cambria Math"/>
+              </a:rPr>
+              <a:t> </a:t>
+            </a:r>
+            <a:r>
+              <a:rPr lang="en-US" sz="7200" i="1" dirty="0" err="1">
+                <a:ea typeface="Cambria Math"/>
+              </a:rPr>
+              <a:t>i</a:t>
+            </a:r>
+            <a:r>
+              <a:rPr lang="en-US" sz="7200" i="1" dirty="0">
+                <a:ea typeface="Cambria Math"/>
+              </a:rPr>
+              <a:t> </a:t>
+            </a:r>
+            <a:r>
+              <a:rPr lang="en-US" sz="7200" dirty="0">
+                <a:latin typeface="Cambria Math"/>
+                <a:ea typeface="Cambria Math"/>
+              </a:rPr>
+              <a:t>≤ </a:t>
+            </a:r>
+            <a:r>
+              <a:rPr lang="en-US" sz="7200" i="1" dirty="0">
+                <a:ea typeface="Cambria Math"/>
+              </a:rPr>
+              <a:t>j </a:t>
+            </a:r>
+            <a:r>
+              <a:rPr lang="en-US" sz="7200" dirty="0">
+                <a:latin typeface="Cambria Math"/>
+                <a:ea typeface="Cambria Math"/>
+              </a:rPr>
+              <a:t>≤</a:t>
+            </a:r>
+            <a:r>
+              <a:rPr lang="en-US" sz="7200" i="1" dirty="0">
+                <a:ea typeface="Cambria Math"/>
+              </a:rPr>
+              <a:t>n</a:t>
+            </a:r>
+            <a:r>
+              <a:rPr lang="en-US" sz="7200" dirty="0">
+                <a:latin typeface="Cambria Math"/>
+                <a:ea typeface="Cambria Math"/>
+              </a:rPr>
+              <a:t>)</a:t>
+            </a:r>
+          </a:p>
+          <a:p>
+            <a:pPr marL="274320" lvl="0" indent="-274320">
+              <a:spcBef>
+                <a:spcPct val="20000"/>
+              </a:spcBef>
+              <a:buClr>
+                <a:schemeClr val="accent3"/>
+              </a:buClr>
+              <a:buSzPct val="95000"/>
+              <a:defRPr/>
+            </a:pPr>
+            <a:r>
+              <a:rPr lang="en-US" sz="7200" i="1" dirty="0">
+                <a:ea typeface="Cambria Math"/>
+              </a:rPr>
+              <a:t>m</a:t>
+            </a:r>
+            <a:r>
+              <a:rPr kumimoji="0" lang="en-US" sz="7200" i="0" u="none" strike="noStrike" kern="1200" cap="none" spc="0" normalizeH="0" baseline="0" noProof="0" dirty="0">
+                <a:ln>
+                  <a:noFill/>
+                </a:ln>
+                <a:solidFill>
+                  <a:schemeClr val="tx1"/>
+                </a:solidFill>
+                <a:effectLst/>
+                <a:uLnTx/>
+                <a:uFillTx/>
+                <a:latin typeface="Cambria Math"/>
+                <a:ea typeface="Cambria Math"/>
+                <a:cs typeface="+mn-cs"/>
+              </a:rPr>
+              <a:t> := </a:t>
+            </a:r>
+            <a:r>
+              <a:rPr kumimoji="0" lang="en-US" sz="7200" i="0" u="none" strike="noStrike" kern="1200" cap="none" spc="0" normalizeH="0" baseline="0" noProof="0" dirty="0">
+                <a:ln>
+                  <a:noFill/>
+                </a:ln>
+                <a:solidFill>
+                  <a:schemeClr val="tx1"/>
+                </a:solidFill>
+                <a:effectLst/>
+                <a:uLnTx/>
+                <a:uFillTx/>
+                <a:latin typeface="Cambria Math"/>
+                <a:ea typeface="Cambria Math"/>
+              </a:rPr>
+              <a:t>⌊(</a:t>
+            </a:r>
+            <a:r>
+              <a:rPr kumimoji="0" lang="en-US" sz="7200" i="1" u="none" strike="noStrike" kern="1200" cap="none" spc="0" normalizeH="0" baseline="0" noProof="0" dirty="0" err="1">
+                <a:ln>
+                  <a:noFill/>
+                </a:ln>
+                <a:solidFill>
+                  <a:schemeClr val="tx1"/>
+                </a:solidFill>
+                <a:effectLst/>
+                <a:uLnTx/>
+                <a:uFillTx/>
+                <a:ea typeface="Cambria Math"/>
+              </a:rPr>
+              <a:t>i</a:t>
+            </a:r>
+            <a:r>
+              <a:rPr kumimoji="0" lang="en-US" sz="7200" i="0" u="none" strike="noStrike" kern="1200" cap="none" spc="0" normalizeH="0" baseline="0" noProof="0" dirty="0">
+                <a:ln>
+                  <a:noFill/>
+                </a:ln>
+                <a:solidFill>
+                  <a:schemeClr val="tx1"/>
+                </a:solidFill>
+                <a:effectLst/>
+                <a:uLnTx/>
+                <a:uFillTx/>
+                <a:latin typeface="Cambria Math"/>
+                <a:ea typeface="Cambria Math"/>
+              </a:rPr>
+              <a:t> + </a:t>
+            </a:r>
+            <a:r>
+              <a:rPr kumimoji="0" lang="en-US" sz="7200" i="1" u="none" strike="noStrike" kern="1200" cap="none" spc="0" normalizeH="0" baseline="0" noProof="0" dirty="0">
+                <a:ln>
+                  <a:noFill/>
+                </a:ln>
+                <a:solidFill>
+                  <a:schemeClr val="tx1"/>
+                </a:solidFill>
+                <a:effectLst/>
+                <a:uLnTx/>
+                <a:uFillTx/>
+                <a:ea typeface="Cambria Math"/>
+              </a:rPr>
+              <a:t>j</a:t>
+            </a:r>
+            <a:r>
+              <a:rPr kumimoji="0" lang="en-US" sz="7200" i="0" u="none" strike="noStrike" kern="1200" cap="none" spc="0" normalizeH="0" baseline="0" noProof="0" dirty="0">
+                <a:ln>
+                  <a:noFill/>
+                </a:ln>
+                <a:solidFill>
+                  <a:schemeClr val="tx1"/>
+                </a:solidFill>
+                <a:effectLst/>
+                <a:uLnTx/>
+                <a:uFillTx/>
+                <a:latin typeface="Cambria Math"/>
+                <a:ea typeface="Cambria Math"/>
+              </a:rPr>
+              <a:t>)/2⌋</a:t>
+            </a:r>
+            <a:endParaRPr kumimoji="0" lang="en-US" sz="7200" i="0" u="none" strike="noStrike" kern="1200" cap="none" spc="0" normalizeH="0" baseline="0" noProof="0" dirty="0">
+              <a:ln>
+                <a:noFill/>
+              </a:ln>
+              <a:solidFill>
+                <a:schemeClr val="tx1"/>
+              </a:solidFill>
+              <a:effectLst/>
+              <a:uLnTx/>
+              <a:uFillTx/>
+              <a:latin typeface="+mn-lt"/>
+              <a:ea typeface="+mn-ea"/>
+              <a:cs typeface="+mn-cs"/>
+            </a:endParaRPr>
+          </a:p>
+          <a:p>
+            <a:pPr marL="274320" lvl="0" indent="-274320">
+              <a:spcBef>
+                <a:spcPct val="20000"/>
+              </a:spcBef>
+              <a:buClr>
+                <a:schemeClr val="accent3"/>
+              </a:buClr>
+              <a:buSzPct val="95000"/>
+              <a:defRPr/>
+            </a:pPr>
+            <a:r>
+              <a:rPr lang="en-US" sz="7200" b="1" dirty="0"/>
+              <a:t>if </a:t>
+            </a:r>
+            <a:r>
+              <a:rPr lang="en-US" sz="7200" dirty="0"/>
+              <a:t> </a:t>
+            </a:r>
+            <a:r>
+              <a:rPr lang="en-US" sz="7200" i="1" dirty="0"/>
+              <a:t>x</a:t>
+            </a:r>
+            <a:r>
+              <a:rPr kumimoji="0" lang="en-US" sz="7200" i="0" u="none" strike="noStrike" kern="1200" cap="none" spc="0" normalizeH="0" baseline="0" noProof="0" dirty="0">
+                <a:ln>
+                  <a:noFill/>
+                </a:ln>
+                <a:solidFill>
+                  <a:schemeClr val="tx1"/>
+                </a:solidFill>
+                <a:effectLst/>
+                <a:uLnTx/>
+                <a:uFillTx/>
+                <a:latin typeface="+mn-lt"/>
+                <a:ea typeface="+mn-ea"/>
+                <a:cs typeface="+mn-cs"/>
+              </a:rPr>
+              <a:t> = </a:t>
+            </a:r>
+            <a:r>
+              <a:rPr lang="en-US" sz="7200" i="1" noProof="0" dirty="0">
+                <a:ea typeface="Cambria Math" pitchFamily="18" charset="0"/>
+              </a:rPr>
+              <a:t>a</a:t>
+            </a:r>
+            <a:r>
+              <a:rPr lang="en-US" sz="7200" i="1" baseline="-25000" noProof="0" dirty="0">
+                <a:ea typeface="Cambria Math" pitchFamily="18" charset="0"/>
+              </a:rPr>
+              <a:t>m</a:t>
+            </a:r>
+            <a:r>
+              <a:rPr kumimoji="0" lang="en-US" sz="7200" i="0" u="none" strike="noStrike" kern="1200" cap="none" spc="0" normalizeH="0" baseline="0" noProof="0" dirty="0">
+                <a:ln>
+                  <a:noFill/>
+                </a:ln>
+                <a:solidFill>
+                  <a:schemeClr val="tx1"/>
+                </a:solidFill>
+                <a:effectLst/>
+                <a:uLnTx/>
+                <a:uFillTx/>
+                <a:latin typeface="Cambria Math" pitchFamily="18" charset="0"/>
+                <a:ea typeface="Cambria Math" pitchFamily="18" charset="0"/>
+              </a:rPr>
+              <a:t> </a:t>
+            </a:r>
+            <a:r>
+              <a:rPr kumimoji="0" lang="en-US" sz="7200" b="1" i="0" u="none" strike="noStrike" kern="1200" cap="none" spc="0" normalizeH="0" baseline="0" noProof="0" dirty="0">
+                <a:ln>
+                  <a:noFill/>
+                </a:ln>
+                <a:solidFill>
+                  <a:schemeClr val="tx1"/>
+                </a:solidFill>
+                <a:effectLst/>
+                <a:uLnTx/>
+                <a:uFillTx/>
+                <a:latin typeface="Cambria Math" pitchFamily="18" charset="0"/>
+                <a:ea typeface="Cambria Math" pitchFamily="18" charset="0"/>
+              </a:rPr>
+              <a:t>then</a:t>
+            </a:r>
+            <a:r>
+              <a:rPr kumimoji="0" lang="en-US" sz="7200" b="1" i="0" u="none" strike="noStrike" kern="1200" cap="none" spc="0" normalizeH="0" noProof="0" dirty="0">
+                <a:ln>
+                  <a:noFill/>
+                </a:ln>
+                <a:solidFill>
+                  <a:schemeClr val="tx1"/>
+                </a:solidFill>
+                <a:effectLst/>
+                <a:uLnTx/>
+                <a:uFillTx/>
+                <a:latin typeface="Cambria Math" pitchFamily="18" charset="0"/>
+                <a:ea typeface="Cambria Math" pitchFamily="18" charset="0"/>
+              </a:rPr>
+              <a:t> </a:t>
+            </a:r>
+          </a:p>
+          <a:p>
+            <a:pPr marL="274320" lvl="0" indent="-274320">
+              <a:spcBef>
+                <a:spcPct val="20000"/>
+              </a:spcBef>
+              <a:buClr>
+                <a:schemeClr val="accent3"/>
+              </a:buClr>
+              <a:buSzPct val="95000"/>
+              <a:defRPr/>
+            </a:pPr>
+            <a:r>
+              <a:rPr lang="en-US" sz="7200" b="1" dirty="0">
+                <a:latin typeface="Cambria Math" pitchFamily="18" charset="0"/>
+                <a:ea typeface="Cambria Math" pitchFamily="18" charset="0"/>
+              </a:rPr>
+              <a:t>           </a:t>
+            </a:r>
+            <a:r>
+              <a:rPr kumimoji="0" lang="en-US" sz="7200" b="1" i="0" u="none" strike="noStrike" kern="1200" cap="none" spc="0" normalizeH="0" noProof="0" dirty="0">
+                <a:ln>
+                  <a:noFill/>
+                </a:ln>
+                <a:solidFill>
+                  <a:schemeClr val="tx1"/>
+                </a:solidFill>
+                <a:effectLst/>
+                <a:uLnTx/>
+                <a:uFillTx/>
+                <a:latin typeface="Cambria Math" pitchFamily="18" charset="0"/>
+                <a:ea typeface="Cambria Math" pitchFamily="18" charset="0"/>
+              </a:rPr>
+              <a:t>return </a:t>
+            </a:r>
+            <a:r>
+              <a:rPr lang="en-US" sz="7200" i="1" dirty="0">
+                <a:ea typeface="Cambria Math"/>
+              </a:rPr>
+              <a:t>m</a:t>
+            </a:r>
+            <a:endParaRPr kumimoji="0" lang="en-US" sz="7200" u="none" strike="noStrike" kern="1200" cap="none" spc="0" normalizeH="0" noProof="0" dirty="0">
+              <a:ln>
+                <a:noFill/>
+              </a:ln>
+              <a:solidFill>
+                <a:schemeClr val="tx1"/>
+              </a:solidFill>
+              <a:effectLst/>
+              <a:uLnTx/>
+              <a:uFillTx/>
+              <a:latin typeface="Cambria Math" pitchFamily="18" charset="0"/>
+              <a:ea typeface="Cambria Math" pitchFamily="18" charset="0"/>
+            </a:endParaRPr>
+          </a:p>
+          <a:p>
+            <a:pPr marL="274320" lvl="0" indent="-274320">
+              <a:spcBef>
+                <a:spcPct val="20000"/>
+              </a:spcBef>
+              <a:buClr>
+                <a:schemeClr val="accent3"/>
+              </a:buClr>
+              <a:buSzPct val="95000"/>
+              <a:defRPr/>
+            </a:pPr>
+            <a:r>
+              <a:rPr lang="en-US" sz="7200" b="1" dirty="0"/>
+              <a:t>else </a:t>
+            </a:r>
+            <a:r>
+              <a:rPr lang="en-US" sz="7200" dirty="0"/>
+              <a:t> </a:t>
+            </a:r>
+            <a:r>
+              <a:rPr lang="en-US" sz="7200" b="1" dirty="0"/>
+              <a:t>if  </a:t>
+            </a:r>
+            <a:r>
+              <a:rPr lang="en-US" sz="7200" dirty="0"/>
+              <a:t>(</a:t>
+            </a:r>
+            <a:r>
+              <a:rPr lang="en-US" sz="7200" i="1" dirty="0"/>
+              <a:t>x</a:t>
+            </a:r>
+            <a:r>
+              <a:rPr lang="en-US" sz="7200" dirty="0"/>
+              <a:t> &lt; </a:t>
+            </a:r>
+            <a:r>
+              <a:rPr lang="en-US" sz="7200" i="1" dirty="0">
+                <a:ea typeface="Cambria Math" pitchFamily="18" charset="0"/>
+              </a:rPr>
+              <a:t>a</a:t>
+            </a:r>
+            <a:r>
+              <a:rPr lang="en-US" sz="7200" i="1" baseline="-25000" dirty="0">
+                <a:ea typeface="Cambria Math" pitchFamily="18" charset="0"/>
+              </a:rPr>
+              <a:t>m </a:t>
+            </a:r>
+            <a:r>
+              <a:rPr lang="en-US" sz="800" dirty="0"/>
+              <a:t>   </a:t>
+            </a:r>
+            <a:r>
+              <a:rPr lang="en-US" sz="7200" dirty="0"/>
+              <a:t>and   </a:t>
+            </a:r>
+            <a:r>
+              <a:rPr lang="en-US" sz="7200" i="1" dirty="0" err="1"/>
+              <a:t>i</a:t>
+            </a:r>
+            <a:r>
+              <a:rPr lang="en-US" sz="7200" dirty="0"/>
+              <a:t> &lt; </a:t>
+            </a:r>
+            <a:r>
+              <a:rPr lang="en-US" sz="7200" i="1" dirty="0"/>
+              <a:t>m</a:t>
+            </a:r>
+            <a:r>
+              <a:rPr lang="en-US" sz="7200" dirty="0"/>
+              <a:t>)</a:t>
+            </a:r>
+            <a:r>
+              <a:rPr lang="en-US" sz="7200" dirty="0">
+                <a:ea typeface="Cambria Math" pitchFamily="18" charset="0"/>
+              </a:rPr>
+              <a:t> </a:t>
+            </a:r>
+            <a:r>
+              <a:rPr lang="en-US" sz="7200" b="1" dirty="0">
+                <a:latin typeface="Cambria Math" pitchFamily="18" charset="0"/>
+                <a:ea typeface="Cambria Math" pitchFamily="18" charset="0"/>
+              </a:rPr>
+              <a:t>then </a:t>
+            </a:r>
+          </a:p>
+          <a:p>
+            <a:pPr marL="274320" lvl="0" indent="-274320">
+              <a:spcBef>
+                <a:spcPct val="20000"/>
+              </a:spcBef>
+              <a:buClr>
+                <a:schemeClr val="accent3"/>
+              </a:buClr>
+              <a:buSzPct val="95000"/>
+              <a:defRPr/>
+            </a:pPr>
+            <a:r>
+              <a:rPr lang="en-US" sz="7200" b="1" dirty="0">
+                <a:latin typeface="Cambria Math" pitchFamily="18" charset="0"/>
+                <a:ea typeface="Cambria Math" pitchFamily="18" charset="0"/>
+              </a:rPr>
+              <a:t>           return </a:t>
+            </a:r>
+            <a:r>
+              <a:rPr lang="en-US" sz="7200" i="1" dirty="0"/>
+              <a:t>binary search</a:t>
+            </a:r>
+            <a:r>
+              <a:rPr lang="en-US" sz="7200" dirty="0"/>
+              <a:t>(</a:t>
+            </a:r>
+            <a:r>
+              <a:rPr lang="en-US" sz="7200" i="1" dirty="0"/>
+              <a:t>i,m</a:t>
+            </a:r>
+            <a:r>
+              <a:rPr lang="en-US" sz="7200" i="1" dirty="0">
+                <a:latin typeface="Cambria Math"/>
+                <a:ea typeface="Cambria Math"/>
+              </a:rPr>
+              <a:t>−</a:t>
+            </a:r>
+            <a:r>
+              <a:rPr lang="en-US" sz="7200" dirty="0">
+                <a:latin typeface="Cambria Math"/>
+                <a:ea typeface="Cambria Math"/>
+              </a:rPr>
+              <a:t>1</a:t>
+            </a:r>
+            <a:r>
+              <a:rPr lang="en-US" sz="7200" i="1" dirty="0"/>
+              <a:t>,x</a:t>
+            </a:r>
+            <a:r>
+              <a:rPr lang="en-US" sz="7200" dirty="0">
+                <a:latin typeface="Cambria Math"/>
+                <a:ea typeface="Cambria Math"/>
+              </a:rPr>
+              <a:t>)</a:t>
+            </a:r>
+          </a:p>
+          <a:p>
+            <a:pPr marL="274320" lvl="0" indent="-274320">
+              <a:spcBef>
+                <a:spcPct val="20000"/>
+              </a:spcBef>
+              <a:buClr>
+                <a:schemeClr val="accent3"/>
+              </a:buClr>
+              <a:buSzPct val="95000"/>
+              <a:defRPr/>
+            </a:pPr>
+            <a:r>
+              <a:rPr lang="en-US" sz="7200" b="1" dirty="0"/>
+              <a:t>else </a:t>
+            </a:r>
+            <a:r>
+              <a:rPr lang="en-US" sz="7200" dirty="0"/>
+              <a:t> </a:t>
+            </a:r>
+            <a:r>
+              <a:rPr lang="en-US" sz="7200" b="1" dirty="0"/>
+              <a:t>if  </a:t>
+            </a:r>
+            <a:r>
+              <a:rPr lang="en-US" sz="7200" dirty="0"/>
+              <a:t>(</a:t>
+            </a:r>
+            <a:r>
+              <a:rPr lang="en-US" sz="7200" i="1" dirty="0"/>
+              <a:t>x</a:t>
+            </a:r>
+            <a:r>
+              <a:rPr lang="en-US" sz="7200" dirty="0"/>
+              <a:t> &gt; </a:t>
+            </a:r>
+            <a:r>
+              <a:rPr lang="en-US" sz="7200" i="1" dirty="0">
+                <a:ea typeface="Cambria Math" pitchFamily="18" charset="0"/>
+              </a:rPr>
+              <a:t>a</a:t>
+            </a:r>
+            <a:r>
+              <a:rPr lang="en-US" sz="7200" i="1" baseline="-25000" dirty="0">
+                <a:ea typeface="Cambria Math" pitchFamily="18" charset="0"/>
+              </a:rPr>
+              <a:t>m </a:t>
+            </a:r>
+            <a:r>
+              <a:rPr lang="en-US" sz="800" dirty="0"/>
+              <a:t>   </a:t>
+            </a:r>
+            <a:r>
+              <a:rPr lang="en-US" sz="7200" dirty="0"/>
+              <a:t>and   </a:t>
+            </a:r>
+            <a:r>
+              <a:rPr lang="en-US" sz="7200" i="1" dirty="0"/>
+              <a:t>j</a:t>
+            </a:r>
+            <a:r>
+              <a:rPr lang="en-US" sz="7200" dirty="0"/>
+              <a:t> &gt;</a:t>
+            </a:r>
+            <a:r>
+              <a:rPr lang="en-US" sz="7200" i="1" dirty="0"/>
+              <a:t>m</a:t>
+            </a:r>
+            <a:r>
+              <a:rPr lang="en-US" sz="7200" dirty="0"/>
+              <a:t>)</a:t>
+            </a:r>
+            <a:r>
+              <a:rPr lang="en-US" sz="7200" dirty="0">
+                <a:ea typeface="Cambria Math" pitchFamily="18" charset="0"/>
+              </a:rPr>
+              <a:t> </a:t>
+            </a:r>
+            <a:r>
+              <a:rPr lang="en-US" sz="7200" b="1" dirty="0">
+                <a:latin typeface="Cambria Math" pitchFamily="18" charset="0"/>
+                <a:ea typeface="Cambria Math" pitchFamily="18" charset="0"/>
+              </a:rPr>
+              <a:t>then </a:t>
+            </a:r>
+          </a:p>
+          <a:p>
+            <a:pPr marL="274320" lvl="0" indent="-274320">
+              <a:spcBef>
+                <a:spcPct val="20000"/>
+              </a:spcBef>
+              <a:buClr>
+                <a:schemeClr val="accent3"/>
+              </a:buClr>
+              <a:buSzPct val="95000"/>
+              <a:defRPr/>
+            </a:pPr>
+            <a:r>
+              <a:rPr lang="en-US" sz="7200" b="1" dirty="0">
+                <a:latin typeface="Cambria Math" pitchFamily="18" charset="0"/>
+                <a:ea typeface="Cambria Math" pitchFamily="18" charset="0"/>
+              </a:rPr>
+              <a:t>           return </a:t>
+            </a:r>
+            <a:r>
+              <a:rPr lang="en-US" sz="7200" i="1" dirty="0"/>
+              <a:t>binary search</a:t>
+            </a:r>
+            <a:r>
+              <a:rPr lang="en-US" sz="7200" dirty="0"/>
+              <a:t>(</a:t>
+            </a:r>
+            <a:r>
+              <a:rPr lang="en-US" sz="7200" i="1" dirty="0"/>
+              <a:t>m</a:t>
+            </a:r>
+            <a:r>
+              <a:rPr lang="en-US" sz="7200" dirty="0">
+                <a:latin typeface="Cambria Math"/>
+                <a:ea typeface="Cambria Math"/>
+              </a:rPr>
+              <a:t>+1,j</a:t>
+            </a:r>
+            <a:r>
+              <a:rPr lang="en-US" sz="7200" i="1" dirty="0"/>
+              <a:t>,x</a:t>
+            </a:r>
+            <a:r>
+              <a:rPr lang="en-US" sz="7200" dirty="0">
+                <a:latin typeface="Cambria Math"/>
+                <a:ea typeface="Cambria Math"/>
+              </a:rPr>
+              <a:t>)</a:t>
+            </a:r>
+          </a:p>
+          <a:p>
+            <a:pPr marL="274320" lvl="0" indent="-274320">
+              <a:spcBef>
+                <a:spcPct val="20000"/>
+              </a:spcBef>
+              <a:buClr>
+                <a:schemeClr val="accent3"/>
+              </a:buClr>
+              <a:buSzPct val="95000"/>
+              <a:defRPr/>
+            </a:pPr>
+            <a:r>
+              <a:rPr lang="en-US" sz="7200" b="1" dirty="0"/>
+              <a:t>else </a:t>
+            </a:r>
+            <a:r>
+              <a:rPr lang="en-US" sz="7200" b="1" dirty="0">
+                <a:latin typeface="Cambria Math" pitchFamily="18" charset="0"/>
+                <a:ea typeface="Cambria Math" pitchFamily="18" charset="0"/>
+              </a:rPr>
+              <a:t>return </a:t>
+            </a:r>
+            <a:r>
+              <a:rPr lang="en-US" sz="7200" dirty="0">
+                <a:latin typeface="Cambria Math" pitchFamily="18" charset="0"/>
+                <a:ea typeface="Cambria Math" pitchFamily="18" charset="0"/>
+              </a:rPr>
+              <a:t>0</a:t>
+            </a:r>
+            <a:endParaRPr lang="en-US" sz="7200" i="1" dirty="0">
+              <a:ea typeface="Cambria Math"/>
+            </a:endParaRPr>
+          </a:p>
+          <a:p>
+            <a:pPr marL="274320" lvl="0" indent="-274320">
+              <a:spcBef>
+                <a:spcPct val="20000"/>
+              </a:spcBef>
+              <a:buClr>
+                <a:schemeClr val="accent3"/>
+              </a:buClr>
+              <a:buSzPct val="95000"/>
+              <a:defRPr/>
+            </a:pPr>
+            <a:r>
+              <a:rPr lang="en-US" sz="7200" noProof="0" dirty="0">
+                <a:ea typeface="Cambria Math" pitchFamily="18" charset="0"/>
+              </a:rPr>
+              <a:t>{output is </a:t>
+            </a:r>
+            <a:r>
+              <a:rPr lang="en-US" sz="7200" noProof="0" dirty="0"/>
+              <a:t>location of </a:t>
+            </a:r>
+            <a:r>
+              <a:rPr lang="en-US" sz="7200" i="1" noProof="0" dirty="0"/>
+              <a:t>x </a:t>
+            </a:r>
+            <a:r>
+              <a:rPr lang="en-US" sz="7200" noProof="0" dirty="0"/>
+              <a:t>in</a:t>
+            </a:r>
+            <a:r>
+              <a:rPr lang="en-US" sz="7200" i="1" noProof="0" dirty="0"/>
+              <a:t>    a</a:t>
+            </a:r>
+            <a:r>
+              <a:rPr lang="en-US" sz="7200" baseline="-25000" noProof="0" dirty="0">
+                <a:latin typeface="Cambria Math" pitchFamily="18" charset="0"/>
+                <a:ea typeface="Cambria Math" pitchFamily="18" charset="0"/>
+              </a:rPr>
+              <a:t>1</a:t>
+            </a:r>
+            <a:r>
+              <a:rPr lang="en-US" sz="7200" noProof="0" dirty="0">
+                <a:latin typeface="Cambria Math" pitchFamily="18" charset="0"/>
+                <a:ea typeface="Cambria Math" pitchFamily="18" charset="0"/>
+              </a:rPr>
+              <a:t>, </a:t>
+            </a:r>
+            <a:r>
+              <a:rPr lang="en-US" sz="7200" i="1" dirty="0"/>
+              <a:t>a</a:t>
+            </a:r>
+            <a:r>
+              <a:rPr lang="en-US" sz="7200" baseline="-25000" dirty="0">
+                <a:latin typeface="Cambria Math" pitchFamily="18" charset="0"/>
+                <a:ea typeface="Cambria Math" pitchFamily="18" charset="0"/>
+              </a:rPr>
+              <a:t>2</a:t>
+            </a:r>
+            <a:r>
+              <a:rPr lang="en-US" sz="7200" dirty="0">
+                <a:latin typeface="Cambria Math" pitchFamily="18" charset="0"/>
+                <a:ea typeface="Cambria Math" pitchFamily="18" charset="0"/>
+              </a:rPr>
+              <a:t>,…,</a:t>
+            </a:r>
+            <a:r>
+              <a:rPr lang="en-US" sz="7200" i="1" dirty="0">
+                <a:ea typeface="Cambria Math" pitchFamily="18" charset="0"/>
+              </a:rPr>
+              <a:t>a</a:t>
+            </a:r>
+            <a:r>
+              <a:rPr lang="en-US" sz="7200" i="1" baseline="-25000" dirty="0">
+                <a:ea typeface="Cambria Math" pitchFamily="18" charset="0"/>
+              </a:rPr>
+              <a:t>n</a:t>
+            </a:r>
+            <a:r>
+              <a:rPr lang="en-US" sz="7200" i="1" dirty="0">
+                <a:ea typeface="Cambria Math" pitchFamily="18" charset="0"/>
+              </a:rPr>
+              <a:t>  </a:t>
+            </a:r>
+            <a:r>
+              <a:rPr lang="en-US" sz="7200" dirty="0">
+                <a:ea typeface="Cambria Math" pitchFamily="18" charset="0"/>
+              </a:rPr>
+              <a:t>if it appears, otherwise </a:t>
+            </a:r>
+            <a:r>
+              <a:rPr lang="en-US" sz="7200" dirty="0">
+                <a:latin typeface="Cambria Math" pitchFamily="18" charset="0"/>
+                <a:ea typeface="Cambria Math" pitchFamily="18" charset="0"/>
+              </a:rPr>
+              <a:t>0</a:t>
+            </a:r>
+            <a:r>
+              <a:rPr lang="en-US" sz="7200" noProof="0" dirty="0">
+                <a:ea typeface="Cambria Math" pitchFamily="18" charset="0"/>
+              </a:rPr>
+              <a:t>}</a:t>
+            </a:r>
+            <a:endParaRPr kumimoji="0" lang="en-US" sz="7200" u="none" strike="noStrike" kern="1200" cap="none" spc="0" normalizeH="0" baseline="0" noProof="0" dirty="0">
+              <a:ln>
+                <a:noFill/>
+              </a:ln>
+              <a:solidFill>
+                <a:schemeClr val="tx1"/>
+              </a:solidFill>
+              <a:effectLst/>
+              <a:uLnTx/>
+              <a:uFillTx/>
+              <a:ea typeface="Cambria Math" pitchFamily="18" charset="0"/>
+            </a:endParaRPr>
+          </a:p>
+          <a:p>
+            <a:pPr marL="274320" lvl="0" indent="-274320">
+              <a:spcBef>
+                <a:spcPct val="20000"/>
+              </a:spcBef>
+              <a:buClr>
+                <a:schemeClr val="accent3"/>
+              </a:buClr>
+              <a:buSzPct val="95000"/>
+            </a:pPr>
+            <a:endParaRPr lang="en-US" sz="2600" i="1" baseline="-25000" dirty="0"/>
+          </a:p>
+          <a:p>
+            <a:pPr marL="274320" lvl="0" indent="-274320">
+              <a:spcBef>
+                <a:spcPct val="20000"/>
+              </a:spcBef>
+              <a:buClr>
+                <a:schemeClr val="accent3"/>
+              </a:buClr>
+              <a:buSzPct val="95000"/>
+            </a:pPr>
+            <a:endParaRPr kumimoji="0" lang="en-US" sz="2600" b="0" i="1" u="none" strike="noStrike" kern="1200" cap="none" spc="0" normalizeH="0" baseline="0" noProof="0" dirty="0">
+              <a:ln>
+                <a:noFill/>
+              </a:ln>
+              <a:solidFill>
+                <a:schemeClr val="tx1"/>
+              </a:solidFill>
+              <a:effectLst/>
+              <a:uLnTx/>
+              <a:uFillTx/>
+              <a:latin typeface="+mn-lt"/>
+              <a:ea typeface="+mn-ea"/>
+              <a:cs typeface="+mn-cs"/>
+            </a:endParaRPr>
+          </a:p>
+          <a:p>
+            <a:pPr marL="274320" marR="0" lvl="0" indent="-274320" algn="l" defTabSz="914400" rtl="0" eaLnBrk="1" fontAlgn="auto" latinLnBrk="0" hangingPunct="1">
+              <a:lnSpc>
+                <a:spcPct val="100000"/>
+              </a:lnSpc>
+              <a:spcBef>
+                <a:spcPct val="20000"/>
+              </a:spcBef>
+              <a:spcAft>
+                <a:spcPts val="0"/>
+              </a:spcAft>
+              <a:buClr>
+                <a:schemeClr val="accent3"/>
+              </a:buClr>
+              <a:buSzPct val="95000"/>
+              <a:buFont typeface="Wingdings 2"/>
+              <a:buNone/>
+              <a:tabLst/>
+              <a:defRPr/>
+            </a:pPr>
+            <a:r>
+              <a:rPr kumimoji="0" lang="en-US" sz="2600" b="0" i="0" u="none" strike="noStrike" kern="1200" cap="none" spc="0" normalizeH="0" baseline="0" noProof="0" dirty="0">
+                <a:ln>
+                  <a:noFill/>
+                </a:ln>
+                <a:solidFill>
+                  <a:schemeClr val="tx1"/>
+                </a:solidFill>
+                <a:effectLst/>
+                <a:uLnTx/>
+                <a:uFillTx/>
+                <a:latin typeface="+mn-lt"/>
+                <a:ea typeface="+mn-ea"/>
+                <a:cs typeface="+mn-cs"/>
+              </a:rPr>
+              <a:t>         </a:t>
+            </a:r>
+            <a:endParaRPr kumimoji="0" lang="en-US" sz="2600" b="0" i="0" u="none" strike="noStrike" kern="1200" cap="none" spc="0" normalizeH="0" baseline="0" noProof="0" dirty="0">
+              <a:ln>
+                <a:noFill/>
+              </a:ln>
+              <a:solidFill>
+                <a:schemeClr val="tx1"/>
+              </a:solidFill>
+              <a:effectLst/>
+              <a:uLnTx/>
+              <a:uFillTx/>
+              <a:latin typeface="Cambria Math" pitchFamily="18" charset="0"/>
+              <a:ea typeface="Cambria Math" pitchFamily="18" charset="0"/>
+            </a:endParaRPr>
+          </a:p>
+          <a:p>
+            <a:pPr marL="274320" marR="0" lvl="0" indent="-274320" algn="l" defTabSz="914400" rtl="0" eaLnBrk="1" fontAlgn="auto" latinLnBrk="0" hangingPunct="1">
+              <a:lnSpc>
+                <a:spcPct val="100000"/>
+              </a:lnSpc>
+              <a:spcBef>
+                <a:spcPct val="20000"/>
+              </a:spcBef>
+              <a:spcAft>
+                <a:spcPts val="0"/>
+              </a:spcAft>
+              <a:buClr>
+                <a:schemeClr val="accent3"/>
+              </a:buClr>
+              <a:buSzPct val="95000"/>
+              <a:buFont typeface="Wingdings 2"/>
+              <a:buNone/>
+              <a:tabLst/>
+              <a:defRPr/>
+            </a:pPr>
+            <a:r>
+              <a:rPr kumimoji="0" lang="en-US" sz="2600" b="0" i="0" u="none" strike="noStrike" kern="1200" cap="none" spc="0" normalizeH="0" baseline="0" noProof="0" dirty="0">
+                <a:ln>
+                  <a:noFill/>
+                </a:ln>
+                <a:solidFill>
+                  <a:schemeClr val="tx1"/>
+                </a:solidFill>
+                <a:effectLst/>
+                <a:uLnTx/>
+                <a:uFillTx/>
+                <a:latin typeface="+mn-lt"/>
+                <a:ea typeface="+mn-ea"/>
+                <a:cs typeface="+mn-cs"/>
+              </a:rPr>
+              <a:t>    </a:t>
+            </a:r>
+            <a:endParaRPr kumimoji="0" lang="en-US" sz="2600" b="0" i="1" u="none" strike="noStrike" kern="1200" cap="none" spc="0" normalizeH="0" baseline="0" noProof="0" dirty="0">
+              <a:ln>
+                <a:noFill/>
+              </a:ln>
+              <a:solidFill>
+                <a:schemeClr val="tx1"/>
+              </a:solidFill>
+              <a:effectLst/>
+              <a:uLnTx/>
+              <a:uFillTx/>
+              <a:latin typeface="+mn-lt"/>
+              <a:ea typeface="+mn-ea"/>
+              <a:cs typeface="+mn-cs"/>
+            </a:endParaRPr>
+          </a:p>
+        </p:txBody>
+      </p:sp>
+    </p:spTree>
+    <p:extLst>
+      <p:ext uri="{BB962C8B-B14F-4D97-AF65-F5344CB8AC3E}">
+        <p14:creationId xmlns:p14="http://schemas.microsoft.com/office/powerpoint/2010/main" val="3236087655"/>
+      </p:ext>
+    </p:extLst>
+  </p:cSld>
+  <p:clrMapOvr>
+    <a:masterClrMapping/>
+  </p:clrMapOvr>
+</p:sld>
+</file>
+
+<file path=ppt/slides/slide61.xml><?xml version="1.0" encoding="utf-8"?>
 <p:sld xmlns:a="http://schemas.openxmlformats.org/drawingml/2006/main" xmlns:r="http://schemas.openxmlformats.org/officeDocument/2006/relationships" xmlns:p="http://schemas.openxmlformats.org/presentationml/2006/main">
   <p:cSld>
     <p:spTree>
@@ -34484,686 +35637,7 @@
 </p:sld>
 </file>
 
-<file path=ppt/slides/slide6.xml><?xml version="1.0" encoding="utf-8"?>
-<p:sld xmlns:a="http://schemas.openxmlformats.org/drawingml/2006/main" xmlns:r="http://schemas.openxmlformats.org/officeDocument/2006/relationships" xmlns:p="http://schemas.openxmlformats.org/presentationml/2006/main">
-  <p:cSld>
-    <p:spTree>
-      <p:nvGrpSpPr>
-        <p:cNvPr id="1" name=""/>
-        <p:cNvGrpSpPr/>
-        <p:nvPr/>
-      </p:nvGrpSpPr>
-      <p:grpSpPr>
-        <a:xfrm>
-          <a:off x="0" y="0"/>
-          <a:ext cx="0" cy="0"/>
-          <a:chOff x="0" y="0"/>
-          <a:chExt cx="0" cy="0"/>
-        </a:xfrm>
-      </p:grpSpPr>
-      <p:sp>
-        <p:nvSpPr>
-          <p:cNvPr id="2" name="Title 1"/>
-          <p:cNvSpPr>
-            <a:spLocks noGrp="1"/>
-          </p:cNvSpPr>
-          <p:nvPr>
-            <p:ph type="title"/>
-          </p:nvPr>
-        </p:nvSpPr>
-        <p:spPr/>
-        <p:txBody>
-          <a:bodyPr>
-            <a:noAutofit/>
-          </a:bodyPr>
-          <a:lstStyle/>
-          <a:p>
-            <a:r>
-              <a:rPr lang="en-US" sz="4400" dirty="0"/>
-              <a:t>Validity of Mathematical Induction</a:t>
-            </a:r>
-          </a:p>
-        </p:txBody>
-      </p:sp>
-      <p:sp>
-        <p:nvSpPr>
-          <p:cNvPr id="3" name="Content Placeholder 2"/>
-          <p:cNvSpPr>
-            <a:spLocks noGrp="1"/>
-          </p:cNvSpPr>
-          <p:nvPr>
-            <p:ph idx="1"/>
-          </p:nvPr>
-        </p:nvSpPr>
-        <p:spPr/>
-        <p:txBody>
-          <a:bodyPr>
-            <a:normAutofit fontScale="62500" lnSpcReduction="20000"/>
-          </a:bodyPr>
-          <a:lstStyle/>
-          <a:p>
-            <a:r>
-              <a:rPr lang="en-US" sz="2900" dirty="0">
-                <a:ea typeface="Cambria Math" pitchFamily="18" charset="0"/>
-                <a:sym typeface="Wingdings" pitchFamily="2" charset="2"/>
-              </a:rPr>
-              <a:t>Mathematical induction is valid because of the well ordering property, which states that every nonempty subset of the set of positive integers has a least element (</a:t>
-            </a:r>
-            <a:r>
-              <a:rPr lang="en-US" sz="2900" i="1" dirty="0">
-                <a:ea typeface="Cambria Math" pitchFamily="18" charset="0"/>
-                <a:sym typeface="Wingdings" pitchFamily="2" charset="2"/>
-              </a:rPr>
-              <a:t>see Section </a:t>
-            </a:r>
-            <a:r>
-              <a:rPr lang="en-US" sz="2900" dirty="0">
-                <a:latin typeface="Cambria Math" pitchFamily="18" charset="0"/>
-                <a:ea typeface="Cambria Math" pitchFamily="18" charset="0"/>
-                <a:sym typeface="Wingdings" pitchFamily="2" charset="2"/>
-              </a:rPr>
-              <a:t>5.2</a:t>
-            </a:r>
-            <a:r>
-              <a:rPr lang="en-US" sz="2900" dirty="0">
-                <a:ea typeface="Cambria Math" pitchFamily="18" charset="0"/>
-                <a:sym typeface="Wingdings" pitchFamily="2" charset="2"/>
-              </a:rPr>
-              <a:t> </a:t>
-            </a:r>
-            <a:r>
-              <a:rPr lang="en-US" sz="2900" i="1" dirty="0">
-                <a:ea typeface="Cambria Math" pitchFamily="18" charset="0"/>
-                <a:sym typeface="Wingdings" pitchFamily="2" charset="2"/>
-              </a:rPr>
-              <a:t>and Appendix </a:t>
-            </a:r>
-            <a:r>
-              <a:rPr lang="en-US" sz="2900" dirty="0">
-                <a:latin typeface="Cambria Math" pitchFamily="18" charset="0"/>
-                <a:ea typeface="Cambria Math" pitchFamily="18" charset="0"/>
-                <a:sym typeface="Wingdings" pitchFamily="2" charset="2"/>
-              </a:rPr>
-              <a:t>1</a:t>
-            </a:r>
-            <a:r>
-              <a:rPr lang="en-US" sz="2900" dirty="0">
-                <a:ea typeface="Cambria Math" pitchFamily="18" charset="0"/>
-                <a:sym typeface="Wingdings" pitchFamily="2" charset="2"/>
-              </a:rPr>
-              <a:t>). Here is the proof:</a:t>
-            </a:r>
-          </a:p>
-          <a:p>
-            <a:pPr lvl="1"/>
-            <a:r>
-              <a:rPr lang="en-US" sz="2900" dirty="0">
-                <a:ea typeface="Cambria Math" pitchFamily="18" charset="0"/>
-                <a:sym typeface="Wingdings" pitchFamily="2" charset="2"/>
-              </a:rPr>
-              <a:t>Suppose that </a:t>
-            </a:r>
-            <a:r>
-              <a:rPr lang="en-US" sz="2900" i="1" dirty="0"/>
-              <a:t>P</a:t>
-            </a:r>
-            <a:r>
-              <a:rPr lang="en-US" sz="2900" dirty="0"/>
-              <a:t>(</a:t>
-            </a:r>
-            <a:r>
-              <a:rPr lang="en-US" sz="2900" dirty="0">
-                <a:latin typeface="Cambria Math" pitchFamily="18" charset="0"/>
-                <a:ea typeface="Cambria Math" pitchFamily="18" charset="0"/>
-              </a:rPr>
-              <a:t>1</a:t>
-            </a:r>
-            <a:r>
-              <a:rPr lang="en-US" sz="2900" dirty="0"/>
-              <a:t>) holds and </a:t>
-            </a:r>
-            <a:r>
-              <a:rPr lang="en-US" sz="2900" i="1" dirty="0"/>
-              <a:t>P</a:t>
-            </a:r>
-            <a:r>
-              <a:rPr lang="en-US" sz="2900" dirty="0"/>
-              <a:t>(</a:t>
-            </a:r>
-            <a:r>
-              <a:rPr lang="en-US" sz="2900" i="1" dirty="0"/>
-              <a:t>k</a:t>
-            </a:r>
-            <a:r>
-              <a:rPr lang="en-US" sz="2900" dirty="0"/>
-              <a:t>)</a:t>
-            </a:r>
-            <a:r>
-              <a:rPr lang="en-US" sz="2900" i="1" dirty="0"/>
-              <a:t> </a:t>
-            </a:r>
-            <a:r>
-              <a:rPr lang="en-US" sz="2900" dirty="0">
-                <a:ea typeface="Cambria Math"/>
-                <a:sym typeface="Wingdings" pitchFamily="2" charset="2"/>
-              </a:rPr>
-              <a:t>→</a:t>
-            </a:r>
-            <a:r>
-              <a:rPr lang="en-US" sz="2900" i="1" dirty="0">
-                <a:sym typeface="Wingdings" pitchFamily="2" charset="2"/>
-              </a:rPr>
-              <a:t> P</a:t>
-            </a:r>
-            <a:r>
-              <a:rPr lang="en-US" sz="2900" dirty="0">
-                <a:sym typeface="Wingdings" pitchFamily="2" charset="2"/>
-              </a:rPr>
-              <a:t>(</a:t>
-            </a:r>
-            <a:r>
-              <a:rPr lang="en-US" sz="2900" i="1" dirty="0">
-                <a:sym typeface="Wingdings" pitchFamily="2" charset="2"/>
-              </a:rPr>
-              <a:t>k + </a:t>
-            </a:r>
-            <a:r>
-              <a:rPr lang="en-US" sz="2900" dirty="0">
-                <a:latin typeface="Cambria Math" pitchFamily="18" charset="0"/>
-                <a:ea typeface="Cambria Math" pitchFamily="18" charset="0"/>
-                <a:sym typeface="Wingdings" pitchFamily="2" charset="2"/>
-              </a:rPr>
-              <a:t>1</a:t>
-            </a:r>
-            <a:r>
-              <a:rPr lang="en-US" sz="2900" dirty="0">
-                <a:sym typeface="Wingdings" pitchFamily="2" charset="2"/>
-              </a:rPr>
-              <a:t>)</a:t>
-            </a:r>
-            <a:r>
-              <a:rPr lang="en-US" sz="2900" dirty="0">
-                <a:ea typeface="Cambria Math"/>
-                <a:sym typeface="Wingdings" pitchFamily="2" charset="2"/>
-              </a:rPr>
-              <a:t> is true for all positive integers </a:t>
-            </a:r>
-            <a:r>
-              <a:rPr lang="en-US" sz="2900" i="1" dirty="0">
-                <a:ea typeface="Cambria Math"/>
-                <a:sym typeface="Wingdings" pitchFamily="2" charset="2"/>
-              </a:rPr>
-              <a:t>k</a:t>
-            </a:r>
-            <a:r>
-              <a:rPr lang="en-US" sz="2900" dirty="0">
-                <a:ea typeface="Cambria Math"/>
-                <a:sym typeface="Wingdings" pitchFamily="2" charset="2"/>
-              </a:rPr>
-              <a:t>. </a:t>
-            </a:r>
-          </a:p>
-          <a:p>
-            <a:pPr lvl="1"/>
-            <a:r>
-              <a:rPr lang="en-US" sz="2900" dirty="0">
-                <a:ea typeface="Cambria Math"/>
-                <a:sym typeface="Wingdings" pitchFamily="2" charset="2"/>
-              </a:rPr>
-              <a:t>Assume there is at least one positive integer  </a:t>
-            </a:r>
-            <a:r>
-              <a:rPr lang="en-US" sz="2900" i="1" dirty="0">
-                <a:ea typeface="Cambria Math"/>
-                <a:sym typeface="Wingdings" pitchFamily="2" charset="2"/>
-              </a:rPr>
-              <a:t>n</a:t>
-            </a:r>
-            <a:r>
-              <a:rPr lang="en-US" sz="2900" dirty="0">
-                <a:ea typeface="Cambria Math"/>
-                <a:sym typeface="Wingdings" pitchFamily="2" charset="2"/>
-              </a:rPr>
-              <a:t> for which P(</a:t>
-            </a:r>
-            <a:r>
-              <a:rPr lang="en-US" sz="2900" i="1" dirty="0">
-                <a:ea typeface="Cambria Math"/>
-                <a:sym typeface="Wingdings" pitchFamily="2" charset="2"/>
-              </a:rPr>
-              <a:t>n</a:t>
-            </a:r>
-            <a:r>
-              <a:rPr lang="en-US" sz="2900" dirty="0">
-                <a:ea typeface="Cambria Math"/>
-                <a:sym typeface="Wingdings" pitchFamily="2" charset="2"/>
-              </a:rPr>
-              <a:t>) is false. Then the set </a:t>
-            </a:r>
-            <a:r>
-              <a:rPr lang="en-US" sz="2900" i="1" dirty="0">
-                <a:ea typeface="Cambria Math"/>
-                <a:sym typeface="Wingdings" pitchFamily="2" charset="2"/>
-              </a:rPr>
-              <a:t>S</a:t>
-            </a:r>
-            <a:r>
-              <a:rPr lang="en-US" sz="2900" dirty="0">
-                <a:ea typeface="Cambria Math"/>
-                <a:sym typeface="Wingdings" pitchFamily="2" charset="2"/>
-              </a:rPr>
-              <a:t> of positive integers for which P(</a:t>
-            </a:r>
-            <a:r>
-              <a:rPr lang="en-US" sz="2900" i="1" dirty="0">
-                <a:ea typeface="Cambria Math"/>
-                <a:sym typeface="Wingdings" pitchFamily="2" charset="2"/>
-              </a:rPr>
-              <a:t>n</a:t>
-            </a:r>
-            <a:r>
-              <a:rPr lang="en-US" sz="2900" dirty="0">
-                <a:ea typeface="Cambria Math"/>
-                <a:sym typeface="Wingdings" pitchFamily="2" charset="2"/>
-              </a:rPr>
-              <a:t>) is false is nonempty. </a:t>
-            </a:r>
-          </a:p>
-          <a:p>
-            <a:pPr lvl="1"/>
-            <a:r>
-              <a:rPr lang="en-US" sz="2900" dirty="0">
-                <a:ea typeface="Cambria Math"/>
-                <a:sym typeface="Wingdings" pitchFamily="2" charset="2"/>
-              </a:rPr>
-              <a:t>By the well-ordering property, </a:t>
-            </a:r>
-            <a:r>
-              <a:rPr lang="en-US" sz="2900" i="1" dirty="0">
-                <a:ea typeface="Cambria Math"/>
-                <a:sym typeface="Wingdings" pitchFamily="2" charset="2"/>
-              </a:rPr>
-              <a:t>S</a:t>
-            </a:r>
-            <a:r>
-              <a:rPr lang="en-US" sz="2900" dirty="0">
-                <a:ea typeface="Cambria Math"/>
-                <a:sym typeface="Wingdings" pitchFamily="2" charset="2"/>
-              </a:rPr>
-              <a:t> has a least element, say </a:t>
-            </a:r>
-            <a:r>
-              <a:rPr lang="en-US" sz="2900" i="1" dirty="0">
-                <a:ea typeface="Cambria Math"/>
-                <a:sym typeface="Wingdings" pitchFamily="2" charset="2"/>
-              </a:rPr>
-              <a:t>m</a:t>
-            </a:r>
-            <a:r>
-              <a:rPr lang="en-US" sz="2900" dirty="0">
-                <a:ea typeface="Cambria Math"/>
-                <a:sym typeface="Wingdings" pitchFamily="2" charset="2"/>
-              </a:rPr>
-              <a:t>.</a:t>
-            </a:r>
-          </a:p>
-          <a:p>
-            <a:pPr lvl="1"/>
-            <a:r>
-              <a:rPr lang="en-US" sz="2900" dirty="0">
-                <a:ea typeface="Cambria Math"/>
-                <a:sym typeface="Wingdings" pitchFamily="2" charset="2"/>
-              </a:rPr>
-              <a:t>We know that </a:t>
-            </a:r>
-            <a:r>
-              <a:rPr lang="en-US" sz="2900" i="1" dirty="0">
-                <a:ea typeface="Cambria Math"/>
-                <a:sym typeface="Wingdings" pitchFamily="2" charset="2"/>
-              </a:rPr>
-              <a:t>m</a:t>
-            </a:r>
-            <a:r>
-              <a:rPr lang="en-US" sz="2900" dirty="0">
-                <a:ea typeface="Cambria Math"/>
-                <a:sym typeface="Wingdings" pitchFamily="2" charset="2"/>
-              </a:rPr>
-              <a:t> can not be </a:t>
-            </a:r>
-            <a:r>
-              <a:rPr lang="en-US" sz="2900" dirty="0">
-                <a:latin typeface="Cambria Math" pitchFamily="18" charset="0"/>
-                <a:ea typeface="Cambria Math" pitchFamily="18" charset="0"/>
-              </a:rPr>
-              <a:t>1</a:t>
-            </a:r>
-            <a:r>
-              <a:rPr lang="en-US" sz="2900" dirty="0">
-                <a:ea typeface="Cambria Math" pitchFamily="18" charset="0"/>
-              </a:rPr>
-              <a:t> </a:t>
-            </a:r>
-            <a:r>
-              <a:rPr lang="en-US" sz="2900" dirty="0">
-                <a:ea typeface="Cambria Math" pitchFamily="18" charset="0"/>
-                <a:sym typeface="Wingdings" pitchFamily="2" charset="2"/>
-              </a:rPr>
-              <a:t>since  </a:t>
-            </a:r>
-            <a:r>
-              <a:rPr lang="en-US" sz="2900" i="1" dirty="0"/>
-              <a:t>P</a:t>
-            </a:r>
-            <a:r>
-              <a:rPr lang="en-US" sz="2900" dirty="0"/>
-              <a:t>(</a:t>
-            </a:r>
-            <a:r>
-              <a:rPr lang="en-US" sz="2900" dirty="0">
-                <a:latin typeface="Cambria Math" pitchFamily="18" charset="0"/>
-                <a:ea typeface="Cambria Math" pitchFamily="18" charset="0"/>
-              </a:rPr>
-              <a:t>1</a:t>
-            </a:r>
-            <a:r>
-              <a:rPr lang="en-US" sz="2900" dirty="0"/>
-              <a:t>) holds. </a:t>
-            </a:r>
-          </a:p>
-          <a:p>
-            <a:pPr lvl="1"/>
-            <a:r>
-              <a:rPr lang="en-US" sz="2900" dirty="0"/>
-              <a:t>Since </a:t>
-            </a:r>
-            <a:r>
-              <a:rPr lang="en-US" sz="2900" i="1" dirty="0"/>
-              <a:t>m</a:t>
-            </a:r>
-            <a:r>
-              <a:rPr lang="en-US" sz="2900" dirty="0"/>
-              <a:t> is positive and greater than </a:t>
-            </a:r>
-            <a:r>
-              <a:rPr lang="en-US" sz="2900" dirty="0">
-                <a:latin typeface="Cambria Math" pitchFamily="18" charset="0"/>
-                <a:ea typeface="Cambria Math" pitchFamily="18" charset="0"/>
-              </a:rPr>
-              <a:t>1</a:t>
-            </a:r>
-            <a:r>
-              <a:rPr lang="en-US" sz="2900" dirty="0"/>
-              <a:t>, </a:t>
-            </a:r>
-            <a:r>
-              <a:rPr lang="en-US" sz="2900" i="1" dirty="0"/>
-              <a:t>m</a:t>
-            </a:r>
-            <a:r>
-              <a:rPr lang="en-US" sz="2900" dirty="0"/>
-              <a:t> </a:t>
-            </a:r>
-            <a:r>
-              <a:rPr lang="en-US" sz="2900" dirty="0">
-                <a:ea typeface="Cambria Math"/>
-              </a:rPr>
-              <a:t>− </a:t>
-            </a:r>
-            <a:r>
-              <a:rPr lang="en-US" sz="2900" dirty="0">
-                <a:latin typeface="Cambria Math" pitchFamily="18" charset="0"/>
-                <a:ea typeface="Cambria Math" pitchFamily="18" charset="0"/>
-              </a:rPr>
-              <a:t>1</a:t>
-            </a:r>
-            <a:r>
-              <a:rPr lang="en-US" sz="2900" dirty="0">
-                <a:ea typeface="Cambria Math"/>
-              </a:rPr>
-              <a:t> must be a positive integer. Since </a:t>
-            </a:r>
-            <a:r>
-              <a:rPr lang="en-US" sz="2900" i="1" dirty="0"/>
-              <a:t>m</a:t>
-            </a:r>
-            <a:r>
-              <a:rPr lang="en-US" sz="2900" dirty="0"/>
-              <a:t> </a:t>
-            </a:r>
-            <a:r>
-              <a:rPr lang="en-US" sz="2900" dirty="0">
-                <a:ea typeface="Cambria Math"/>
-              </a:rPr>
-              <a:t>− </a:t>
-            </a:r>
-            <a:r>
-              <a:rPr lang="en-US" sz="2900" dirty="0">
-                <a:latin typeface="Cambria Math" pitchFamily="18" charset="0"/>
-                <a:ea typeface="Cambria Math" pitchFamily="18" charset="0"/>
-              </a:rPr>
-              <a:t>1</a:t>
-            </a:r>
-            <a:r>
-              <a:rPr lang="en-US" sz="2900" dirty="0">
-                <a:ea typeface="Cambria Math"/>
-              </a:rPr>
-              <a:t> &lt; </a:t>
-            </a:r>
-            <a:r>
-              <a:rPr lang="en-US" sz="2900" i="1" dirty="0">
-                <a:ea typeface="Cambria Math"/>
-              </a:rPr>
-              <a:t>m</a:t>
-            </a:r>
-            <a:r>
-              <a:rPr lang="en-US" sz="2900" dirty="0">
-                <a:ea typeface="Cambria Math"/>
-              </a:rPr>
-              <a:t>, it is not in S, so </a:t>
-            </a:r>
-            <a:r>
-              <a:rPr lang="en-US" sz="2900" i="1" dirty="0">
-                <a:ea typeface="Cambria Math"/>
-              </a:rPr>
-              <a:t>P</a:t>
-            </a:r>
-            <a:r>
-              <a:rPr lang="en-US" sz="2900" dirty="0">
-                <a:ea typeface="Cambria Math"/>
-              </a:rPr>
-              <a:t>(</a:t>
-            </a:r>
-            <a:r>
-              <a:rPr lang="en-US" sz="2900" i="1" dirty="0"/>
-              <a:t>m</a:t>
-            </a:r>
-            <a:r>
-              <a:rPr lang="en-US" sz="2900" dirty="0"/>
-              <a:t> </a:t>
-            </a:r>
-            <a:r>
-              <a:rPr lang="en-US" sz="2900" dirty="0">
-                <a:ea typeface="Cambria Math"/>
-              </a:rPr>
-              <a:t>− </a:t>
-            </a:r>
-            <a:r>
-              <a:rPr lang="en-US" sz="2900" dirty="0">
-                <a:latin typeface="Cambria Math" pitchFamily="18" charset="0"/>
-                <a:ea typeface="Cambria Math" pitchFamily="18" charset="0"/>
-              </a:rPr>
-              <a:t>1</a:t>
-            </a:r>
-            <a:r>
-              <a:rPr lang="en-US" sz="2900" dirty="0">
-                <a:ea typeface="Cambria Math"/>
-              </a:rPr>
-              <a:t>) must be true. </a:t>
-            </a:r>
-          </a:p>
-          <a:p>
-            <a:pPr lvl="1"/>
-            <a:r>
-              <a:rPr lang="en-US" sz="2900" dirty="0">
-                <a:ea typeface="Cambria Math"/>
-              </a:rPr>
-              <a:t>But then, since the conditional </a:t>
-            </a:r>
-            <a:r>
-              <a:rPr lang="en-US" sz="2900" i="1" dirty="0"/>
-              <a:t>P</a:t>
-            </a:r>
-            <a:r>
-              <a:rPr lang="en-US" sz="2900" dirty="0"/>
-              <a:t>(</a:t>
-            </a:r>
-            <a:r>
-              <a:rPr lang="en-US" sz="2900" i="1" dirty="0"/>
-              <a:t>k</a:t>
-            </a:r>
-            <a:r>
-              <a:rPr lang="en-US" sz="2900" dirty="0"/>
-              <a:t>)</a:t>
-            </a:r>
-            <a:r>
-              <a:rPr lang="en-US" sz="2900" i="1" dirty="0"/>
-              <a:t> </a:t>
-            </a:r>
-            <a:r>
-              <a:rPr lang="en-US" sz="2900" dirty="0">
-                <a:ea typeface="Cambria Math"/>
-                <a:sym typeface="Wingdings" pitchFamily="2" charset="2"/>
-              </a:rPr>
-              <a:t>→</a:t>
-            </a:r>
-            <a:r>
-              <a:rPr lang="en-US" sz="2900" i="1" dirty="0">
-                <a:sym typeface="Wingdings" pitchFamily="2" charset="2"/>
-              </a:rPr>
-              <a:t> P</a:t>
-            </a:r>
-            <a:r>
-              <a:rPr lang="en-US" sz="2900" dirty="0">
-                <a:sym typeface="Wingdings" pitchFamily="2" charset="2"/>
-              </a:rPr>
-              <a:t>(</a:t>
-            </a:r>
-            <a:r>
-              <a:rPr lang="en-US" sz="2900" i="1" dirty="0">
-                <a:sym typeface="Wingdings" pitchFamily="2" charset="2"/>
-              </a:rPr>
-              <a:t>k + </a:t>
-            </a:r>
-            <a:r>
-              <a:rPr lang="en-US" sz="2900" dirty="0">
-                <a:latin typeface="Cambria Math" pitchFamily="18" charset="0"/>
-                <a:ea typeface="Cambria Math" pitchFamily="18" charset="0"/>
-                <a:sym typeface="Wingdings" pitchFamily="2" charset="2"/>
-              </a:rPr>
-              <a:t>1</a:t>
-            </a:r>
-            <a:r>
-              <a:rPr lang="en-US" sz="2900" dirty="0">
-                <a:sym typeface="Wingdings" pitchFamily="2" charset="2"/>
-              </a:rPr>
-              <a:t>)</a:t>
-            </a:r>
-            <a:r>
-              <a:rPr lang="en-US" sz="2900" dirty="0">
-                <a:ea typeface="Cambria Math"/>
-                <a:sym typeface="Wingdings" pitchFamily="2" charset="2"/>
-              </a:rPr>
-              <a:t>  for every positive integer </a:t>
-            </a:r>
-            <a:r>
-              <a:rPr lang="en-US" sz="2900" i="1" dirty="0">
-                <a:ea typeface="Cambria Math"/>
-                <a:sym typeface="Wingdings" pitchFamily="2" charset="2"/>
-              </a:rPr>
-              <a:t>k</a:t>
-            </a:r>
-            <a:r>
-              <a:rPr lang="en-US" sz="2900" dirty="0">
-                <a:ea typeface="Cambria Math"/>
-                <a:sym typeface="Wingdings" pitchFamily="2" charset="2"/>
-              </a:rPr>
-              <a:t> holds, </a:t>
-            </a:r>
-            <a:r>
-              <a:rPr lang="en-US" sz="2900" i="1" dirty="0"/>
-              <a:t>P</a:t>
-            </a:r>
-            <a:r>
-              <a:rPr lang="en-US" sz="2900" dirty="0"/>
-              <a:t>(</a:t>
-            </a:r>
-            <a:r>
-              <a:rPr lang="en-US" sz="2900" i="1" dirty="0"/>
-              <a:t>m</a:t>
-            </a:r>
-            <a:r>
-              <a:rPr lang="en-US" sz="2900" dirty="0"/>
-              <a:t>) must also be true. This contradicts </a:t>
-            </a:r>
-            <a:r>
-              <a:rPr lang="en-US" sz="2900" i="1" dirty="0"/>
-              <a:t>P</a:t>
-            </a:r>
-            <a:r>
-              <a:rPr lang="en-US" sz="2900" dirty="0"/>
-              <a:t>(</a:t>
-            </a:r>
-            <a:r>
-              <a:rPr lang="en-US" sz="2900" i="1" dirty="0"/>
-              <a:t>m</a:t>
-            </a:r>
-            <a:r>
-              <a:rPr lang="en-US" sz="2900" dirty="0"/>
-              <a:t>) being false. </a:t>
-            </a:r>
-          </a:p>
-          <a:p>
-            <a:pPr lvl="1"/>
-            <a:r>
-              <a:rPr lang="en-US" sz="2900" dirty="0"/>
-              <a:t> Hence, </a:t>
-            </a:r>
-            <a:r>
-              <a:rPr lang="en-US" sz="2900" i="1" dirty="0"/>
-              <a:t>P</a:t>
-            </a:r>
-            <a:r>
-              <a:rPr lang="en-US" sz="2900" dirty="0"/>
-              <a:t>(</a:t>
-            </a:r>
-            <a:r>
-              <a:rPr lang="en-US" sz="2900" i="1" dirty="0"/>
-              <a:t>n</a:t>
-            </a:r>
-            <a:r>
-              <a:rPr lang="en-US" sz="2900" dirty="0"/>
-              <a:t>) must be true for every positive integer </a:t>
-            </a:r>
-            <a:r>
-              <a:rPr lang="en-US" sz="2900" i="1" dirty="0"/>
-              <a:t>n</a:t>
-            </a:r>
-            <a:r>
-              <a:rPr lang="en-US" sz="2900" dirty="0"/>
-              <a:t>.</a:t>
-            </a:r>
-          </a:p>
-        </p:txBody>
-      </p:sp>
-    </p:spTree>
-  </p:cSld>
-  <p:clrMapOvr>
-    <a:masterClrMapping/>
-  </p:clrMapOvr>
-</p:sld>
-</file>
-
-<file path=ppt/slides/slide60.xml><?xml version="1.0" encoding="utf-8"?>
+<file path=ppt/slides/slide62.xml><?xml version="1.0" encoding="utf-8"?>
 <p:sld xmlns:a="http://schemas.openxmlformats.org/drawingml/2006/main" xmlns:r="http://schemas.openxmlformats.org/officeDocument/2006/relationships" xmlns:p="http://schemas.openxmlformats.org/presentationml/2006/main">
   <p:cSld>
     <p:spTree>
@@ -35282,1137 +35756,6 @@
             <a:r>
               <a:rPr lang="en-US" dirty="0"/>
               <a:t>The succession of merged lists is represented by a binary tree.</a:t>
-            </a:r>
-          </a:p>
-        </p:txBody>
-      </p:sp>
-    </p:spTree>
-  </p:cSld>
-  <p:clrMapOvr>
-    <a:masterClrMapping/>
-  </p:clrMapOvr>
-</p:sld>
-</file>
-
-<file path=ppt/slides/slide61.xml><?xml version="1.0" encoding="utf-8"?>
-<p:sld xmlns:a="http://schemas.openxmlformats.org/drawingml/2006/main" xmlns:r="http://schemas.openxmlformats.org/officeDocument/2006/relationships" xmlns:p="http://schemas.openxmlformats.org/presentationml/2006/main">
-  <p:cSld>
-    <p:spTree>
-      <p:nvGrpSpPr>
-        <p:cNvPr id="1" name=""/>
-        <p:cNvGrpSpPr/>
-        <p:nvPr/>
-      </p:nvGrpSpPr>
-      <p:grpSpPr>
-        <a:xfrm>
-          <a:off x="0" y="0"/>
-          <a:ext cx="0" cy="0"/>
-          <a:chOff x="0" y="0"/>
-          <a:chExt cx="0" cy="0"/>
-        </a:xfrm>
-      </p:grpSpPr>
-      <p:sp>
-        <p:nvSpPr>
-          <p:cNvPr id="2" name="Title 1"/>
-          <p:cNvSpPr>
-            <a:spLocks noGrp="1"/>
-          </p:cNvSpPr>
-          <p:nvPr>
-            <p:ph type="title"/>
-          </p:nvPr>
-        </p:nvSpPr>
-        <p:spPr/>
-        <p:txBody>
-          <a:bodyPr/>
-          <a:lstStyle/>
-          <a:p>
-            <a:r>
-              <a:rPr lang="en-US" dirty="0"/>
-              <a:t>Merge Sort</a:t>
-            </a:r>
-          </a:p>
-        </p:txBody>
-      </p:sp>
-      <p:sp>
-        <p:nvSpPr>
-          <p:cNvPr id="3" name="Content Placeholder 2"/>
-          <p:cNvSpPr>
-            <a:spLocks noGrp="1"/>
-          </p:cNvSpPr>
-          <p:nvPr>
-            <p:ph idx="1"/>
-          </p:nvPr>
-        </p:nvSpPr>
-        <p:spPr/>
-        <p:txBody>
-          <a:bodyPr/>
-          <a:lstStyle/>
-          <a:p>
-            <a:pPr>
-              <a:buNone/>
-            </a:pPr>
-            <a:r>
-              <a:rPr lang="en-US" b="1" dirty="0"/>
-              <a:t>   Example</a:t>
-            </a:r>
-            <a:r>
-              <a:rPr lang="en-US" dirty="0"/>
-              <a:t>: Use merge sort to put the list</a:t>
-            </a:r>
-          </a:p>
-          <a:p>
-            <a:pPr>
-              <a:buNone/>
-            </a:pPr>
-            <a:r>
-              <a:rPr lang="en-US" dirty="0"/>
-              <a:t>           </a:t>
-            </a:r>
-            <a:r>
-              <a:rPr lang="en-US" dirty="0">
-                <a:latin typeface="Cambria Math" pitchFamily="18" charset="0"/>
-                <a:ea typeface="Cambria Math" pitchFamily="18" charset="0"/>
-              </a:rPr>
-              <a:t>8,2,4,6,9,7,10, 1, 5, 3</a:t>
-            </a:r>
-          </a:p>
-          <a:p>
-            <a:pPr>
-              <a:buNone/>
-            </a:pPr>
-            <a:r>
-              <a:rPr lang="en-US" dirty="0"/>
-              <a:t>       into increasing order.</a:t>
-            </a:r>
-          </a:p>
-          <a:p>
-            <a:pPr>
-              <a:buNone/>
-            </a:pPr>
-            <a:r>
-              <a:rPr lang="en-US" b="1" dirty="0"/>
-              <a:t>    Solution</a:t>
-            </a:r>
-            <a:r>
-              <a:rPr lang="en-US" dirty="0"/>
-              <a:t>:</a:t>
-            </a:r>
-          </a:p>
-        </p:txBody>
-      </p:sp>
-      <p:pic>
-        <p:nvPicPr>
-          <p:cNvPr id="4" name="Picture 3" descr="0421.jpg"/>
-          <p:cNvPicPr>
-            <a:picLocks noChangeAspect="1"/>
-          </p:cNvPicPr>
-          <p:nvPr/>
-        </p:nvPicPr>
-        <p:blipFill>
-          <a:blip r:embed="rId2" cstate="print"/>
-          <a:stretch>
-            <a:fillRect/>
-          </a:stretch>
-        </p:blipFill>
-        <p:spPr>
-          <a:xfrm>
-            <a:off x="4724400" y="2743200"/>
-            <a:ext cx="3305556" cy="3546348"/>
-          </a:xfrm>
-          <a:prstGeom prst="rect">
-            <a:avLst/>
-          </a:prstGeom>
-        </p:spPr>
-      </p:pic>
-    </p:spTree>
-  </p:cSld>
-  <p:clrMapOvr>
-    <a:masterClrMapping/>
-  </p:clrMapOvr>
-</p:sld>
-</file>
-
-<file path=ppt/slides/slide62.xml><?xml version="1.0" encoding="utf-8"?>
-<p:sld xmlns:a="http://schemas.openxmlformats.org/drawingml/2006/main" xmlns:r="http://schemas.openxmlformats.org/officeDocument/2006/relationships" xmlns:p="http://schemas.openxmlformats.org/presentationml/2006/main">
-  <p:cSld>
-    <p:spTree>
-      <p:nvGrpSpPr>
-        <p:cNvPr id="1" name=""/>
-        <p:cNvGrpSpPr/>
-        <p:nvPr/>
-      </p:nvGrpSpPr>
-      <p:grpSpPr>
-        <a:xfrm>
-          <a:off x="0" y="0"/>
-          <a:ext cx="0" cy="0"/>
-          <a:chOff x="0" y="0"/>
-          <a:chExt cx="0" cy="0"/>
-        </a:xfrm>
-      </p:grpSpPr>
-      <p:sp>
-        <p:nvSpPr>
-          <p:cNvPr id="2" name="Title 1"/>
-          <p:cNvSpPr>
-            <a:spLocks noGrp="1"/>
-          </p:cNvSpPr>
-          <p:nvPr>
-            <p:ph type="title"/>
-          </p:nvPr>
-        </p:nvSpPr>
-        <p:spPr/>
-        <p:txBody>
-          <a:bodyPr>
-            <a:noAutofit/>
-          </a:bodyPr>
-          <a:lstStyle/>
-          <a:p>
-            <a:r>
-              <a:rPr lang="en-US" sz="4000" dirty="0"/>
-              <a:t>Recursive Merge Sort</a:t>
-            </a:r>
-          </a:p>
-        </p:txBody>
-      </p:sp>
-      <p:sp>
-        <p:nvSpPr>
-          <p:cNvPr id="3" name="Content Placeholder 2"/>
-          <p:cNvSpPr>
-            <a:spLocks noGrp="1"/>
-          </p:cNvSpPr>
-          <p:nvPr>
-            <p:ph idx="1"/>
-          </p:nvPr>
-        </p:nvSpPr>
-        <p:spPr/>
-        <p:txBody>
-          <a:bodyPr/>
-          <a:lstStyle/>
-          <a:p>
-            <a:pPr>
-              <a:buNone/>
-            </a:pPr>
-            <a:r>
-              <a:rPr lang="en-US" b="1" dirty="0"/>
-              <a:t>   Example</a:t>
-            </a:r>
-            <a:r>
-              <a:rPr lang="en-US" dirty="0"/>
-              <a:t>: Construct a recursive merge sort algorithm. </a:t>
-            </a:r>
-          </a:p>
-          <a:p>
-            <a:pPr>
-              <a:buNone/>
-            </a:pPr>
-            <a:r>
-              <a:rPr lang="en-US" sz="2800" b="1" dirty="0"/>
-              <a:t>   Solution</a:t>
-            </a:r>
-            <a:r>
-              <a:rPr lang="en-US" sz="2800" dirty="0"/>
-              <a:t>: Begin with the list of </a:t>
-            </a:r>
-            <a:r>
-              <a:rPr lang="en-US" sz="2800" i="1" dirty="0"/>
-              <a:t>n</a:t>
-            </a:r>
-            <a:r>
-              <a:rPr lang="en-US" sz="2800" dirty="0"/>
-              <a:t> elements </a:t>
-            </a:r>
-            <a:r>
-              <a:rPr lang="en-US" sz="2800" i="1" dirty="0"/>
-              <a:t>L</a:t>
-            </a:r>
-            <a:r>
-              <a:rPr lang="en-US" sz="2800" dirty="0"/>
-              <a:t>.</a:t>
-            </a:r>
-            <a:endParaRPr lang="en-US" sz="2000" dirty="0"/>
-          </a:p>
-          <a:p>
-            <a:endParaRPr lang="en-US" dirty="0"/>
-          </a:p>
-          <a:p>
-            <a:endParaRPr lang="en-US" dirty="0"/>
-          </a:p>
-          <a:p>
-            <a:endParaRPr lang="en-US" dirty="0"/>
-          </a:p>
-        </p:txBody>
-      </p:sp>
-      <p:sp>
-        <p:nvSpPr>
-          <p:cNvPr id="5" name="Content Placeholder 2"/>
-          <p:cNvSpPr txBox="1">
-            <a:spLocks/>
-          </p:cNvSpPr>
-          <p:nvPr/>
-        </p:nvSpPr>
-        <p:spPr>
-          <a:xfrm>
-            <a:off x="1066800" y="3124200"/>
-            <a:ext cx="6781800" cy="2514600"/>
-          </a:xfrm>
-          <a:prstGeom prst="rect">
-            <a:avLst/>
-          </a:prstGeom>
-          <a:ln>
-            <a:solidFill>
-              <a:schemeClr val="accent1"/>
-            </a:solidFill>
-          </a:ln>
-        </p:spPr>
-        <p:txBody>
-          <a:bodyPr vert="horz">
-            <a:normAutofit fontScale="25000" lnSpcReduction="20000"/>
-          </a:bodyPr>
-          <a:lstStyle/>
-          <a:p>
-            <a:pPr marL="274320" lvl="0" indent="-274320">
-              <a:spcBef>
-                <a:spcPct val="20000"/>
-              </a:spcBef>
-              <a:buClr>
-                <a:schemeClr val="accent3"/>
-              </a:buClr>
-              <a:buSzPct val="95000"/>
-              <a:defRPr/>
-            </a:pPr>
-            <a:r>
-              <a:rPr lang="en-US" sz="7200" b="1" dirty="0"/>
-              <a:t>procedure</a:t>
-            </a:r>
-            <a:r>
-              <a:rPr kumimoji="0" lang="en-US" sz="7200" b="1" i="0" u="none" strike="noStrike" kern="1200" cap="none" spc="0" normalizeH="0" baseline="0" noProof="0" dirty="0">
-                <a:ln>
-                  <a:noFill/>
-                </a:ln>
-                <a:solidFill>
-                  <a:schemeClr val="tx1"/>
-                </a:solidFill>
-                <a:effectLst/>
-                <a:uLnTx/>
-                <a:uFillTx/>
-                <a:latin typeface="+mn-lt"/>
-                <a:ea typeface="+mn-ea"/>
-                <a:cs typeface="+mn-cs"/>
-              </a:rPr>
-              <a:t> </a:t>
-            </a:r>
-            <a:r>
-              <a:rPr lang="en-US" sz="7200" i="1" noProof="0" dirty="0"/>
-              <a:t> </a:t>
-            </a:r>
-            <a:r>
-              <a:rPr lang="en-US" sz="7200" i="1" noProof="0" dirty="0" err="1"/>
-              <a:t>mergesort</a:t>
-            </a:r>
-            <a:r>
-              <a:rPr kumimoji="0" lang="en-US" sz="7200" i="0" u="none" strike="noStrike" kern="1200" cap="none" spc="0" normalizeH="0" baseline="0" noProof="0" dirty="0">
-                <a:ln>
-                  <a:noFill/>
-                </a:ln>
-                <a:solidFill>
-                  <a:schemeClr val="tx1"/>
-                </a:solidFill>
-                <a:effectLst/>
-                <a:uLnTx/>
-                <a:uFillTx/>
-                <a:latin typeface="+mn-lt"/>
-                <a:ea typeface="+mn-ea"/>
-                <a:cs typeface="+mn-cs"/>
-              </a:rPr>
-              <a:t>(</a:t>
-            </a:r>
-            <a:r>
-              <a:rPr lang="en-US" sz="7200" i="1" noProof="0" dirty="0"/>
-              <a:t>L = </a:t>
-            </a:r>
-            <a:r>
-              <a:rPr lang="en-US" sz="7200" i="1" dirty="0"/>
-              <a:t>a</a:t>
-            </a:r>
-            <a:r>
-              <a:rPr lang="en-US" sz="7200" baseline="-25000" dirty="0">
-                <a:latin typeface="Cambria Math" pitchFamily="18" charset="0"/>
-                <a:ea typeface="Cambria Math" pitchFamily="18" charset="0"/>
-              </a:rPr>
-              <a:t>1</a:t>
-            </a:r>
-            <a:r>
-              <a:rPr lang="en-US" sz="7200" dirty="0">
-                <a:latin typeface="Cambria Math" pitchFamily="18" charset="0"/>
-                <a:ea typeface="Cambria Math" pitchFamily="18" charset="0"/>
-              </a:rPr>
-              <a:t>, </a:t>
-            </a:r>
-            <a:r>
-              <a:rPr lang="en-US" sz="7200" i="1" dirty="0"/>
-              <a:t>a</a:t>
-            </a:r>
-            <a:r>
-              <a:rPr lang="en-US" sz="7200" baseline="-25000" dirty="0">
-                <a:latin typeface="Cambria Math" pitchFamily="18" charset="0"/>
-                <a:ea typeface="Cambria Math" pitchFamily="18" charset="0"/>
-              </a:rPr>
-              <a:t>2</a:t>
-            </a:r>
-            <a:r>
-              <a:rPr lang="en-US" sz="7200" dirty="0">
-                <a:latin typeface="Cambria Math" pitchFamily="18" charset="0"/>
-                <a:ea typeface="Cambria Math" pitchFamily="18" charset="0"/>
-              </a:rPr>
-              <a:t>,…,</a:t>
-            </a:r>
-            <a:r>
-              <a:rPr lang="en-US" sz="7200" i="1" dirty="0">
-                <a:ea typeface="Cambria Math" pitchFamily="18" charset="0"/>
-              </a:rPr>
-              <a:t>a</a:t>
-            </a:r>
-            <a:r>
-              <a:rPr lang="en-US" sz="7200" i="1" baseline="-25000" dirty="0">
-                <a:ea typeface="Cambria Math" pitchFamily="18" charset="0"/>
-              </a:rPr>
-              <a:t>n</a:t>
-            </a:r>
-            <a:r>
-              <a:rPr lang="en-US" sz="7200" i="1" dirty="0">
-                <a:ea typeface="Cambria Math" pitchFamily="18" charset="0"/>
-              </a:rPr>
-              <a:t> </a:t>
-            </a:r>
-            <a:r>
-              <a:rPr lang="en-US" sz="7200" dirty="0">
-                <a:latin typeface="Cambria Math"/>
-                <a:ea typeface="Cambria Math"/>
-              </a:rPr>
-              <a:t>)</a:t>
-            </a:r>
-          </a:p>
-          <a:p>
-            <a:pPr marL="274320" lvl="0" indent="-274320">
-              <a:spcBef>
-                <a:spcPct val="20000"/>
-              </a:spcBef>
-              <a:buClr>
-                <a:schemeClr val="accent3"/>
-              </a:buClr>
-              <a:buSzPct val="95000"/>
-              <a:defRPr/>
-            </a:pPr>
-            <a:r>
-              <a:rPr lang="en-US" sz="7200" b="1" dirty="0"/>
-              <a:t>if  </a:t>
-            </a:r>
-            <a:r>
-              <a:rPr lang="en-US" sz="7200" i="1" dirty="0"/>
-              <a:t>n</a:t>
-            </a:r>
-            <a:r>
-              <a:rPr lang="en-US" sz="7200" b="1" dirty="0"/>
-              <a:t> </a:t>
-            </a:r>
-            <a:r>
-              <a:rPr lang="en-US" sz="7200" dirty="0"/>
-              <a:t> &gt; </a:t>
-            </a:r>
-            <a:r>
-              <a:rPr lang="en-US" sz="7200" dirty="0">
-                <a:latin typeface="Cambria Math" pitchFamily="18" charset="0"/>
-                <a:ea typeface="Cambria Math" pitchFamily="18" charset="0"/>
-              </a:rPr>
-              <a:t>1</a:t>
-            </a:r>
-            <a:r>
-              <a:rPr lang="en-US" sz="7200" dirty="0"/>
-              <a:t> </a:t>
-            </a:r>
-            <a:r>
-              <a:rPr kumimoji="0" lang="en-US" sz="7200" b="1" i="0" u="none" strike="noStrike" kern="1200" cap="none" spc="0" normalizeH="0" baseline="0" noProof="0" dirty="0">
-                <a:ln>
-                  <a:noFill/>
-                </a:ln>
-                <a:solidFill>
-                  <a:schemeClr val="tx1"/>
-                </a:solidFill>
-                <a:effectLst/>
-                <a:uLnTx/>
-                <a:uFillTx/>
-                <a:latin typeface="Cambria Math" pitchFamily="18" charset="0"/>
-                <a:ea typeface="Cambria Math" pitchFamily="18" charset="0"/>
-              </a:rPr>
-              <a:t>then</a:t>
-            </a:r>
-            <a:r>
-              <a:rPr kumimoji="0" lang="en-US" sz="7200" b="1" i="0" u="none" strike="noStrike" kern="1200" cap="none" spc="0" normalizeH="0" noProof="0" dirty="0">
-                <a:ln>
-                  <a:noFill/>
-                </a:ln>
-                <a:solidFill>
-                  <a:schemeClr val="tx1"/>
-                </a:solidFill>
-                <a:effectLst/>
-                <a:uLnTx/>
-                <a:uFillTx/>
-                <a:latin typeface="Cambria Math" pitchFamily="18" charset="0"/>
-                <a:ea typeface="Cambria Math" pitchFamily="18" charset="0"/>
-              </a:rPr>
-              <a:t> </a:t>
-            </a:r>
-          </a:p>
-          <a:p>
-            <a:pPr marL="274320" indent="-274320">
-              <a:spcBef>
-                <a:spcPct val="20000"/>
-              </a:spcBef>
-              <a:buClr>
-                <a:schemeClr val="accent3"/>
-              </a:buClr>
-              <a:buSzPct val="95000"/>
-              <a:defRPr/>
-            </a:pPr>
-            <a:r>
-              <a:rPr lang="en-US" sz="7200" i="1" dirty="0">
-                <a:ea typeface="Cambria Math"/>
-              </a:rPr>
-              <a:t>         m</a:t>
-            </a:r>
-            <a:r>
-              <a:rPr lang="en-US" sz="7200" dirty="0">
-                <a:latin typeface="Cambria Math"/>
-                <a:ea typeface="Cambria Math"/>
-              </a:rPr>
-              <a:t> := ⌊</a:t>
-            </a:r>
-            <a:r>
-              <a:rPr lang="en-US" sz="7200" i="1" dirty="0">
-                <a:latin typeface="Cambria Math"/>
-                <a:ea typeface="Cambria Math"/>
-              </a:rPr>
-              <a:t>n</a:t>
-            </a:r>
-            <a:r>
-              <a:rPr lang="en-US" sz="7200" dirty="0">
-                <a:latin typeface="Cambria Math"/>
-                <a:ea typeface="Cambria Math"/>
-              </a:rPr>
-              <a:t>/2⌋</a:t>
-            </a:r>
-            <a:endParaRPr lang="en-US" sz="7200" dirty="0"/>
-          </a:p>
-          <a:p>
-            <a:pPr marL="274320" lvl="0" indent="-274320">
-              <a:spcBef>
-                <a:spcPct val="20000"/>
-              </a:spcBef>
-              <a:buClr>
-                <a:schemeClr val="accent3"/>
-              </a:buClr>
-              <a:buSzPct val="95000"/>
-              <a:defRPr/>
-            </a:pPr>
-            <a:r>
-              <a:rPr kumimoji="0" lang="en-US" sz="7200" i="1" u="none" strike="noStrike" kern="1200" cap="none" spc="0" normalizeH="0" noProof="0" dirty="0">
-                <a:ln>
-                  <a:noFill/>
-                </a:ln>
-                <a:solidFill>
-                  <a:schemeClr val="tx1"/>
-                </a:solidFill>
-                <a:effectLst/>
-                <a:uLnTx/>
-                <a:uFillTx/>
-                <a:ea typeface="Cambria Math" pitchFamily="18" charset="0"/>
-              </a:rPr>
-              <a:t>         L</a:t>
-            </a:r>
-            <a:r>
-              <a:rPr kumimoji="0" lang="en-US" sz="7200" u="none" strike="noStrike" kern="1200" cap="none" spc="0" normalizeH="0" baseline="-25000" noProof="0" dirty="0">
-                <a:ln>
-                  <a:noFill/>
-                </a:ln>
-                <a:solidFill>
-                  <a:schemeClr val="tx1"/>
-                </a:solidFill>
-                <a:effectLst/>
-                <a:uLnTx/>
-                <a:uFillTx/>
-                <a:latin typeface="Cambria Math" pitchFamily="18" charset="0"/>
-                <a:ea typeface="Cambria Math" pitchFamily="18" charset="0"/>
-              </a:rPr>
-              <a:t>1</a:t>
-            </a:r>
-            <a:r>
-              <a:rPr kumimoji="0" lang="en-US" sz="7200" i="1" u="none" strike="noStrike" kern="1200" cap="none" spc="0" normalizeH="0" noProof="0" dirty="0">
-                <a:ln>
-                  <a:noFill/>
-                </a:ln>
-                <a:solidFill>
-                  <a:schemeClr val="tx1"/>
-                </a:solidFill>
-                <a:effectLst/>
-                <a:uLnTx/>
-                <a:uFillTx/>
-                <a:ea typeface="Cambria Math" pitchFamily="18" charset="0"/>
-              </a:rPr>
-              <a:t> </a:t>
-            </a:r>
-            <a:r>
-              <a:rPr kumimoji="0" lang="en-US" sz="7200" u="none" strike="noStrike" kern="1200" cap="none" spc="0" normalizeH="0" noProof="0" dirty="0">
-                <a:ln>
-                  <a:noFill/>
-                </a:ln>
-                <a:solidFill>
-                  <a:schemeClr val="tx1"/>
-                </a:solidFill>
-                <a:effectLst/>
-                <a:uLnTx/>
-                <a:uFillTx/>
-                <a:ea typeface="Cambria Math" pitchFamily="18" charset="0"/>
-              </a:rPr>
-              <a:t>:</a:t>
-            </a:r>
-            <a:r>
-              <a:rPr kumimoji="0" lang="en-US" sz="7200" i="1" u="none" strike="noStrike" kern="1200" cap="none" spc="0" normalizeH="0" noProof="0" dirty="0">
-                <a:ln>
-                  <a:noFill/>
-                </a:ln>
-                <a:solidFill>
-                  <a:schemeClr val="tx1"/>
-                </a:solidFill>
-                <a:effectLst/>
-                <a:uLnTx/>
-                <a:uFillTx/>
-                <a:ea typeface="Cambria Math" pitchFamily="18" charset="0"/>
-              </a:rPr>
-              <a:t>= </a:t>
-            </a:r>
-            <a:r>
-              <a:rPr lang="en-US" sz="7200" i="1" dirty="0"/>
-              <a:t>a</a:t>
-            </a:r>
-            <a:r>
-              <a:rPr lang="en-US" sz="7200" baseline="-25000" dirty="0">
-                <a:latin typeface="Cambria Math" pitchFamily="18" charset="0"/>
-                <a:ea typeface="Cambria Math" pitchFamily="18" charset="0"/>
-              </a:rPr>
-              <a:t>1</a:t>
-            </a:r>
-            <a:r>
-              <a:rPr lang="en-US" sz="7200" dirty="0">
-                <a:latin typeface="Cambria Math" pitchFamily="18" charset="0"/>
-                <a:ea typeface="Cambria Math" pitchFamily="18" charset="0"/>
-              </a:rPr>
-              <a:t>, </a:t>
-            </a:r>
-            <a:r>
-              <a:rPr lang="en-US" sz="7200" i="1" dirty="0"/>
-              <a:t>a</a:t>
-            </a:r>
-            <a:r>
-              <a:rPr lang="en-US" sz="7200" baseline="-25000" dirty="0">
-                <a:latin typeface="Cambria Math" pitchFamily="18" charset="0"/>
-                <a:ea typeface="Cambria Math" pitchFamily="18" charset="0"/>
-              </a:rPr>
-              <a:t>2</a:t>
-            </a:r>
-            <a:r>
-              <a:rPr lang="en-US" sz="7200" dirty="0">
-                <a:latin typeface="Cambria Math" pitchFamily="18" charset="0"/>
-                <a:ea typeface="Cambria Math" pitchFamily="18" charset="0"/>
-              </a:rPr>
-              <a:t>,…,</a:t>
-            </a:r>
-            <a:r>
-              <a:rPr lang="en-US" sz="7200" i="1" dirty="0">
-                <a:ea typeface="Cambria Math" pitchFamily="18" charset="0"/>
-              </a:rPr>
-              <a:t>a</a:t>
-            </a:r>
-            <a:r>
-              <a:rPr lang="en-US" sz="7200" i="1" baseline="-25000" dirty="0">
-                <a:ea typeface="Cambria Math" pitchFamily="18" charset="0"/>
-              </a:rPr>
-              <a:t>m</a:t>
-            </a:r>
-            <a:r>
-              <a:rPr lang="en-US" sz="7200" i="1" dirty="0">
-                <a:ea typeface="Cambria Math" pitchFamily="18" charset="0"/>
-              </a:rPr>
-              <a:t> </a:t>
-            </a:r>
-          </a:p>
-          <a:p>
-            <a:pPr marL="274320" lvl="0" indent="-274320">
-              <a:spcBef>
-                <a:spcPct val="20000"/>
-              </a:spcBef>
-              <a:buClr>
-                <a:schemeClr val="accent3"/>
-              </a:buClr>
-              <a:buSzPct val="95000"/>
-              <a:defRPr/>
-            </a:pPr>
-            <a:r>
-              <a:rPr lang="en-US" sz="7200" i="1" dirty="0">
-                <a:ea typeface="Cambria Math" pitchFamily="18" charset="0"/>
-              </a:rPr>
-              <a:t>         L</a:t>
-            </a:r>
-            <a:r>
-              <a:rPr lang="en-US" sz="7200" baseline="-25000" dirty="0">
-                <a:latin typeface="Cambria Math" pitchFamily="18" charset="0"/>
-                <a:ea typeface="Cambria Math" pitchFamily="18" charset="0"/>
-              </a:rPr>
-              <a:t>2</a:t>
-            </a:r>
-            <a:r>
-              <a:rPr lang="en-US" sz="7200" i="1" dirty="0">
-                <a:ea typeface="Cambria Math" pitchFamily="18" charset="0"/>
-              </a:rPr>
-              <a:t> </a:t>
-            </a:r>
-            <a:r>
-              <a:rPr lang="en-US" sz="7200" dirty="0">
-                <a:ea typeface="Cambria Math" pitchFamily="18" charset="0"/>
-              </a:rPr>
-              <a:t>:</a:t>
-            </a:r>
-            <a:r>
-              <a:rPr lang="en-US" sz="7200" i="1" dirty="0">
-                <a:ea typeface="Cambria Math" pitchFamily="18" charset="0"/>
-              </a:rPr>
-              <a:t>= </a:t>
-            </a:r>
-            <a:r>
-              <a:rPr lang="en-US" sz="7200" i="1" dirty="0"/>
-              <a:t>a</a:t>
-            </a:r>
-            <a:r>
-              <a:rPr lang="en-US" sz="7200" i="1" baseline="-25000" dirty="0">
-                <a:ea typeface="Cambria Math" pitchFamily="18" charset="0"/>
-              </a:rPr>
-              <a:t>m</a:t>
-            </a:r>
-            <a:r>
-              <a:rPr lang="en-US" sz="7200" baseline="-25000" dirty="0">
-                <a:latin typeface="Cambria Math" pitchFamily="18" charset="0"/>
-                <a:ea typeface="Cambria Math" pitchFamily="18" charset="0"/>
-              </a:rPr>
-              <a:t>+1</a:t>
-            </a:r>
-            <a:r>
-              <a:rPr lang="en-US" sz="7200" dirty="0">
-                <a:latin typeface="Cambria Math" pitchFamily="18" charset="0"/>
-                <a:ea typeface="Cambria Math" pitchFamily="18" charset="0"/>
-              </a:rPr>
-              <a:t>, </a:t>
-            </a:r>
-            <a:r>
-              <a:rPr lang="en-US" sz="7200" i="1" dirty="0"/>
-              <a:t>a</a:t>
-            </a:r>
-            <a:r>
-              <a:rPr lang="en-US" sz="7200" i="1" baseline="-25000" dirty="0">
-                <a:ea typeface="Cambria Math" pitchFamily="18" charset="0"/>
-              </a:rPr>
-              <a:t>m</a:t>
-            </a:r>
-            <a:r>
-              <a:rPr lang="en-US" sz="7200" baseline="-25000" dirty="0">
-                <a:latin typeface="Cambria Math" pitchFamily="18" charset="0"/>
-                <a:ea typeface="Cambria Math" pitchFamily="18" charset="0"/>
-              </a:rPr>
-              <a:t>+2</a:t>
-            </a:r>
-            <a:r>
-              <a:rPr lang="en-US" sz="7200" dirty="0">
-                <a:latin typeface="Cambria Math" pitchFamily="18" charset="0"/>
-                <a:ea typeface="Cambria Math" pitchFamily="18" charset="0"/>
-              </a:rPr>
-              <a:t>,…,</a:t>
-            </a:r>
-            <a:r>
-              <a:rPr lang="en-US" sz="7200" i="1" dirty="0">
-                <a:ea typeface="Cambria Math" pitchFamily="18" charset="0"/>
-              </a:rPr>
-              <a:t>a</a:t>
-            </a:r>
-            <a:r>
-              <a:rPr lang="en-US" sz="7200" i="1" baseline="-25000" dirty="0">
-                <a:ea typeface="Cambria Math" pitchFamily="18" charset="0"/>
-              </a:rPr>
-              <a:t>n</a:t>
-            </a:r>
-          </a:p>
-          <a:p>
-            <a:pPr marL="274320" lvl="0" indent="-274320">
-              <a:spcBef>
-                <a:spcPct val="20000"/>
-              </a:spcBef>
-              <a:buClr>
-                <a:schemeClr val="accent3"/>
-              </a:buClr>
-              <a:buSzPct val="95000"/>
-              <a:defRPr/>
-            </a:pPr>
-            <a:r>
-              <a:rPr lang="en-US" sz="7200" i="1" dirty="0">
-                <a:ea typeface="Cambria Math" pitchFamily="18" charset="0"/>
-              </a:rPr>
-              <a:t>         L</a:t>
-            </a:r>
-            <a:r>
-              <a:rPr lang="en-US" sz="7200" baseline="-25000" dirty="0">
-                <a:latin typeface="Cambria Math" pitchFamily="18" charset="0"/>
-                <a:ea typeface="Cambria Math" pitchFamily="18" charset="0"/>
-              </a:rPr>
-              <a:t> </a:t>
-            </a:r>
-            <a:r>
-              <a:rPr lang="en-US" sz="7200" dirty="0">
-                <a:latin typeface="Cambria Math" pitchFamily="18" charset="0"/>
-                <a:ea typeface="Cambria Math" pitchFamily="18" charset="0"/>
-              </a:rPr>
-              <a:t> </a:t>
-            </a:r>
-            <a:r>
-              <a:rPr lang="en-US" sz="7200" i="1" dirty="0">
-                <a:ea typeface="Cambria Math" pitchFamily="18" charset="0"/>
-              </a:rPr>
-              <a:t> </a:t>
-            </a:r>
-            <a:r>
-              <a:rPr lang="en-US" sz="7200" dirty="0">
-                <a:ea typeface="Cambria Math" pitchFamily="18" charset="0"/>
-              </a:rPr>
-              <a:t>:</a:t>
-            </a:r>
-            <a:r>
-              <a:rPr lang="en-US" sz="7200" i="1" dirty="0">
-                <a:ea typeface="Cambria Math" pitchFamily="18" charset="0"/>
-              </a:rPr>
-              <a:t>= merge</a:t>
-            </a:r>
-            <a:r>
-              <a:rPr lang="en-US" sz="7200" dirty="0">
-                <a:ea typeface="Cambria Math" pitchFamily="18" charset="0"/>
-              </a:rPr>
-              <a:t>(</a:t>
-            </a:r>
-            <a:r>
-              <a:rPr lang="en-US" sz="7200" i="1" dirty="0" err="1">
-                <a:ea typeface="Cambria Math" pitchFamily="18" charset="0"/>
-              </a:rPr>
-              <a:t>mergesort</a:t>
-            </a:r>
-            <a:r>
-              <a:rPr lang="en-US" sz="7200" dirty="0">
-                <a:ea typeface="Cambria Math" pitchFamily="18" charset="0"/>
-              </a:rPr>
-              <a:t>(</a:t>
-            </a:r>
-            <a:r>
-              <a:rPr lang="en-US" sz="7200" i="1" dirty="0">
-                <a:ea typeface="Cambria Math" pitchFamily="18" charset="0"/>
-              </a:rPr>
-              <a:t>L</a:t>
-            </a:r>
-            <a:r>
-              <a:rPr lang="en-US" sz="7200" baseline="-25000" dirty="0">
-                <a:latin typeface="Cambria Math" pitchFamily="18" charset="0"/>
-                <a:ea typeface="Cambria Math" pitchFamily="18" charset="0"/>
-              </a:rPr>
-              <a:t>1</a:t>
-            </a:r>
-            <a:r>
-              <a:rPr lang="en-US" sz="7200" dirty="0">
-                <a:ea typeface="Cambria Math" pitchFamily="18" charset="0"/>
-              </a:rPr>
-              <a:t>)</a:t>
-            </a:r>
-            <a:r>
-              <a:rPr lang="en-US" sz="7200" i="1" dirty="0">
-                <a:ea typeface="Cambria Math" pitchFamily="18" charset="0"/>
-              </a:rPr>
-              <a:t>, </a:t>
-            </a:r>
-            <a:r>
-              <a:rPr lang="en-US" sz="7200" i="1" dirty="0" err="1">
-                <a:ea typeface="Cambria Math" pitchFamily="18" charset="0"/>
-              </a:rPr>
-              <a:t>mergesort</a:t>
-            </a:r>
-            <a:r>
-              <a:rPr lang="en-US" sz="7200" dirty="0">
-                <a:ea typeface="Cambria Math" pitchFamily="18" charset="0"/>
-              </a:rPr>
-              <a:t>(</a:t>
-            </a:r>
-            <a:r>
-              <a:rPr lang="en-US" sz="7200" i="1" dirty="0">
-                <a:ea typeface="Cambria Math" pitchFamily="18" charset="0"/>
-              </a:rPr>
-              <a:t>L</a:t>
-            </a:r>
-            <a:r>
-              <a:rPr lang="en-US" sz="7200" baseline="-25000" dirty="0">
-                <a:latin typeface="Cambria Math" pitchFamily="18" charset="0"/>
-                <a:ea typeface="Cambria Math" pitchFamily="18" charset="0"/>
-              </a:rPr>
-              <a:t>2</a:t>
-            </a:r>
-            <a:r>
-              <a:rPr lang="en-US" sz="7200" i="1" dirty="0">
-                <a:ea typeface="Cambria Math" pitchFamily="18" charset="0"/>
-              </a:rPr>
-              <a:t> </a:t>
-            </a:r>
-            <a:r>
-              <a:rPr lang="en-US" sz="7200" dirty="0">
-                <a:ea typeface="Cambria Math" pitchFamily="18" charset="0"/>
-              </a:rPr>
-              <a:t>))</a:t>
-            </a:r>
-            <a:endParaRPr kumimoji="0" lang="en-US" sz="7200" u="none" strike="noStrike" kern="1200" cap="none" spc="0" normalizeH="0" noProof="0" dirty="0">
-              <a:ln>
-                <a:noFill/>
-              </a:ln>
-              <a:solidFill>
-                <a:schemeClr val="tx1"/>
-              </a:solidFill>
-              <a:effectLst/>
-              <a:uLnTx/>
-              <a:uFillTx/>
-              <a:ea typeface="Cambria Math" pitchFamily="18" charset="0"/>
-            </a:endParaRPr>
-          </a:p>
-          <a:p>
-            <a:pPr marL="274320" lvl="0" indent="-274320">
-              <a:spcBef>
-                <a:spcPct val="20000"/>
-              </a:spcBef>
-              <a:buClr>
-                <a:schemeClr val="accent3"/>
-              </a:buClr>
-              <a:buSzPct val="95000"/>
-              <a:defRPr/>
-            </a:pPr>
-            <a:r>
-              <a:rPr lang="en-US" sz="7200" noProof="0" dirty="0">
-                <a:ea typeface="Cambria Math" pitchFamily="18" charset="0"/>
-              </a:rPr>
-              <a:t>{</a:t>
-            </a:r>
-            <a:r>
-              <a:rPr lang="en-US" sz="7200" i="1" noProof="0" dirty="0">
-                <a:ea typeface="Cambria Math" pitchFamily="18" charset="0"/>
-              </a:rPr>
-              <a:t>L</a:t>
-            </a:r>
-            <a:r>
-              <a:rPr lang="en-US" sz="7200" noProof="0" dirty="0">
-                <a:ea typeface="Cambria Math" pitchFamily="18" charset="0"/>
-              </a:rPr>
-              <a:t> is now sorted into elements in increasing order}</a:t>
-            </a:r>
-            <a:endParaRPr kumimoji="0" lang="en-US" sz="7200" u="none" strike="noStrike" kern="1200" cap="none" spc="0" normalizeH="0" baseline="0" noProof="0" dirty="0">
-              <a:ln>
-                <a:noFill/>
-              </a:ln>
-              <a:solidFill>
-                <a:schemeClr val="tx1"/>
-              </a:solidFill>
-              <a:effectLst/>
-              <a:uLnTx/>
-              <a:uFillTx/>
-              <a:ea typeface="Cambria Math" pitchFamily="18" charset="0"/>
-            </a:endParaRPr>
-          </a:p>
-          <a:p>
-            <a:pPr marL="274320" lvl="0" indent="-274320">
-              <a:spcBef>
-                <a:spcPct val="20000"/>
-              </a:spcBef>
-              <a:buClr>
-                <a:schemeClr val="accent3"/>
-              </a:buClr>
-              <a:buSzPct val="95000"/>
-            </a:pPr>
-            <a:endParaRPr lang="en-US" sz="2600" i="1" baseline="-25000" dirty="0"/>
-          </a:p>
-          <a:p>
-            <a:pPr marL="274320" lvl="0" indent="-274320">
-              <a:spcBef>
-                <a:spcPct val="20000"/>
-              </a:spcBef>
-              <a:buClr>
-                <a:schemeClr val="accent3"/>
-              </a:buClr>
-              <a:buSzPct val="95000"/>
-            </a:pPr>
-            <a:endParaRPr kumimoji="0" lang="en-US" sz="2600" b="0" i="1" u="none" strike="noStrike" kern="1200" cap="none" spc="0" normalizeH="0" baseline="0" noProof="0" dirty="0">
-              <a:ln>
-                <a:noFill/>
-              </a:ln>
-              <a:solidFill>
-                <a:schemeClr val="tx1"/>
-              </a:solidFill>
-              <a:effectLst/>
-              <a:uLnTx/>
-              <a:uFillTx/>
-              <a:latin typeface="+mn-lt"/>
-              <a:ea typeface="+mn-ea"/>
-              <a:cs typeface="+mn-cs"/>
-            </a:endParaRPr>
-          </a:p>
-          <a:p>
-            <a:pPr marL="274320" marR="0" lvl="0" indent="-274320" algn="l" defTabSz="914400" rtl="0" eaLnBrk="1" fontAlgn="auto" latinLnBrk="0" hangingPunct="1">
-              <a:lnSpc>
-                <a:spcPct val="100000"/>
-              </a:lnSpc>
-              <a:spcBef>
-                <a:spcPct val="20000"/>
-              </a:spcBef>
-              <a:spcAft>
-                <a:spcPts val="0"/>
-              </a:spcAft>
-              <a:buClr>
-                <a:schemeClr val="accent3"/>
-              </a:buClr>
-              <a:buSzPct val="95000"/>
-              <a:buFont typeface="Wingdings 2"/>
-              <a:buNone/>
-              <a:tabLst/>
-              <a:defRPr/>
-            </a:pPr>
-            <a:r>
-              <a:rPr kumimoji="0" lang="en-US" sz="2600" b="0" i="0" u="none" strike="noStrike" kern="1200" cap="none" spc="0" normalizeH="0" baseline="0" noProof="0" dirty="0">
-                <a:ln>
-                  <a:noFill/>
-                </a:ln>
-                <a:solidFill>
-                  <a:schemeClr val="tx1"/>
-                </a:solidFill>
-                <a:effectLst/>
-                <a:uLnTx/>
-                <a:uFillTx/>
-                <a:latin typeface="+mn-lt"/>
-                <a:ea typeface="+mn-ea"/>
-                <a:cs typeface="+mn-cs"/>
-              </a:rPr>
-              <a:t>         </a:t>
-            </a:r>
-            <a:endParaRPr kumimoji="0" lang="en-US" sz="2600" b="0" i="0" u="none" strike="noStrike" kern="1200" cap="none" spc="0" normalizeH="0" baseline="0" noProof="0" dirty="0">
-              <a:ln>
-                <a:noFill/>
-              </a:ln>
-              <a:solidFill>
-                <a:schemeClr val="tx1"/>
-              </a:solidFill>
-              <a:effectLst/>
-              <a:uLnTx/>
-              <a:uFillTx/>
-              <a:latin typeface="Cambria Math" pitchFamily="18" charset="0"/>
-              <a:ea typeface="Cambria Math" pitchFamily="18" charset="0"/>
-            </a:endParaRPr>
-          </a:p>
-          <a:p>
-            <a:pPr marL="274320" marR="0" lvl="0" indent="-274320" algn="l" defTabSz="914400" rtl="0" eaLnBrk="1" fontAlgn="auto" latinLnBrk="0" hangingPunct="1">
-              <a:lnSpc>
-                <a:spcPct val="100000"/>
-              </a:lnSpc>
-              <a:spcBef>
-                <a:spcPct val="20000"/>
-              </a:spcBef>
-              <a:spcAft>
-                <a:spcPts val="0"/>
-              </a:spcAft>
-              <a:buClr>
-                <a:schemeClr val="accent3"/>
-              </a:buClr>
-              <a:buSzPct val="95000"/>
-              <a:buFont typeface="Wingdings 2"/>
-              <a:buNone/>
-              <a:tabLst/>
-              <a:defRPr/>
-            </a:pPr>
-            <a:r>
-              <a:rPr kumimoji="0" lang="en-US" sz="2600" b="0" i="0" u="none" strike="noStrike" kern="1200" cap="none" spc="0" normalizeH="0" baseline="0" noProof="0" dirty="0">
-                <a:ln>
-                  <a:noFill/>
-                </a:ln>
-                <a:solidFill>
-                  <a:schemeClr val="tx1"/>
-                </a:solidFill>
-                <a:effectLst/>
-                <a:uLnTx/>
-                <a:uFillTx/>
-                <a:latin typeface="+mn-lt"/>
-                <a:ea typeface="+mn-ea"/>
-                <a:cs typeface="+mn-cs"/>
-              </a:rPr>
-              <a:t>    </a:t>
-            </a:r>
-            <a:endParaRPr kumimoji="0" lang="en-US" sz="2600" b="0" i="1" u="none" strike="noStrike" kern="1200" cap="none" spc="0" normalizeH="0" baseline="0" noProof="0" dirty="0">
-              <a:ln>
-                <a:noFill/>
-              </a:ln>
-              <a:solidFill>
-                <a:schemeClr val="tx1"/>
-              </a:solidFill>
-              <a:effectLst/>
-              <a:uLnTx/>
-              <a:uFillTx/>
-              <a:latin typeface="+mn-lt"/>
-              <a:ea typeface="+mn-ea"/>
-              <a:cs typeface="+mn-cs"/>
-            </a:endParaRPr>
-          </a:p>
-        </p:txBody>
-      </p:sp>
-      <p:sp>
-        <p:nvSpPr>
-          <p:cNvPr id="6" name="TextBox 5"/>
-          <p:cNvSpPr txBox="1"/>
-          <p:nvPr/>
-        </p:nvSpPr>
-        <p:spPr>
-          <a:xfrm>
-            <a:off x="7391400" y="6324600"/>
-            <a:ext cx="1524000" cy="369332"/>
-          </a:xfrm>
-          <a:prstGeom prst="rect">
-            <a:avLst/>
-          </a:prstGeom>
-          <a:noFill/>
-        </p:spPr>
-        <p:txBody>
-          <a:bodyPr wrap="square" rtlCol="0">
-            <a:spAutoFit/>
-          </a:bodyPr>
-          <a:lstStyle/>
-          <a:p>
-            <a:r>
-              <a:rPr lang="en-US" i="1" dirty="0"/>
-              <a:t>continued</a:t>
-            </a:r>
-            <a:r>
-              <a:rPr lang="en-US" dirty="0"/>
-              <a:t> </a:t>
-            </a:r>
-            <a:r>
-              <a:rPr lang="en-US" dirty="0">
-                <a:latin typeface="Cambria Math"/>
-                <a:ea typeface="Cambria Math"/>
-              </a:rPr>
-              <a:t>→</a:t>
-            </a:r>
-            <a:r>
-              <a:rPr lang="en-US" dirty="0"/>
-              <a:t> </a:t>
             </a:r>
           </a:p>
         </p:txBody>
@@ -36459,7 +35802,7 @@
           <a:p>
             <a:r>
               <a:rPr lang="en-US" dirty="0"/>
-              <a:t>Recursive Merge Sort</a:t>
+              <a:t>Merge Sort</a:t>
             </a:r>
           </a:p>
         </p:txBody>
@@ -36476,671 +35819,85 @@
         </p:nvSpPr>
         <p:spPr/>
         <p:txBody>
-          <a:bodyPr>
-            <a:normAutofit lnSpcReduction="10000"/>
-          </a:bodyPr>
+          <a:bodyPr/>
           <a:lstStyle/>
-          <a:p>
-            <a:r>
-              <a:rPr lang="en-US" dirty="0"/>
-              <a:t>Subroutine </a:t>
-            </a:r>
-            <a:r>
-              <a:rPr lang="en-US" i="1" dirty="0"/>
-              <a:t>merge</a:t>
-            </a:r>
-            <a:r>
-              <a:rPr lang="en-US" dirty="0"/>
-              <a:t>, which merges two sorted lists.</a:t>
-            </a:r>
-          </a:p>
-          <a:p>
-            <a:endParaRPr lang="en-US" dirty="0"/>
-          </a:p>
-          <a:p>
-            <a:endParaRPr lang="en-US" dirty="0"/>
-          </a:p>
-          <a:p>
-            <a:endParaRPr lang="en-US" dirty="0"/>
-          </a:p>
-          <a:p>
-            <a:endParaRPr lang="en-US" dirty="0"/>
-          </a:p>
-          <a:p>
-            <a:endParaRPr lang="en-US" dirty="0"/>
-          </a:p>
-          <a:p>
-            <a:endParaRPr lang="en-US" dirty="0"/>
-          </a:p>
           <a:p>
             <a:pPr>
               <a:buNone/>
             </a:pPr>
             <a:r>
               <a:rPr lang="en-US" b="1" dirty="0"/>
-              <a:t>   Complexity of Merge</a:t>
-            </a:r>
-            <a:r>
-              <a:rPr lang="en-US" dirty="0"/>
-              <a:t>: Two sorted lists with </a:t>
-            </a:r>
-            <a:r>
-              <a:rPr lang="en-US" i="1" dirty="0"/>
-              <a:t>m</a:t>
-            </a:r>
-            <a:r>
-              <a:rPr lang="en-US" dirty="0"/>
-              <a:t> elements and </a:t>
-            </a:r>
-            <a:r>
-              <a:rPr lang="en-US" i="1" dirty="0"/>
-              <a:t>n</a:t>
-            </a:r>
-            <a:r>
-              <a:rPr lang="en-US" dirty="0"/>
-              <a:t> elements can be merged into a sorted list using no more than </a:t>
-            </a:r>
-            <a:r>
-              <a:rPr lang="en-US" i="1" dirty="0"/>
-              <a:t>m</a:t>
-            </a:r>
-            <a:r>
-              <a:rPr lang="en-US" dirty="0"/>
-              <a:t> + </a:t>
-            </a:r>
-            <a:r>
-              <a:rPr lang="en-US" i="1" dirty="0"/>
-              <a:t>n</a:t>
-            </a:r>
-            <a:r>
-              <a:rPr lang="en-US" dirty="0"/>
-              <a:t> </a:t>
-            </a:r>
-            <a:r>
-              <a:rPr lang="en-US" dirty="0">
-                <a:latin typeface="Cambria Math"/>
-                <a:ea typeface="Cambria Math"/>
-              </a:rPr>
-              <a:t>−</a:t>
-            </a:r>
-            <a:r>
-              <a:rPr lang="en-US" dirty="0"/>
-              <a:t> </a:t>
-            </a:r>
-            <a:r>
-              <a:rPr lang="en-US" dirty="0">
-                <a:latin typeface="Cambria Math" pitchFamily="18" charset="0"/>
-                <a:ea typeface="Cambria Math" pitchFamily="18" charset="0"/>
-              </a:rPr>
-              <a:t>1</a:t>
-            </a:r>
-            <a:r>
-              <a:rPr lang="en-US" dirty="0"/>
-              <a:t> comparisons.</a:t>
+              <a:t>   Example</a:t>
+            </a:r>
+            <a:r>
+              <a:rPr lang="en-US" dirty="0"/>
+              <a:t>: Use merge sort to put the list</a:t>
+            </a:r>
+          </a:p>
+          <a:p>
+            <a:pPr>
+              <a:buNone/>
+            </a:pPr>
+            <a:r>
+              <a:rPr lang="en-US" dirty="0"/>
+              <a:t>           </a:t>
+            </a:r>
+            <a:r>
+              <a:rPr lang="en-US" dirty="0">
+                <a:latin typeface="Cambria Math" pitchFamily="18" charset="0"/>
+                <a:ea typeface="Cambria Math" pitchFamily="18" charset="0"/>
+              </a:rPr>
+              <a:t>8,2,4,6,9,7,10, 1, 5, 3</a:t>
+            </a:r>
+          </a:p>
+          <a:p>
+            <a:pPr>
+              <a:buNone/>
+            </a:pPr>
+            <a:r>
+              <a:rPr lang="en-US" dirty="0"/>
+              <a:t>       into increasing order.</a:t>
+            </a:r>
+          </a:p>
+          <a:p>
+            <a:pPr>
+              <a:buNone/>
+            </a:pPr>
+            <a:r>
+              <a:rPr lang="en-US" b="1" dirty="0"/>
+              <a:t>    Solution</a:t>
+            </a:r>
+            <a:r>
+              <a:rPr lang="en-US" dirty="0"/>
+              <a:t>:</a:t>
             </a:r>
           </a:p>
         </p:txBody>
       </p:sp>
-      <p:sp>
-        <p:nvSpPr>
-          <p:cNvPr id="4" name="Content Placeholder 2"/>
-          <p:cNvSpPr txBox="1">
-            <a:spLocks/>
-          </p:cNvSpPr>
+      <p:pic>
+        <p:nvPicPr>
+          <p:cNvPr id="4" name="Picture 3" descr="0421.jpg"/>
+          <p:cNvPicPr>
+            <a:picLocks noChangeAspect="1"/>
+          </p:cNvPicPr>
           <p:nvPr/>
-        </p:nvSpPr>
+        </p:nvPicPr>
+        <p:blipFill>
+          <a:blip r:embed="rId2" cstate="print"/>
+          <a:stretch>
+            <a:fillRect/>
+          </a:stretch>
+        </p:blipFill>
         <p:spPr>
           <a:xfrm>
-            <a:off x="1066800" y="2438400"/>
-            <a:ext cx="7391400" cy="2514600"/>
+            <a:off x="4724400" y="2743200"/>
+            <a:ext cx="3305556" cy="3546348"/>
           </a:xfrm>
           <a:prstGeom prst="rect">
             <a:avLst/>
           </a:prstGeom>
-          <a:ln>
-            <a:solidFill>
-              <a:schemeClr val="accent1"/>
-            </a:solidFill>
-          </a:ln>
         </p:spPr>
-        <p:txBody>
-          <a:bodyPr vert="horz">
-            <a:normAutofit fontScale="25000" lnSpcReduction="20000"/>
-          </a:bodyPr>
-          <a:lstStyle/>
-          <a:p>
-            <a:pPr marL="274320" lvl="0" indent="-274320">
-              <a:spcBef>
-                <a:spcPct val="20000"/>
-              </a:spcBef>
-              <a:buClr>
-                <a:schemeClr val="accent3"/>
-              </a:buClr>
-              <a:buSzPct val="95000"/>
-              <a:defRPr/>
-            </a:pPr>
-            <a:r>
-              <a:rPr lang="en-US" sz="7200" b="1" dirty="0"/>
-              <a:t>procedure</a:t>
-            </a:r>
-            <a:r>
-              <a:rPr kumimoji="0" lang="en-US" sz="7200" b="1" i="0" u="none" strike="noStrike" kern="1200" cap="none" spc="0" normalizeH="0" baseline="0" noProof="0" dirty="0">
-                <a:ln>
-                  <a:noFill/>
-                </a:ln>
-                <a:solidFill>
-                  <a:schemeClr val="tx1"/>
-                </a:solidFill>
-                <a:effectLst/>
-                <a:uLnTx/>
-                <a:uFillTx/>
-                <a:latin typeface="+mn-lt"/>
-                <a:ea typeface="+mn-ea"/>
-                <a:cs typeface="+mn-cs"/>
-              </a:rPr>
-              <a:t> </a:t>
-            </a:r>
-            <a:r>
-              <a:rPr lang="en-US" sz="7200" i="1" noProof="0" dirty="0"/>
-              <a:t> merge</a:t>
-            </a:r>
-            <a:r>
-              <a:rPr kumimoji="0" lang="en-US" sz="7200" i="0" u="none" strike="noStrike" kern="1200" cap="none" spc="0" normalizeH="0" baseline="0" noProof="0" dirty="0">
-                <a:ln>
-                  <a:noFill/>
-                </a:ln>
-                <a:solidFill>
-                  <a:schemeClr val="tx1"/>
-                </a:solidFill>
-                <a:effectLst/>
-                <a:uLnTx/>
-                <a:uFillTx/>
-                <a:latin typeface="+mn-lt"/>
-                <a:ea typeface="+mn-ea"/>
-                <a:cs typeface="+mn-cs"/>
-              </a:rPr>
-              <a:t>(</a:t>
-            </a:r>
-            <a:r>
-              <a:rPr lang="en-US" sz="7200" i="1" dirty="0">
-                <a:ea typeface="Cambria Math" pitchFamily="18" charset="0"/>
-              </a:rPr>
-              <a:t>L</a:t>
-            </a:r>
-            <a:r>
-              <a:rPr lang="en-US" sz="7200" baseline="-25000" dirty="0">
-                <a:latin typeface="Cambria Math" pitchFamily="18" charset="0"/>
-                <a:ea typeface="Cambria Math" pitchFamily="18" charset="0"/>
-              </a:rPr>
-              <a:t>1</a:t>
-            </a:r>
-            <a:r>
-              <a:rPr lang="en-US" sz="7200" i="1" dirty="0"/>
-              <a:t>, </a:t>
-            </a:r>
-            <a:r>
-              <a:rPr lang="en-US" sz="7200" i="1" dirty="0">
-                <a:ea typeface="Cambria Math" pitchFamily="18" charset="0"/>
-              </a:rPr>
-              <a:t>L</a:t>
-            </a:r>
-            <a:r>
-              <a:rPr lang="en-US" sz="7200" baseline="-25000" dirty="0">
-                <a:latin typeface="Cambria Math" pitchFamily="18" charset="0"/>
-                <a:ea typeface="Cambria Math" pitchFamily="18" charset="0"/>
-              </a:rPr>
-              <a:t>2</a:t>
-            </a:r>
-            <a:r>
-              <a:rPr lang="en-US" sz="7200" i="1" dirty="0"/>
-              <a:t> </a:t>
-            </a:r>
-            <a:r>
-              <a:rPr lang="en-US" sz="7200" dirty="0"/>
-              <a:t>:</a:t>
-            </a:r>
-            <a:r>
-              <a:rPr lang="en-US" sz="7200" dirty="0">
-                <a:ea typeface="Cambria Math" pitchFamily="18" charset="0"/>
-              </a:rPr>
-              <a:t>sorted lists</a:t>
-            </a:r>
-            <a:r>
-              <a:rPr lang="en-US" sz="7200" dirty="0">
-                <a:latin typeface="Cambria Math"/>
-                <a:ea typeface="Cambria Math"/>
-              </a:rPr>
-              <a:t>)</a:t>
-            </a:r>
-          </a:p>
-          <a:p>
-            <a:pPr marL="274320" lvl="0" indent="-274320">
-              <a:spcBef>
-                <a:spcPct val="20000"/>
-              </a:spcBef>
-              <a:buClr>
-                <a:schemeClr val="accent3"/>
-              </a:buClr>
-              <a:buSzPct val="95000"/>
-              <a:defRPr/>
-            </a:pPr>
-            <a:r>
-              <a:rPr lang="en-US" sz="7200" i="1" dirty="0">
-                <a:ea typeface="Cambria Math" pitchFamily="18" charset="0"/>
-              </a:rPr>
-              <a:t>L </a:t>
-            </a:r>
-            <a:r>
-              <a:rPr lang="en-US" sz="7200" dirty="0">
-                <a:ea typeface="Cambria Math" pitchFamily="18" charset="0"/>
-              </a:rPr>
-              <a:t>:= empty list</a:t>
-            </a:r>
-            <a:endParaRPr lang="en-US" sz="7200" dirty="0">
-              <a:latin typeface="Cambria Math"/>
-              <a:ea typeface="Cambria Math"/>
-            </a:endParaRPr>
-          </a:p>
-          <a:p>
-            <a:pPr marL="274320" lvl="0" indent="-274320">
-              <a:spcBef>
-                <a:spcPct val="20000"/>
-              </a:spcBef>
-              <a:buClr>
-                <a:schemeClr val="accent3"/>
-              </a:buClr>
-              <a:buSzPct val="95000"/>
-              <a:defRPr/>
-            </a:pPr>
-            <a:r>
-              <a:rPr lang="en-US" sz="7200" b="1" dirty="0"/>
-              <a:t>while </a:t>
-            </a:r>
-            <a:r>
-              <a:rPr lang="en-US" sz="7200" i="1" dirty="0">
-                <a:ea typeface="Cambria Math" pitchFamily="18" charset="0"/>
-              </a:rPr>
-              <a:t>L</a:t>
-            </a:r>
-            <a:r>
-              <a:rPr lang="en-US" sz="7200" baseline="-25000" dirty="0">
-                <a:latin typeface="Cambria Math" pitchFamily="18" charset="0"/>
-                <a:ea typeface="Cambria Math" pitchFamily="18" charset="0"/>
-              </a:rPr>
-              <a:t>1</a:t>
-            </a:r>
-            <a:r>
-              <a:rPr lang="en-US" sz="7200" dirty="0"/>
-              <a:t>  and </a:t>
-            </a:r>
-            <a:r>
-              <a:rPr lang="en-US" sz="7200" i="1" dirty="0">
-                <a:ea typeface="Cambria Math" pitchFamily="18" charset="0"/>
-              </a:rPr>
-              <a:t>L</a:t>
-            </a:r>
-            <a:r>
-              <a:rPr lang="en-US" sz="7200" baseline="-25000" dirty="0">
-                <a:latin typeface="Cambria Math" pitchFamily="18" charset="0"/>
-                <a:ea typeface="Cambria Math" pitchFamily="18" charset="0"/>
-              </a:rPr>
-              <a:t>2</a:t>
-            </a:r>
-            <a:r>
-              <a:rPr lang="en-US" sz="7200" dirty="0"/>
-              <a:t>  are both nonempty</a:t>
-            </a:r>
-            <a:endParaRPr kumimoji="0" lang="en-US" sz="7200" b="1" i="0" u="none" strike="noStrike" kern="1200" cap="none" spc="0" normalizeH="0" noProof="0" dirty="0">
-              <a:ln>
-                <a:noFill/>
-              </a:ln>
-              <a:solidFill>
-                <a:schemeClr val="tx1"/>
-              </a:solidFill>
-              <a:effectLst/>
-              <a:uLnTx/>
-              <a:uFillTx/>
-              <a:latin typeface="Cambria Math" pitchFamily="18" charset="0"/>
-              <a:ea typeface="Cambria Math" pitchFamily="18" charset="0"/>
-            </a:endParaRPr>
-          </a:p>
-          <a:p>
-            <a:pPr marL="274320" indent="-274320">
-              <a:spcBef>
-                <a:spcPct val="20000"/>
-              </a:spcBef>
-              <a:buClr>
-                <a:schemeClr val="accent3"/>
-              </a:buClr>
-              <a:buSzPct val="95000"/>
-              <a:defRPr/>
-            </a:pPr>
-            <a:r>
-              <a:rPr lang="en-US" sz="7200" i="1" dirty="0">
-                <a:ea typeface="Cambria Math"/>
-              </a:rPr>
-              <a:t>     </a:t>
-            </a:r>
-            <a:r>
-              <a:rPr lang="en-US" sz="7200" dirty="0">
-                <a:ea typeface="Cambria Math"/>
-              </a:rPr>
-              <a:t>remove smaller of first elements of </a:t>
-            </a:r>
-            <a:r>
-              <a:rPr lang="en-US" sz="7200" i="1" dirty="0">
-                <a:ea typeface="Cambria Math" pitchFamily="18" charset="0"/>
-              </a:rPr>
-              <a:t>L</a:t>
-            </a:r>
-            <a:r>
-              <a:rPr lang="en-US" sz="7200" baseline="-25000" dirty="0">
-                <a:latin typeface="Cambria Math" pitchFamily="18" charset="0"/>
-                <a:ea typeface="Cambria Math" pitchFamily="18" charset="0"/>
-              </a:rPr>
-              <a:t>1</a:t>
-            </a:r>
-            <a:r>
-              <a:rPr lang="en-US" sz="7200" dirty="0">
-                <a:ea typeface="Cambria Math"/>
-              </a:rPr>
-              <a:t> and </a:t>
-            </a:r>
-            <a:r>
-              <a:rPr lang="en-US" sz="7200" i="1" dirty="0">
-                <a:ea typeface="Cambria Math" pitchFamily="18" charset="0"/>
-              </a:rPr>
-              <a:t>L</a:t>
-            </a:r>
-            <a:r>
-              <a:rPr lang="en-US" sz="7200" baseline="-25000" dirty="0">
-                <a:latin typeface="Cambria Math" pitchFamily="18" charset="0"/>
-                <a:ea typeface="Cambria Math" pitchFamily="18" charset="0"/>
-              </a:rPr>
-              <a:t>2</a:t>
-            </a:r>
-            <a:r>
-              <a:rPr lang="en-US" sz="7200" dirty="0">
-                <a:ea typeface="Cambria Math"/>
-              </a:rPr>
-              <a:t> from its list; </a:t>
-            </a:r>
-          </a:p>
-          <a:p>
-            <a:pPr marL="274320" indent="-274320">
-              <a:spcBef>
-                <a:spcPct val="20000"/>
-              </a:spcBef>
-              <a:buClr>
-                <a:schemeClr val="accent3"/>
-              </a:buClr>
-              <a:buSzPct val="95000"/>
-              <a:defRPr/>
-            </a:pPr>
-            <a:r>
-              <a:rPr lang="en-US" sz="7200" dirty="0">
-                <a:ea typeface="Cambria Math"/>
-              </a:rPr>
-              <a:t>             put at the right end of </a:t>
-            </a:r>
-            <a:r>
-              <a:rPr lang="en-US" sz="7200" i="1" dirty="0">
-                <a:ea typeface="Cambria Math" pitchFamily="18" charset="0"/>
-              </a:rPr>
-              <a:t>L</a:t>
-            </a:r>
-          </a:p>
-          <a:p>
-            <a:pPr marL="274320" indent="-274320">
-              <a:spcBef>
-                <a:spcPct val="20000"/>
-              </a:spcBef>
-              <a:buClr>
-                <a:schemeClr val="accent3"/>
-              </a:buClr>
-              <a:buSzPct val="95000"/>
-              <a:defRPr/>
-            </a:pPr>
-            <a:r>
-              <a:rPr lang="en-US" sz="7200" i="1" dirty="0">
-                <a:ea typeface="Cambria Math" pitchFamily="18" charset="0"/>
-              </a:rPr>
-              <a:t>     </a:t>
-            </a:r>
-            <a:r>
-              <a:rPr lang="en-US" sz="7200" b="1" dirty="0">
-                <a:ea typeface="Cambria Math" pitchFamily="18" charset="0"/>
-              </a:rPr>
-              <a:t>if </a:t>
-            </a:r>
-            <a:r>
-              <a:rPr lang="en-US" sz="7200" dirty="0">
-                <a:ea typeface="Cambria Math" pitchFamily="18" charset="0"/>
-              </a:rPr>
-              <a:t>this removal makes one list empty </a:t>
-            </a:r>
-          </a:p>
-          <a:p>
-            <a:pPr marL="274320" indent="-274320">
-              <a:spcBef>
-                <a:spcPct val="20000"/>
-              </a:spcBef>
-              <a:buClr>
-                <a:schemeClr val="accent3"/>
-              </a:buClr>
-              <a:buSzPct val="95000"/>
-              <a:defRPr/>
-            </a:pPr>
-            <a:r>
-              <a:rPr lang="en-US" sz="7200" b="1" dirty="0">
-                <a:ea typeface="Cambria Math" pitchFamily="18" charset="0"/>
-              </a:rPr>
-              <a:t>         then</a:t>
-            </a:r>
-            <a:r>
-              <a:rPr lang="en-US" sz="7200" dirty="0">
-                <a:ea typeface="Cambria Math" pitchFamily="18" charset="0"/>
-              </a:rPr>
-              <a:t> remove all elements from the other list and append them to L</a:t>
-            </a:r>
-            <a:endParaRPr lang="en-US" sz="7200" dirty="0"/>
-          </a:p>
-          <a:p>
-            <a:pPr marL="274320" lvl="0" indent="-274320">
-              <a:spcBef>
-                <a:spcPct val="20000"/>
-              </a:spcBef>
-              <a:buClr>
-                <a:schemeClr val="accent3"/>
-              </a:buClr>
-              <a:buSzPct val="95000"/>
-              <a:defRPr/>
-            </a:pPr>
-            <a:r>
-              <a:rPr lang="en-US" sz="7200" b="1" dirty="0">
-                <a:ea typeface="Cambria Math" pitchFamily="18" charset="0"/>
-              </a:rPr>
-              <a:t>return</a:t>
-            </a:r>
-            <a:r>
-              <a:rPr lang="en-US" sz="7200" i="1" dirty="0">
-                <a:ea typeface="Cambria Math" pitchFamily="18" charset="0"/>
-              </a:rPr>
-              <a:t> L </a:t>
-            </a:r>
-            <a:r>
-              <a:rPr lang="en-US" sz="7200" noProof="0" dirty="0">
-                <a:ea typeface="Cambria Math" pitchFamily="18" charset="0"/>
-              </a:rPr>
-              <a:t>{</a:t>
-            </a:r>
-            <a:r>
-              <a:rPr lang="en-US" sz="7200" i="1" noProof="0" dirty="0">
-                <a:ea typeface="Cambria Math" pitchFamily="18" charset="0"/>
-              </a:rPr>
-              <a:t>L</a:t>
-            </a:r>
-            <a:r>
-              <a:rPr lang="en-US" sz="7200" noProof="0" dirty="0">
-                <a:ea typeface="Cambria Math" pitchFamily="18" charset="0"/>
-              </a:rPr>
-              <a:t> is the merged list with the elements in increasing order}</a:t>
-            </a:r>
-            <a:endParaRPr kumimoji="0" lang="en-US" sz="7200" u="none" strike="noStrike" kern="1200" cap="none" spc="0" normalizeH="0" baseline="0" noProof="0" dirty="0">
-              <a:ln>
-                <a:noFill/>
-              </a:ln>
-              <a:solidFill>
-                <a:schemeClr val="tx1"/>
-              </a:solidFill>
-              <a:effectLst/>
-              <a:uLnTx/>
-              <a:uFillTx/>
-              <a:ea typeface="Cambria Math" pitchFamily="18" charset="0"/>
-            </a:endParaRPr>
-          </a:p>
-          <a:p>
-            <a:pPr marL="274320" lvl="0" indent="-274320">
-              <a:spcBef>
-                <a:spcPct val="20000"/>
-              </a:spcBef>
-              <a:buClr>
-                <a:schemeClr val="accent3"/>
-              </a:buClr>
-              <a:buSzPct val="95000"/>
-            </a:pPr>
-            <a:endParaRPr lang="en-US" sz="2600" i="1" baseline="-25000" dirty="0"/>
-          </a:p>
-          <a:p>
-            <a:pPr marL="274320" lvl="0" indent="-274320">
-              <a:spcBef>
-                <a:spcPct val="20000"/>
-              </a:spcBef>
-              <a:buClr>
-                <a:schemeClr val="accent3"/>
-              </a:buClr>
-              <a:buSzPct val="95000"/>
-            </a:pPr>
-            <a:endParaRPr kumimoji="0" lang="en-US" sz="2600" b="0" i="1" u="none" strike="noStrike" kern="1200" cap="none" spc="0" normalizeH="0" baseline="0" noProof="0" dirty="0">
-              <a:ln>
-                <a:noFill/>
-              </a:ln>
-              <a:solidFill>
-                <a:schemeClr val="tx1"/>
-              </a:solidFill>
-              <a:effectLst/>
-              <a:uLnTx/>
-              <a:uFillTx/>
-              <a:latin typeface="+mn-lt"/>
-              <a:ea typeface="+mn-ea"/>
-              <a:cs typeface="+mn-cs"/>
-            </a:endParaRPr>
-          </a:p>
-          <a:p>
-            <a:pPr marL="274320" marR="0" lvl="0" indent="-274320" algn="l" defTabSz="914400" rtl="0" eaLnBrk="1" fontAlgn="auto" latinLnBrk="0" hangingPunct="1">
-              <a:lnSpc>
-                <a:spcPct val="100000"/>
-              </a:lnSpc>
-              <a:spcBef>
-                <a:spcPct val="20000"/>
-              </a:spcBef>
-              <a:spcAft>
-                <a:spcPts val="0"/>
-              </a:spcAft>
-              <a:buClr>
-                <a:schemeClr val="accent3"/>
-              </a:buClr>
-              <a:buSzPct val="95000"/>
-              <a:buFont typeface="Wingdings 2"/>
-              <a:buNone/>
-              <a:tabLst/>
-              <a:defRPr/>
-            </a:pPr>
-            <a:r>
-              <a:rPr kumimoji="0" lang="en-US" sz="2600" b="0" i="0" u="none" strike="noStrike" kern="1200" cap="none" spc="0" normalizeH="0" baseline="0" noProof="0" dirty="0">
-                <a:ln>
-                  <a:noFill/>
-                </a:ln>
-                <a:solidFill>
-                  <a:schemeClr val="tx1"/>
-                </a:solidFill>
-                <a:effectLst/>
-                <a:uLnTx/>
-                <a:uFillTx/>
-                <a:latin typeface="+mn-lt"/>
-                <a:ea typeface="+mn-ea"/>
-                <a:cs typeface="+mn-cs"/>
-              </a:rPr>
-              <a:t>         </a:t>
-            </a:r>
-            <a:endParaRPr kumimoji="0" lang="en-US" sz="2600" b="0" i="0" u="none" strike="noStrike" kern="1200" cap="none" spc="0" normalizeH="0" baseline="0" noProof="0" dirty="0">
-              <a:ln>
-                <a:noFill/>
-              </a:ln>
-              <a:solidFill>
-                <a:schemeClr val="tx1"/>
-              </a:solidFill>
-              <a:effectLst/>
-              <a:uLnTx/>
-              <a:uFillTx/>
-              <a:latin typeface="Cambria Math" pitchFamily="18" charset="0"/>
-              <a:ea typeface="Cambria Math" pitchFamily="18" charset="0"/>
-            </a:endParaRPr>
-          </a:p>
-          <a:p>
-            <a:pPr marL="274320" marR="0" lvl="0" indent="-274320" algn="l" defTabSz="914400" rtl="0" eaLnBrk="1" fontAlgn="auto" latinLnBrk="0" hangingPunct="1">
-              <a:lnSpc>
-                <a:spcPct val="100000"/>
-              </a:lnSpc>
-              <a:spcBef>
-                <a:spcPct val="20000"/>
-              </a:spcBef>
-              <a:spcAft>
-                <a:spcPts val="0"/>
-              </a:spcAft>
-              <a:buClr>
-                <a:schemeClr val="accent3"/>
-              </a:buClr>
-              <a:buSzPct val="95000"/>
-              <a:buFont typeface="Wingdings 2"/>
-              <a:buNone/>
-              <a:tabLst/>
-              <a:defRPr/>
-            </a:pPr>
-            <a:r>
-              <a:rPr kumimoji="0" lang="en-US" sz="2600" b="0" i="0" u="none" strike="noStrike" kern="1200" cap="none" spc="0" normalizeH="0" baseline="0" noProof="0" dirty="0">
-                <a:ln>
-                  <a:noFill/>
-                </a:ln>
-                <a:solidFill>
-                  <a:schemeClr val="tx1"/>
-                </a:solidFill>
-                <a:effectLst/>
-                <a:uLnTx/>
-                <a:uFillTx/>
-                <a:latin typeface="+mn-lt"/>
-                <a:ea typeface="+mn-ea"/>
-                <a:cs typeface="+mn-cs"/>
-              </a:rPr>
-              <a:t>    </a:t>
-            </a:r>
-            <a:endParaRPr kumimoji="0" lang="en-US" sz="2600" b="0" i="1" u="none" strike="noStrike" kern="1200" cap="none" spc="0" normalizeH="0" baseline="0" noProof="0" dirty="0">
-              <a:ln>
-                <a:noFill/>
-              </a:ln>
-              <a:solidFill>
-                <a:schemeClr val="tx1"/>
-              </a:solidFill>
-              <a:effectLst/>
-              <a:uLnTx/>
-              <a:uFillTx/>
-              <a:latin typeface="+mn-lt"/>
-              <a:ea typeface="+mn-ea"/>
-              <a:cs typeface="+mn-cs"/>
-            </a:endParaRPr>
-          </a:p>
-        </p:txBody>
-      </p:sp>
+      </p:pic>
     </p:spTree>
   </p:cSld>
   <p:clrMapOvr>
@@ -37178,12 +35935,14 @@
         </p:nvSpPr>
         <p:spPr/>
         <p:txBody>
-          <a:bodyPr/>
+          <a:bodyPr>
+            <a:noAutofit/>
+          </a:bodyPr>
           <a:lstStyle/>
           <a:p>
             <a:r>
-              <a:rPr lang="en-US" dirty="0"/>
-              <a:t>Merging Two Lists</a:t>
+              <a:rPr lang="en-US" sz="4000" dirty="0"/>
+              <a:t>Recursive Merge Sort</a:t>
             </a:r>
           </a:p>
         </p:txBody>
@@ -37212,29 +35971,7 @@
             </a:r>
             <a:r>
               <a:rPr lang="en-US" dirty="0"/>
-              <a:t>: Merge the two lists </a:t>
-            </a:r>
-            <a:r>
-              <a:rPr lang="en-US" dirty="0">
-                <a:latin typeface="Cambria Math" pitchFamily="18" charset="0"/>
-                <a:ea typeface="Cambria Math" pitchFamily="18" charset="0"/>
-              </a:rPr>
-              <a:t>2,3,5,6</a:t>
-            </a:r>
-            <a:r>
-              <a:rPr lang="en-US" dirty="0"/>
-              <a:t>  and </a:t>
-            </a:r>
-            <a:r>
-              <a:rPr lang="en-US" dirty="0">
-                <a:latin typeface="Cambria Math" pitchFamily="18" charset="0"/>
-                <a:ea typeface="Cambria Math" pitchFamily="18" charset="0"/>
-              </a:rPr>
-              <a:t>1,4</a:t>
-            </a:r>
-            <a:r>
-              <a:rPr lang="en-US" dirty="0"/>
-              <a:t>.</a:t>
+              <a:t>: Construct a recursive merge sort algorithm. </a:t>
             </a:r>
           </a:p>
           <a:p>
@@ -37242,40 +35979,918 @@
               <a:buNone/>
             </a:pPr>
             <a:r>
-              <a:rPr lang="en-US" b="1" dirty="0"/>
+              <a:rPr lang="en-US" sz="2800" b="1" dirty="0"/>
               <a:t>   Solution</a:t>
             </a:r>
             <a:r>
-              <a:rPr lang="en-US" dirty="0"/>
-              <a:t>:</a:t>
-            </a:r>
+              <a:rPr lang="en-US" sz="2800" dirty="0"/>
+              <a:t>: Begin with the list of </a:t>
+            </a:r>
+            <a:r>
+              <a:rPr lang="en-US" sz="2800" i="1" dirty="0"/>
+              <a:t>n</a:t>
+            </a:r>
+            <a:r>
+              <a:rPr lang="en-US" sz="2800" dirty="0"/>
+              <a:t> elements </a:t>
+            </a:r>
+            <a:r>
+              <a:rPr lang="en-US" sz="2800" i="1" dirty="0"/>
+              <a:t>L</a:t>
+            </a:r>
+            <a:r>
+              <a:rPr lang="en-US" sz="2800" dirty="0"/>
+              <a:t>.</a:t>
+            </a:r>
+            <a:endParaRPr lang="en-US" sz="2000" dirty="0"/>
+          </a:p>
+          <a:p>
+            <a:endParaRPr lang="en-US" dirty="0"/>
+          </a:p>
+          <a:p>
+            <a:endParaRPr lang="en-US" dirty="0"/>
+          </a:p>
+          <a:p>
+            <a:endParaRPr lang="en-US" dirty="0"/>
           </a:p>
         </p:txBody>
       </p:sp>
-      <p:pic>
-        <p:nvPicPr>
-          <p:cNvPr id="4" name="Picture 3" descr="table33.jpg"/>
-          <p:cNvPicPr>
-            <a:picLocks noChangeAspect="1"/>
-          </p:cNvPicPr>
+      <p:sp>
+        <p:nvSpPr>
+          <p:cNvPr id="5" name="Content Placeholder 2"/>
+          <p:cNvSpPr txBox="1">
+            <a:spLocks/>
+          </p:cNvSpPr>
           <p:nvPr/>
-        </p:nvPicPr>
-        <p:blipFill>
-          <a:blip r:embed="rId2" cstate="print"/>
-          <a:stretch>
-            <a:fillRect/>
-          </a:stretch>
-        </p:blipFill>
+        </p:nvSpPr>
         <p:spPr>
           <a:xfrm>
-            <a:off x="1066800" y="3200400"/>
-            <a:ext cx="7445111" cy="2971800"/>
+            <a:off x="1066800" y="3124200"/>
+            <a:ext cx="6781800" cy="2514600"/>
           </a:xfrm>
           <a:prstGeom prst="rect">
             <a:avLst/>
           </a:prstGeom>
+          <a:ln>
+            <a:solidFill>
+              <a:schemeClr val="accent1"/>
+            </a:solidFill>
+          </a:ln>
         </p:spPr>
-      </p:pic>
+        <p:txBody>
+          <a:bodyPr vert="horz">
+            <a:normAutofit fontScale="25000" lnSpcReduction="20000"/>
+          </a:bodyPr>
+          <a:lstStyle/>
+          <a:p>
+            <a:pPr marL="274320" lvl="0" indent="-274320">
+              <a:spcBef>
+                <a:spcPct val="20000"/>
+              </a:spcBef>
+              <a:buClr>
+                <a:schemeClr val="accent3"/>
+              </a:buClr>
+              <a:buSzPct val="95000"/>
+              <a:defRPr/>
+            </a:pPr>
+            <a:r>
+              <a:rPr lang="en-US" sz="7200" b="1" dirty="0"/>
+              <a:t>procedure</a:t>
+            </a:r>
+            <a:r>
+              <a:rPr kumimoji="0" lang="en-US" sz="7200" b="1" i="0" u="none" strike="noStrike" kern="1200" cap="none" spc="0" normalizeH="0" baseline="0" noProof="0" dirty="0">
+                <a:ln>
+                  <a:noFill/>
+                </a:ln>
+                <a:solidFill>
+                  <a:schemeClr val="tx1"/>
+                </a:solidFill>
+                <a:effectLst/>
+                <a:uLnTx/>
+                <a:uFillTx/>
+                <a:latin typeface="+mn-lt"/>
+                <a:ea typeface="+mn-ea"/>
+                <a:cs typeface="+mn-cs"/>
+              </a:rPr>
+              <a:t> </a:t>
+            </a:r>
+            <a:r>
+              <a:rPr lang="en-US" sz="7200" i="1" noProof="0" dirty="0"/>
+              <a:t> </a:t>
+            </a:r>
+            <a:r>
+              <a:rPr lang="en-US" sz="7200" i="1" noProof="0" dirty="0" err="1"/>
+              <a:t>mergesort</a:t>
+            </a:r>
+            <a:r>
+              <a:rPr kumimoji="0" lang="en-US" sz="7200" i="0" u="none" strike="noStrike" kern="1200" cap="none" spc="0" normalizeH="0" baseline="0" noProof="0" dirty="0">
+                <a:ln>
+                  <a:noFill/>
+                </a:ln>
+                <a:solidFill>
+                  <a:schemeClr val="tx1"/>
+                </a:solidFill>
+                <a:effectLst/>
+                <a:uLnTx/>
+                <a:uFillTx/>
+                <a:latin typeface="+mn-lt"/>
+                <a:ea typeface="+mn-ea"/>
+                <a:cs typeface="+mn-cs"/>
+              </a:rPr>
+              <a:t>(</a:t>
+            </a:r>
+            <a:r>
+              <a:rPr lang="en-US" sz="7200" i="1" noProof="0" dirty="0"/>
+              <a:t>L = </a:t>
+            </a:r>
+            <a:r>
+              <a:rPr lang="en-US" sz="7200" i="1" dirty="0"/>
+              <a:t>a</a:t>
+            </a:r>
+            <a:r>
+              <a:rPr lang="en-US" sz="7200" baseline="-25000" dirty="0">
+                <a:latin typeface="Cambria Math" pitchFamily="18" charset="0"/>
+                <a:ea typeface="Cambria Math" pitchFamily="18" charset="0"/>
+              </a:rPr>
+              <a:t>1</a:t>
+            </a:r>
+            <a:r>
+              <a:rPr lang="en-US" sz="7200" dirty="0">
+                <a:latin typeface="Cambria Math" pitchFamily="18" charset="0"/>
+                <a:ea typeface="Cambria Math" pitchFamily="18" charset="0"/>
+              </a:rPr>
+              <a:t>, </a:t>
+            </a:r>
+            <a:r>
+              <a:rPr lang="en-US" sz="7200" i="1" dirty="0"/>
+              <a:t>a</a:t>
+            </a:r>
+            <a:r>
+              <a:rPr lang="en-US" sz="7200" baseline="-25000" dirty="0">
+                <a:latin typeface="Cambria Math" pitchFamily="18" charset="0"/>
+                <a:ea typeface="Cambria Math" pitchFamily="18" charset="0"/>
+              </a:rPr>
+              <a:t>2</a:t>
+            </a:r>
+            <a:r>
+              <a:rPr lang="en-US" sz="7200" dirty="0">
+                <a:latin typeface="Cambria Math" pitchFamily="18" charset="0"/>
+                <a:ea typeface="Cambria Math" pitchFamily="18" charset="0"/>
+              </a:rPr>
+              <a:t>,…,</a:t>
+            </a:r>
+            <a:r>
+              <a:rPr lang="en-US" sz="7200" i="1" dirty="0">
+                <a:ea typeface="Cambria Math" pitchFamily="18" charset="0"/>
+              </a:rPr>
+              <a:t>a</a:t>
+            </a:r>
+            <a:r>
+              <a:rPr lang="en-US" sz="7200" i="1" baseline="-25000" dirty="0">
+                <a:ea typeface="Cambria Math" pitchFamily="18" charset="0"/>
+              </a:rPr>
+              <a:t>n</a:t>
+            </a:r>
+            <a:r>
+              <a:rPr lang="en-US" sz="7200" i="1" dirty="0">
+                <a:ea typeface="Cambria Math" pitchFamily="18" charset="0"/>
+              </a:rPr>
+              <a:t> </a:t>
+            </a:r>
+            <a:r>
+              <a:rPr lang="en-US" sz="7200" dirty="0">
+                <a:latin typeface="Cambria Math"/>
+                <a:ea typeface="Cambria Math"/>
+              </a:rPr>
+              <a:t>)</a:t>
+            </a:r>
+          </a:p>
+          <a:p>
+            <a:pPr marL="274320" lvl="0" indent="-274320">
+              <a:spcBef>
+                <a:spcPct val="20000"/>
+              </a:spcBef>
+              <a:buClr>
+                <a:schemeClr val="accent3"/>
+              </a:buClr>
+              <a:buSzPct val="95000"/>
+              <a:defRPr/>
+            </a:pPr>
+            <a:r>
+              <a:rPr lang="en-US" sz="7200" b="1" dirty="0"/>
+              <a:t>if  </a:t>
+            </a:r>
+            <a:r>
+              <a:rPr lang="en-US" sz="7200" i="1" dirty="0"/>
+              <a:t>n</a:t>
+            </a:r>
+            <a:r>
+              <a:rPr lang="en-US" sz="7200" b="1" dirty="0"/>
+              <a:t> </a:t>
+            </a:r>
+            <a:r>
+              <a:rPr lang="en-US" sz="7200" dirty="0"/>
+              <a:t> &gt; </a:t>
+            </a:r>
+            <a:r>
+              <a:rPr lang="en-US" sz="7200" dirty="0">
+                <a:latin typeface="Cambria Math" pitchFamily="18" charset="0"/>
+                <a:ea typeface="Cambria Math" pitchFamily="18" charset="0"/>
+              </a:rPr>
+              <a:t>1</a:t>
+            </a:r>
+            <a:r>
+              <a:rPr lang="en-US" sz="7200" dirty="0"/>
+              <a:t> </a:t>
+            </a:r>
+            <a:r>
+              <a:rPr kumimoji="0" lang="en-US" sz="7200" b="1" i="0" u="none" strike="noStrike" kern="1200" cap="none" spc="0" normalizeH="0" baseline="0" noProof="0" dirty="0">
+                <a:ln>
+                  <a:noFill/>
+                </a:ln>
+                <a:solidFill>
+                  <a:schemeClr val="tx1"/>
+                </a:solidFill>
+                <a:effectLst/>
+                <a:uLnTx/>
+                <a:uFillTx/>
+                <a:latin typeface="Cambria Math" pitchFamily="18" charset="0"/>
+                <a:ea typeface="Cambria Math" pitchFamily="18" charset="0"/>
+              </a:rPr>
+              <a:t>then</a:t>
+            </a:r>
+            <a:r>
+              <a:rPr kumimoji="0" lang="en-US" sz="7200" b="1" i="0" u="none" strike="noStrike" kern="1200" cap="none" spc="0" normalizeH="0" noProof="0" dirty="0">
+                <a:ln>
+                  <a:noFill/>
+                </a:ln>
+                <a:solidFill>
+                  <a:schemeClr val="tx1"/>
+                </a:solidFill>
+                <a:effectLst/>
+                <a:uLnTx/>
+                <a:uFillTx/>
+                <a:latin typeface="Cambria Math" pitchFamily="18" charset="0"/>
+                <a:ea typeface="Cambria Math" pitchFamily="18" charset="0"/>
+              </a:rPr>
+              <a:t> </a:t>
+            </a:r>
+          </a:p>
+          <a:p>
+            <a:pPr marL="274320" indent="-274320">
+              <a:spcBef>
+                <a:spcPct val="20000"/>
+              </a:spcBef>
+              <a:buClr>
+                <a:schemeClr val="accent3"/>
+              </a:buClr>
+              <a:buSzPct val="95000"/>
+              <a:defRPr/>
+            </a:pPr>
+            <a:r>
+              <a:rPr lang="en-US" sz="7200" i="1" dirty="0">
+                <a:ea typeface="Cambria Math"/>
+              </a:rPr>
+              <a:t>         m</a:t>
+            </a:r>
+            <a:r>
+              <a:rPr lang="en-US" sz="7200" dirty="0">
+                <a:latin typeface="Cambria Math"/>
+                <a:ea typeface="Cambria Math"/>
+              </a:rPr>
+              <a:t> := ⌊</a:t>
+            </a:r>
+            <a:r>
+              <a:rPr lang="en-US" sz="7200" i="1" dirty="0">
+                <a:latin typeface="Cambria Math"/>
+                <a:ea typeface="Cambria Math"/>
+              </a:rPr>
+              <a:t>n</a:t>
+            </a:r>
+            <a:r>
+              <a:rPr lang="en-US" sz="7200" dirty="0">
+                <a:latin typeface="Cambria Math"/>
+                <a:ea typeface="Cambria Math"/>
+              </a:rPr>
+              <a:t>/2⌋</a:t>
+            </a:r>
+            <a:endParaRPr lang="en-US" sz="7200" dirty="0"/>
+          </a:p>
+          <a:p>
+            <a:pPr marL="274320" lvl="0" indent="-274320">
+              <a:spcBef>
+                <a:spcPct val="20000"/>
+              </a:spcBef>
+              <a:buClr>
+                <a:schemeClr val="accent3"/>
+              </a:buClr>
+              <a:buSzPct val="95000"/>
+              <a:defRPr/>
+            </a:pPr>
+            <a:r>
+              <a:rPr kumimoji="0" lang="en-US" sz="7200" i="1" u="none" strike="noStrike" kern="1200" cap="none" spc="0" normalizeH="0" noProof="0" dirty="0">
+                <a:ln>
+                  <a:noFill/>
+                </a:ln>
+                <a:solidFill>
+                  <a:schemeClr val="tx1"/>
+                </a:solidFill>
+                <a:effectLst/>
+                <a:uLnTx/>
+                <a:uFillTx/>
+                <a:ea typeface="Cambria Math" pitchFamily="18" charset="0"/>
+              </a:rPr>
+              <a:t>         L</a:t>
+            </a:r>
+            <a:r>
+              <a:rPr kumimoji="0" lang="en-US" sz="7200" u="none" strike="noStrike" kern="1200" cap="none" spc="0" normalizeH="0" baseline="-25000" noProof="0" dirty="0">
+                <a:ln>
+                  <a:noFill/>
+                </a:ln>
+                <a:solidFill>
+                  <a:schemeClr val="tx1"/>
+                </a:solidFill>
+                <a:effectLst/>
+                <a:uLnTx/>
+                <a:uFillTx/>
+                <a:latin typeface="Cambria Math" pitchFamily="18" charset="0"/>
+                <a:ea typeface="Cambria Math" pitchFamily="18" charset="0"/>
+              </a:rPr>
+              <a:t>1</a:t>
+            </a:r>
+            <a:r>
+              <a:rPr kumimoji="0" lang="en-US" sz="7200" i="1" u="none" strike="noStrike" kern="1200" cap="none" spc="0" normalizeH="0" noProof="0" dirty="0">
+                <a:ln>
+                  <a:noFill/>
+                </a:ln>
+                <a:solidFill>
+                  <a:schemeClr val="tx1"/>
+                </a:solidFill>
+                <a:effectLst/>
+                <a:uLnTx/>
+                <a:uFillTx/>
+                <a:ea typeface="Cambria Math" pitchFamily="18" charset="0"/>
+              </a:rPr>
+              <a:t> </a:t>
+            </a:r>
+            <a:r>
+              <a:rPr kumimoji="0" lang="en-US" sz="7200" u="none" strike="noStrike" kern="1200" cap="none" spc="0" normalizeH="0" noProof="0" dirty="0">
+                <a:ln>
+                  <a:noFill/>
+                </a:ln>
+                <a:solidFill>
+                  <a:schemeClr val="tx1"/>
+                </a:solidFill>
+                <a:effectLst/>
+                <a:uLnTx/>
+                <a:uFillTx/>
+                <a:ea typeface="Cambria Math" pitchFamily="18" charset="0"/>
+              </a:rPr>
+              <a:t>:</a:t>
+            </a:r>
+            <a:r>
+              <a:rPr kumimoji="0" lang="en-US" sz="7200" i="1" u="none" strike="noStrike" kern="1200" cap="none" spc="0" normalizeH="0" noProof="0" dirty="0">
+                <a:ln>
+                  <a:noFill/>
+                </a:ln>
+                <a:solidFill>
+                  <a:schemeClr val="tx1"/>
+                </a:solidFill>
+                <a:effectLst/>
+                <a:uLnTx/>
+                <a:uFillTx/>
+                <a:ea typeface="Cambria Math" pitchFamily="18" charset="0"/>
+              </a:rPr>
+              <a:t>= </a:t>
+            </a:r>
+            <a:r>
+              <a:rPr lang="en-US" sz="7200" i="1" dirty="0"/>
+              <a:t>a</a:t>
+            </a:r>
+            <a:r>
+              <a:rPr lang="en-US" sz="7200" baseline="-25000" dirty="0">
+                <a:latin typeface="Cambria Math" pitchFamily="18" charset="0"/>
+                <a:ea typeface="Cambria Math" pitchFamily="18" charset="0"/>
+              </a:rPr>
+              <a:t>1</a:t>
+            </a:r>
+            <a:r>
+              <a:rPr lang="en-US" sz="7200" dirty="0">
+                <a:latin typeface="Cambria Math" pitchFamily="18" charset="0"/>
+                <a:ea typeface="Cambria Math" pitchFamily="18" charset="0"/>
+              </a:rPr>
+              <a:t>, </a:t>
+            </a:r>
+            <a:r>
+              <a:rPr lang="en-US" sz="7200" i="1" dirty="0"/>
+              <a:t>a</a:t>
+            </a:r>
+            <a:r>
+              <a:rPr lang="en-US" sz="7200" baseline="-25000" dirty="0">
+                <a:latin typeface="Cambria Math" pitchFamily="18" charset="0"/>
+                <a:ea typeface="Cambria Math" pitchFamily="18" charset="0"/>
+              </a:rPr>
+              <a:t>2</a:t>
+            </a:r>
+            <a:r>
+              <a:rPr lang="en-US" sz="7200" dirty="0">
+                <a:latin typeface="Cambria Math" pitchFamily="18" charset="0"/>
+                <a:ea typeface="Cambria Math" pitchFamily="18" charset="0"/>
+              </a:rPr>
+              <a:t>,…,</a:t>
+            </a:r>
+            <a:r>
+              <a:rPr lang="en-US" sz="7200" i="1" dirty="0">
+                <a:ea typeface="Cambria Math" pitchFamily="18" charset="0"/>
+              </a:rPr>
+              <a:t>a</a:t>
+            </a:r>
+            <a:r>
+              <a:rPr lang="en-US" sz="7200" i="1" baseline="-25000" dirty="0">
+                <a:ea typeface="Cambria Math" pitchFamily="18" charset="0"/>
+              </a:rPr>
+              <a:t>m</a:t>
+            </a:r>
+            <a:r>
+              <a:rPr lang="en-US" sz="7200" i="1" dirty="0">
+                <a:ea typeface="Cambria Math" pitchFamily="18" charset="0"/>
+              </a:rPr>
+              <a:t> </a:t>
+            </a:r>
+          </a:p>
+          <a:p>
+            <a:pPr marL="274320" lvl="0" indent="-274320">
+              <a:spcBef>
+                <a:spcPct val="20000"/>
+              </a:spcBef>
+              <a:buClr>
+                <a:schemeClr val="accent3"/>
+              </a:buClr>
+              <a:buSzPct val="95000"/>
+              <a:defRPr/>
+            </a:pPr>
+            <a:r>
+              <a:rPr lang="en-US" sz="7200" i="1" dirty="0">
+                <a:ea typeface="Cambria Math" pitchFamily="18" charset="0"/>
+              </a:rPr>
+              <a:t>         L</a:t>
+            </a:r>
+            <a:r>
+              <a:rPr lang="en-US" sz="7200" baseline="-25000" dirty="0">
+                <a:latin typeface="Cambria Math" pitchFamily="18" charset="0"/>
+                <a:ea typeface="Cambria Math" pitchFamily="18" charset="0"/>
+              </a:rPr>
+              <a:t>2</a:t>
+            </a:r>
+            <a:r>
+              <a:rPr lang="en-US" sz="7200" i="1" dirty="0">
+                <a:ea typeface="Cambria Math" pitchFamily="18" charset="0"/>
+              </a:rPr>
+              <a:t> </a:t>
+            </a:r>
+            <a:r>
+              <a:rPr lang="en-US" sz="7200" dirty="0">
+                <a:ea typeface="Cambria Math" pitchFamily="18" charset="0"/>
+              </a:rPr>
+              <a:t>:</a:t>
+            </a:r>
+            <a:r>
+              <a:rPr lang="en-US" sz="7200" i="1" dirty="0">
+                <a:ea typeface="Cambria Math" pitchFamily="18" charset="0"/>
+              </a:rPr>
+              <a:t>= </a:t>
+            </a:r>
+            <a:r>
+              <a:rPr lang="en-US" sz="7200" i="1" dirty="0"/>
+              <a:t>a</a:t>
+            </a:r>
+            <a:r>
+              <a:rPr lang="en-US" sz="7200" i="1" baseline="-25000" dirty="0">
+                <a:ea typeface="Cambria Math" pitchFamily="18" charset="0"/>
+              </a:rPr>
+              <a:t>m</a:t>
+            </a:r>
+            <a:r>
+              <a:rPr lang="en-US" sz="7200" baseline="-25000" dirty="0">
+                <a:latin typeface="Cambria Math" pitchFamily="18" charset="0"/>
+                <a:ea typeface="Cambria Math" pitchFamily="18" charset="0"/>
+              </a:rPr>
+              <a:t>+1</a:t>
+            </a:r>
+            <a:r>
+              <a:rPr lang="en-US" sz="7200" dirty="0">
+                <a:latin typeface="Cambria Math" pitchFamily="18" charset="0"/>
+                <a:ea typeface="Cambria Math" pitchFamily="18" charset="0"/>
+              </a:rPr>
+              <a:t>, </a:t>
+            </a:r>
+            <a:r>
+              <a:rPr lang="en-US" sz="7200" i="1" dirty="0"/>
+              <a:t>a</a:t>
+            </a:r>
+            <a:r>
+              <a:rPr lang="en-US" sz="7200" i="1" baseline="-25000" dirty="0">
+                <a:ea typeface="Cambria Math" pitchFamily="18" charset="0"/>
+              </a:rPr>
+              <a:t>m</a:t>
+            </a:r>
+            <a:r>
+              <a:rPr lang="en-US" sz="7200" baseline="-25000" dirty="0">
+                <a:latin typeface="Cambria Math" pitchFamily="18" charset="0"/>
+                <a:ea typeface="Cambria Math" pitchFamily="18" charset="0"/>
+              </a:rPr>
+              <a:t>+2</a:t>
+            </a:r>
+            <a:r>
+              <a:rPr lang="en-US" sz="7200" dirty="0">
+                <a:latin typeface="Cambria Math" pitchFamily="18" charset="0"/>
+                <a:ea typeface="Cambria Math" pitchFamily="18" charset="0"/>
+              </a:rPr>
+              <a:t>,…,</a:t>
+            </a:r>
+            <a:r>
+              <a:rPr lang="en-US" sz="7200" i="1" dirty="0">
+                <a:ea typeface="Cambria Math" pitchFamily="18" charset="0"/>
+              </a:rPr>
+              <a:t>a</a:t>
+            </a:r>
+            <a:r>
+              <a:rPr lang="en-US" sz="7200" i="1" baseline="-25000" dirty="0">
+                <a:ea typeface="Cambria Math" pitchFamily="18" charset="0"/>
+              </a:rPr>
+              <a:t>n</a:t>
+            </a:r>
+          </a:p>
+          <a:p>
+            <a:pPr marL="274320" lvl="0" indent="-274320">
+              <a:spcBef>
+                <a:spcPct val="20000"/>
+              </a:spcBef>
+              <a:buClr>
+                <a:schemeClr val="accent3"/>
+              </a:buClr>
+              <a:buSzPct val="95000"/>
+              <a:defRPr/>
+            </a:pPr>
+            <a:r>
+              <a:rPr lang="en-US" sz="7200" i="1" dirty="0">
+                <a:ea typeface="Cambria Math" pitchFamily="18" charset="0"/>
+              </a:rPr>
+              <a:t>         L</a:t>
+            </a:r>
+            <a:r>
+              <a:rPr lang="en-US" sz="7200" baseline="-25000" dirty="0">
+                <a:latin typeface="Cambria Math" pitchFamily="18" charset="0"/>
+                <a:ea typeface="Cambria Math" pitchFamily="18" charset="0"/>
+              </a:rPr>
+              <a:t> </a:t>
+            </a:r>
+            <a:r>
+              <a:rPr lang="en-US" sz="7200" dirty="0">
+                <a:latin typeface="Cambria Math" pitchFamily="18" charset="0"/>
+                <a:ea typeface="Cambria Math" pitchFamily="18" charset="0"/>
+              </a:rPr>
+              <a:t> </a:t>
+            </a:r>
+            <a:r>
+              <a:rPr lang="en-US" sz="7200" i="1" dirty="0">
+                <a:ea typeface="Cambria Math" pitchFamily="18" charset="0"/>
+              </a:rPr>
+              <a:t> </a:t>
+            </a:r>
+            <a:r>
+              <a:rPr lang="en-US" sz="7200" dirty="0">
+                <a:ea typeface="Cambria Math" pitchFamily="18" charset="0"/>
+              </a:rPr>
+              <a:t>:</a:t>
+            </a:r>
+            <a:r>
+              <a:rPr lang="en-US" sz="7200" i="1" dirty="0">
+                <a:ea typeface="Cambria Math" pitchFamily="18" charset="0"/>
+              </a:rPr>
+              <a:t>= merge</a:t>
+            </a:r>
+            <a:r>
+              <a:rPr lang="en-US" sz="7200" dirty="0">
+                <a:ea typeface="Cambria Math" pitchFamily="18" charset="0"/>
+              </a:rPr>
+              <a:t>(</a:t>
+            </a:r>
+            <a:r>
+              <a:rPr lang="en-US" sz="7200" i="1" dirty="0" err="1">
+                <a:ea typeface="Cambria Math" pitchFamily="18" charset="0"/>
+              </a:rPr>
+              <a:t>mergesort</a:t>
+            </a:r>
+            <a:r>
+              <a:rPr lang="en-US" sz="7200" dirty="0">
+                <a:ea typeface="Cambria Math" pitchFamily="18" charset="0"/>
+              </a:rPr>
+              <a:t>(</a:t>
+            </a:r>
+            <a:r>
+              <a:rPr lang="en-US" sz="7200" i="1" dirty="0">
+                <a:ea typeface="Cambria Math" pitchFamily="18" charset="0"/>
+              </a:rPr>
+              <a:t>L</a:t>
+            </a:r>
+            <a:r>
+              <a:rPr lang="en-US" sz="7200" baseline="-25000" dirty="0">
+                <a:latin typeface="Cambria Math" pitchFamily="18" charset="0"/>
+                <a:ea typeface="Cambria Math" pitchFamily="18" charset="0"/>
+              </a:rPr>
+              <a:t>1</a:t>
+            </a:r>
+            <a:r>
+              <a:rPr lang="en-US" sz="7200" dirty="0">
+                <a:ea typeface="Cambria Math" pitchFamily="18" charset="0"/>
+              </a:rPr>
+              <a:t>)</a:t>
+            </a:r>
+            <a:r>
+              <a:rPr lang="en-US" sz="7200" i="1" dirty="0">
+                <a:ea typeface="Cambria Math" pitchFamily="18" charset="0"/>
+              </a:rPr>
+              <a:t>, </a:t>
+            </a:r>
+            <a:r>
+              <a:rPr lang="en-US" sz="7200" i="1" dirty="0" err="1">
+                <a:ea typeface="Cambria Math" pitchFamily="18" charset="0"/>
+              </a:rPr>
+              <a:t>mergesort</a:t>
+            </a:r>
+            <a:r>
+              <a:rPr lang="en-US" sz="7200" dirty="0">
+                <a:ea typeface="Cambria Math" pitchFamily="18" charset="0"/>
+              </a:rPr>
+              <a:t>(</a:t>
+            </a:r>
+            <a:r>
+              <a:rPr lang="en-US" sz="7200" i="1" dirty="0">
+                <a:ea typeface="Cambria Math" pitchFamily="18" charset="0"/>
+              </a:rPr>
+              <a:t>L</a:t>
+            </a:r>
+            <a:r>
+              <a:rPr lang="en-US" sz="7200" baseline="-25000" dirty="0">
+                <a:latin typeface="Cambria Math" pitchFamily="18" charset="0"/>
+                <a:ea typeface="Cambria Math" pitchFamily="18" charset="0"/>
+              </a:rPr>
+              <a:t>2</a:t>
+            </a:r>
+            <a:r>
+              <a:rPr lang="en-US" sz="7200" i="1" dirty="0">
+                <a:ea typeface="Cambria Math" pitchFamily="18" charset="0"/>
+              </a:rPr>
+              <a:t> </a:t>
+            </a:r>
+            <a:r>
+              <a:rPr lang="en-US" sz="7200" dirty="0">
+                <a:ea typeface="Cambria Math" pitchFamily="18" charset="0"/>
+              </a:rPr>
+              <a:t>))</a:t>
+            </a:r>
+            <a:endParaRPr kumimoji="0" lang="en-US" sz="7200" u="none" strike="noStrike" kern="1200" cap="none" spc="0" normalizeH="0" noProof="0" dirty="0">
+              <a:ln>
+                <a:noFill/>
+              </a:ln>
+              <a:solidFill>
+                <a:schemeClr val="tx1"/>
+              </a:solidFill>
+              <a:effectLst/>
+              <a:uLnTx/>
+              <a:uFillTx/>
+              <a:ea typeface="Cambria Math" pitchFamily="18" charset="0"/>
+            </a:endParaRPr>
+          </a:p>
+          <a:p>
+            <a:pPr marL="274320" lvl="0" indent="-274320">
+              <a:spcBef>
+                <a:spcPct val="20000"/>
+              </a:spcBef>
+              <a:buClr>
+                <a:schemeClr val="accent3"/>
+              </a:buClr>
+              <a:buSzPct val="95000"/>
+              <a:defRPr/>
+            </a:pPr>
+            <a:r>
+              <a:rPr lang="en-US" sz="7200" noProof="0" dirty="0">
+                <a:ea typeface="Cambria Math" pitchFamily="18" charset="0"/>
+              </a:rPr>
+              <a:t>{</a:t>
+            </a:r>
+            <a:r>
+              <a:rPr lang="en-US" sz="7200" i="1" noProof="0" dirty="0">
+                <a:ea typeface="Cambria Math" pitchFamily="18" charset="0"/>
+              </a:rPr>
+              <a:t>L</a:t>
+            </a:r>
+            <a:r>
+              <a:rPr lang="en-US" sz="7200" noProof="0" dirty="0">
+                <a:ea typeface="Cambria Math" pitchFamily="18" charset="0"/>
+              </a:rPr>
+              <a:t> is now sorted into elements in increasing order}</a:t>
+            </a:r>
+            <a:endParaRPr kumimoji="0" lang="en-US" sz="7200" u="none" strike="noStrike" kern="1200" cap="none" spc="0" normalizeH="0" baseline="0" noProof="0" dirty="0">
+              <a:ln>
+                <a:noFill/>
+              </a:ln>
+              <a:solidFill>
+                <a:schemeClr val="tx1"/>
+              </a:solidFill>
+              <a:effectLst/>
+              <a:uLnTx/>
+              <a:uFillTx/>
+              <a:ea typeface="Cambria Math" pitchFamily="18" charset="0"/>
+            </a:endParaRPr>
+          </a:p>
+          <a:p>
+            <a:pPr marL="274320" lvl="0" indent="-274320">
+              <a:spcBef>
+                <a:spcPct val="20000"/>
+              </a:spcBef>
+              <a:buClr>
+                <a:schemeClr val="accent3"/>
+              </a:buClr>
+              <a:buSzPct val="95000"/>
+            </a:pPr>
+            <a:endParaRPr lang="en-US" sz="2600" i="1" baseline="-25000" dirty="0"/>
+          </a:p>
+          <a:p>
+            <a:pPr marL="274320" lvl="0" indent="-274320">
+              <a:spcBef>
+                <a:spcPct val="20000"/>
+              </a:spcBef>
+              <a:buClr>
+                <a:schemeClr val="accent3"/>
+              </a:buClr>
+              <a:buSzPct val="95000"/>
+            </a:pPr>
+            <a:endParaRPr kumimoji="0" lang="en-US" sz="2600" b="0" i="1" u="none" strike="noStrike" kern="1200" cap="none" spc="0" normalizeH="0" baseline="0" noProof="0" dirty="0">
+              <a:ln>
+                <a:noFill/>
+              </a:ln>
+              <a:solidFill>
+                <a:schemeClr val="tx1"/>
+              </a:solidFill>
+              <a:effectLst/>
+              <a:uLnTx/>
+              <a:uFillTx/>
+              <a:latin typeface="+mn-lt"/>
+              <a:ea typeface="+mn-ea"/>
+              <a:cs typeface="+mn-cs"/>
+            </a:endParaRPr>
+          </a:p>
+          <a:p>
+            <a:pPr marL="274320" marR="0" lvl="0" indent="-274320" algn="l" defTabSz="914400" rtl="0" eaLnBrk="1" fontAlgn="auto" latinLnBrk="0" hangingPunct="1">
+              <a:lnSpc>
+                <a:spcPct val="100000"/>
+              </a:lnSpc>
+              <a:spcBef>
+                <a:spcPct val="20000"/>
+              </a:spcBef>
+              <a:spcAft>
+                <a:spcPts val="0"/>
+              </a:spcAft>
+              <a:buClr>
+                <a:schemeClr val="accent3"/>
+              </a:buClr>
+              <a:buSzPct val="95000"/>
+              <a:buFont typeface="Wingdings 2"/>
+              <a:buNone/>
+              <a:tabLst/>
+              <a:defRPr/>
+            </a:pPr>
+            <a:r>
+              <a:rPr kumimoji="0" lang="en-US" sz="2600" b="0" i="0" u="none" strike="noStrike" kern="1200" cap="none" spc="0" normalizeH="0" baseline="0" noProof="0" dirty="0">
+                <a:ln>
+                  <a:noFill/>
+                </a:ln>
+                <a:solidFill>
+                  <a:schemeClr val="tx1"/>
+                </a:solidFill>
+                <a:effectLst/>
+                <a:uLnTx/>
+                <a:uFillTx/>
+                <a:latin typeface="+mn-lt"/>
+                <a:ea typeface="+mn-ea"/>
+                <a:cs typeface="+mn-cs"/>
+              </a:rPr>
+              <a:t>         </a:t>
+            </a:r>
+            <a:endParaRPr kumimoji="0" lang="en-US" sz="2600" b="0" i="0" u="none" strike="noStrike" kern="1200" cap="none" spc="0" normalizeH="0" baseline="0" noProof="0" dirty="0">
+              <a:ln>
+                <a:noFill/>
+              </a:ln>
+              <a:solidFill>
+                <a:schemeClr val="tx1"/>
+              </a:solidFill>
+              <a:effectLst/>
+              <a:uLnTx/>
+              <a:uFillTx/>
+              <a:latin typeface="Cambria Math" pitchFamily="18" charset="0"/>
+              <a:ea typeface="Cambria Math" pitchFamily="18" charset="0"/>
+            </a:endParaRPr>
+          </a:p>
+          <a:p>
+            <a:pPr marL="274320" marR="0" lvl="0" indent="-274320" algn="l" defTabSz="914400" rtl="0" eaLnBrk="1" fontAlgn="auto" latinLnBrk="0" hangingPunct="1">
+              <a:lnSpc>
+                <a:spcPct val="100000"/>
+              </a:lnSpc>
+              <a:spcBef>
+                <a:spcPct val="20000"/>
+              </a:spcBef>
+              <a:spcAft>
+                <a:spcPts val="0"/>
+              </a:spcAft>
+              <a:buClr>
+                <a:schemeClr val="accent3"/>
+              </a:buClr>
+              <a:buSzPct val="95000"/>
+              <a:buFont typeface="Wingdings 2"/>
+              <a:buNone/>
+              <a:tabLst/>
+              <a:defRPr/>
+            </a:pPr>
+            <a:r>
+              <a:rPr kumimoji="0" lang="en-US" sz="2600" b="0" i="0" u="none" strike="noStrike" kern="1200" cap="none" spc="0" normalizeH="0" baseline="0" noProof="0" dirty="0">
+                <a:ln>
+                  <a:noFill/>
+                </a:ln>
+                <a:solidFill>
+                  <a:schemeClr val="tx1"/>
+                </a:solidFill>
+                <a:effectLst/>
+                <a:uLnTx/>
+                <a:uFillTx/>
+                <a:latin typeface="+mn-lt"/>
+                <a:ea typeface="+mn-ea"/>
+                <a:cs typeface="+mn-cs"/>
+              </a:rPr>
+              <a:t>    </a:t>
+            </a:r>
+            <a:endParaRPr kumimoji="0" lang="en-US" sz="2600" b="0" i="1" u="none" strike="noStrike" kern="1200" cap="none" spc="0" normalizeH="0" baseline="0" noProof="0" dirty="0">
+              <a:ln>
+                <a:noFill/>
+              </a:ln>
+              <a:solidFill>
+                <a:schemeClr val="tx1"/>
+              </a:solidFill>
+              <a:effectLst/>
+              <a:uLnTx/>
+              <a:uFillTx/>
+              <a:latin typeface="+mn-lt"/>
+              <a:ea typeface="+mn-ea"/>
+              <a:cs typeface="+mn-cs"/>
+            </a:endParaRPr>
+          </a:p>
+        </p:txBody>
+      </p:sp>
+      <p:sp>
+        <p:nvSpPr>
+          <p:cNvPr id="6" name="TextBox 5"/>
+          <p:cNvSpPr txBox="1"/>
+          <p:nvPr/>
+        </p:nvSpPr>
+        <p:spPr>
+          <a:xfrm>
+            <a:off x="7391400" y="6324600"/>
+            <a:ext cx="1524000" cy="369332"/>
+          </a:xfrm>
+          <a:prstGeom prst="rect">
+            <a:avLst/>
+          </a:prstGeom>
+          <a:noFill/>
+        </p:spPr>
+        <p:txBody>
+          <a:bodyPr wrap="square" rtlCol="0">
+            <a:spAutoFit/>
+          </a:bodyPr>
+          <a:lstStyle/>
+          <a:p>
+            <a:r>
+              <a:rPr lang="en-US" i="1" dirty="0"/>
+              <a:t>continued</a:t>
+            </a:r>
+            <a:r>
+              <a:rPr lang="en-US" dirty="0"/>
+              <a:t> </a:t>
+            </a:r>
+            <a:r>
+              <a:rPr lang="en-US" dirty="0">
+                <a:latin typeface="Cambria Math"/>
+                <a:ea typeface="Cambria Math"/>
+              </a:rPr>
+              <a:t>→</a:t>
+            </a:r>
+            <a:r>
+              <a:rPr lang="en-US" dirty="0"/>
+              <a:t> </a:t>
+            </a:r>
+          </a:p>
+        </p:txBody>
+      </p:sp>
     </p:spTree>
   </p:cSld>
   <p:clrMapOvr>
@@ -37318,6 +36933,865 @@
           <a:p>
             <a:r>
               <a:rPr lang="en-US" dirty="0"/>
+              <a:t>Recursive Merge Sort</a:t>
+            </a:r>
+          </a:p>
+        </p:txBody>
+      </p:sp>
+      <p:sp>
+        <p:nvSpPr>
+          <p:cNvPr id="3" name="Content Placeholder 2"/>
+          <p:cNvSpPr>
+            <a:spLocks noGrp="1"/>
+          </p:cNvSpPr>
+          <p:nvPr>
+            <p:ph idx="1"/>
+          </p:nvPr>
+        </p:nvSpPr>
+        <p:spPr/>
+        <p:txBody>
+          <a:bodyPr>
+            <a:normAutofit lnSpcReduction="10000"/>
+          </a:bodyPr>
+          <a:lstStyle/>
+          <a:p>
+            <a:r>
+              <a:rPr lang="en-US" dirty="0"/>
+              <a:t>Subroutine </a:t>
+            </a:r>
+            <a:r>
+              <a:rPr lang="en-US" i="1" dirty="0"/>
+              <a:t>merge</a:t>
+            </a:r>
+            <a:r>
+              <a:rPr lang="en-US" dirty="0"/>
+              <a:t>, which merges two sorted lists.</a:t>
+            </a:r>
+          </a:p>
+          <a:p>
+            <a:endParaRPr lang="en-US" dirty="0"/>
+          </a:p>
+          <a:p>
+            <a:endParaRPr lang="en-US" dirty="0"/>
+          </a:p>
+          <a:p>
+            <a:endParaRPr lang="en-US" dirty="0"/>
+          </a:p>
+          <a:p>
+            <a:endParaRPr lang="en-US" dirty="0"/>
+          </a:p>
+          <a:p>
+            <a:endParaRPr lang="en-US" dirty="0"/>
+          </a:p>
+          <a:p>
+            <a:endParaRPr lang="en-US" dirty="0"/>
+          </a:p>
+          <a:p>
+            <a:pPr>
+              <a:buNone/>
+            </a:pPr>
+            <a:r>
+              <a:rPr lang="en-US" b="1" dirty="0"/>
+              <a:t>   Complexity of Merge</a:t>
+            </a:r>
+            <a:r>
+              <a:rPr lang="en-US" dirty="0"/>
+              <a:t>: Two sorted lists with </a:t>
+            </a:r>
+            <a:r>
+              <a:rPr lang="en-US" i="1" dirty="0"/>
+              <a:t>m</a:t>
+            </a:r>
+            <a:r>
+              <a:rPr lang="en-US" dirty="0"/>
+              <a:t> elements and </a:t>
+            </a:r>
+            <a:r>
+              <a:rPr lang="en-US" i="1" dirty="0"/>
+              <a:t>n</a:t>
+            </a:r>
+            <a:r>
+              <a:rPr lang="en-US" dirty="0"/>
+              <a:t> elements can be merged into a sorted list using no more than </a:t>
+            </a:r>
+            <a:r>
+              <a:rPr lang="en-US" i="1" dirty="0"/>
+              <a:t>m</a:t>
+            </a:r>
+            <a:r>
+              <a:rPr lang="en-US" dirty="0"/>
+              <a:t> + </a:t>
+            </a:r>
+            <a:r>
+              <a:rPr lang="en-US" i="1" dirty="0"/>
+              <a:t>n</a:t>
+            </a:r>
+            <a:r>
+              <a:rPr lang="en-US" dirty="0"/>
+              <a:t> </a:t>
+            </a:r>
+            <a:r>
+              <a:rPr lang="en-US" dirty="0">
+                <a:latin typeface="Cambria Math"/>
+                <a:ea typeface="Cambria Math"/>
+              </a:rPr>
+              <a:t>−</a:t>
+            </a:r>
+            <a:r>
+              <a:rPr lang="en-US" dirty="0"/>
+              <a:t> </a:t>
+            </a:r>
+            <a:r>
+              <a:rPr lang="en-US" dirty="0">
+                <a:latin typeface="Cambria Math" pitchFamily="18" charset="0"/>
+                <a:ea typeface="Cambria Math" pitchFamily="18" charset="0"/>
+              </a:rPr>
+              <a:t>1</a:t>
+            </a:r>
+            <a:r>
+              <a:rPr lang="en-US" dirty="0"/>
+              <a:t> comparisons.</a:t>
+            </a:r>
+          </a:p>
+        </p:txBody>
+      </p:sp>
+      <p:sp>
+        <p:nvSpPr>
+          <p:cNvPr id="4" name="Content Placeholder 2"/>
+          <p:cNvSpPr txBox="1">
+            <a:spLocks/>
+          </p:cNvSpPr>
+          <p:nvPr/>
+        </p:nvSpPr>
+        <p:spPr>
+          <a:xfrm>
+            <a:off x="1066800" y="2438400"/>
+            <a:ext cx="7391400" cy="2514600"/>
+          </a:xfrm>
+          <a:prstGeom prst="rect">
+            <a:avLst/>
+          </a:prstGeom>
+          <a:ln>
+            <a:solidFill>
+              <a:schemeClr val="accent1"/>
+            </a:solidFill>
+          </a:ln>
+        </p:spPr>
+        <p:txBody>
+          <a:bodyPr vert="horz">
+            <a:normAutofit fontScale="25000" lnSpcReduction="20000"/>
+          </a:bodyPr>
+          <a:lstStyle/>
+          <a:p>
+            <a:pPr marL="274320" lvl="0" indent="-274320">
+              <a:spcBef>
+                <a:spcPct val="20000"/>
+              </a:spcBef>
+              <a:buClr>
+                <a:schemeClr val="accent3"/>
+              </a:buClr>
+              <a:buSzPct val="95000"/>
+              <a:defRPr/>
+            </a:pPr>
+            <a:r>
+              <a:rPr lang="en-US" sz="7200" b="1" dirty="0"/>
+              <a:t>procedure</a:t>
+            </a:r>
+            <a:r>
+              <a:rPr kumimoji="0" lang="en-US" sz="7200" b="1" i="0" u="none" strike="noStrike" kern="1200" cap="none" spc="0" normalizeH="0" baseline="0" noProof="0" dirty="0">
+                <a:ln>
+                  <a:noFill/>
+                </a:ln>
+                <a:solidFill>
+                  <a:schemeClr val="tx1"/>
+                </a:solidFill>
+                <a:effectLst/>
+                <a:uLnTx/>
+                <a:uFillTx/>
+                <a:latin typeface="+mn-lt"/>
+                <a:ea typeface="+mn-ea"/>
+                <a:cs typeface="+mn-cs"/>
+              </a:rPr>
+              <a:t> </a:t>
+            </a:r>
+            <a:r>
+              <a:rPr lang="en-US" sz="7200" i="1" noProof="0" dirty="0"/>
+              <a:t> merge</a:t>
+            </a:r>
+            <a:r>
+              <a:rPr kumimoji="0" lang="en-US" sz="7200" i="0" u="none" strike="noStrike" kern="1200" cap="none" spc="0" normalizeH="0" baseline="0" noProof="0" dirty="0">
+                <a:ln>
+                  <a:noFill/>
+                </a:ln>
+                <a:solidFill>
+                  <a:schemeClr val="tx1"/>
+                </a:solidFill>
+                <a:effectLst/>
+                <a:uLnTx/>
+                <a:uFillTx/>
+                <a:latin typeface="+mn-lt"/>
+                <a:ea typeface="+mn-ea"/>
+                <a:cs typeface="+mn-cs"/>
+              </a:rPr>
+              <a:t>(</a:t>
+            </a:r>
+            <a:r>
+              <a:rPr lang="en-US" sz="7200" i="1" dirty="0">
+                <a:ea typeface="Cambria Math" pitchFamily="18" charset="0"/>
+              </a:rPr>
+              <a:t>L</a:t>
+            </a:r>
+            <a:r>
+              <a:rPr lang="en-US" sz="7200" baseline="-25000" dirty="0">
+                <a:latin typeface="Cambria Math" pitchFamily="18" charset="0"/>
+                <a:ea typeface="Cambria Math" pitchFamily="18" charset="0"/>
+              </a:rPr>
+              <a:t>1</a:t>
+            </a:r>
+            <a:r>
+              <a:rPr lang="en-US" sz="7200" i="1" dirty="0"/>
+              <a:t>, </a:t>
+            </a:r>
+            <a:r>
+              <a:rPr lang="en-US" sz="7200" i="1" dirty="0">
+                <a:ea typeface="Cambria Math" pitchFamily="18" charset="0"/>
+              </a:rPr>
+              <a:t>L</a:t>
+            </a:r>
+            <a:r>
+              <a:rPr lang="en-US" sz="7200" baseline="-25000" dirty="0">
+                <a:latin typeface="Cambria Math" pitchFamily="18" charset="0"/>
+                <a:ea typeface="Cambria Math" pitchFamily="18" charset="0"/>
+              </a:rPr>
+              <a:t>2</a:t>
+            </a:r>
+            <a:r>
+              <a:rPr lang="en-US" sz="7200" i="1" dirty="0"/>
+              <a:t> </a:t>
+            </a:r>
+            <a:r>
+              <a:rPr lang="en-US" sz="7200" dirty="0"/>
+              <a:t>:</a:t>
+            </a:r>
+            <a:r>
+              <a:rPr lang="en-US" sz="7200" dirty="0">
+                <a:ea typeface="Cambria Math" pitchFamily="18" charset="0"/>
+              </a:rPr>
+              <a:t>sorted lists</a:t>
+            </a:r>
+            <a:r>
+              <a:rPr lang="en-US" sz="7200" dirty="0">
+                <a:latin typeface="Cambria Math"/>
+                <a:ea typeface="Cambria Math"/>
+              </a:rPr>
+              <a:t>)</a:t>
+            </a:r>
+          </a:p>
+          <a:p>
+            <a:pPr marL="274320" lvl="0" indent="-274320">
+              <a:spcBef>
+                <a:spcPct val="20000"/>
+              </a:spcBef>
+              <a:buClr>
+                <a:schemeClr val="accent3"/>
+              </a:buClr>
+              <a:buSzPct val="95000"/>
+              <a:defRPr/>
+            </a:pPr>
+            <a:r>
+              <a:rPr lang="en-US" sz="7200" i="1" dirty="0">
+                <a:ea typeface="Cambria Math" pitchFamily="18" charset="0"/>
+              </a:rPr>
+              <a:t>L </a:t>
+            </a:r>
+            <a:r>
+              <a:rPr lang="en-US" sz="7200" dirty="0">
+                <a:ea typeface="Cambria Math" pitchFamily="18" charset="0"/>
+              </a:rPr>
+              <a:t>:= empty list</a:t>
+            </a:r>
+            <a:endParaRPr lang="en-US" sz="7200" dirty="0">
+              <a:latin typeface="Cambria Math"/>
+              <a:ea typeface="Cambria Math"/>
+            </a:endParaRPr>
+          </a:p>
+          <a:p>
+            <a:pPr marL="274320" lvl="0" indent="-274320">
+              <a:spcBef>
+                <a:spcPct val="20000"/>
+              </a:spcBef>
+              <a:buClr>
+                <a:schemeClr val="accent3"/>
+              </a:buClr>
+              <a:buSzPct val="95000"/>
+              <a:defRPr/>
+            </a:pPr>
+            <a:r>
+              <a:rPr lang="en-US" sz="7200" b="1" dirty="0"/>
+              <a:t>while </a:t>
+            </a:r>
+            <a:r>
+              <a:rPr lang="en-US" sz="7200" i="1" dirty="0">
+                <a:ea typeface="Cambria Math" pitchFamily="18" charset="0"/>
+              </a:rPr>
+              <a:t>L</a:t>
+            </a:r>
+            <a:r>
+              <a:rPr lang="en-US" sz="7200" baseline="-25000" dirty="0">
+                <a:latin typeface="Cambria Math" pitchFamily="18" charset="0"/>
+                <a:ea typeface="Cambria Math" pitchFamily="18" charset="0"/>
+              </a:rPr>
+              <a:t>1</a:t>
+            </a:r>
+            <a:r>
+              <a:rPr lang="en-US" sz="7200" dirty="0"/>
+              <a:t>  and </a:t>
+            </a:r>
+            <a:r>
+              <a:rPr lang="en-US" sz="7200" i="1" dirty="0">
+                <a:ea typeface="Cambria Math" pitchFamily="18" charset="0"/>
+              </a:rPr>
+              <a:t>L</a:t>
+            </a:r>
+            <a:r>
+              <a:rPr lang="en-US" sz="7200" baseline="-25000" dirty="0">
+                <a:latin typeface="Cambria Math" pitchFamily="18" charset="0"/>
+                <a:ea typeface="Cambria Math" pitchFamily="18" charset="0"/>
+              </a:rPr>
+              <a:t>2</a:t>
+            </a:r>
+            <a:r>
+              <a:rPr lang="en-US" sz="7200" dirty="0"/>
+              <a:t>  are both nonempty</a:t>
+            </a:r>
+            <a:endParaRPr kumimoji="0" lang="en-US" sz="7200" b="1" i="0" u="none" strike="noStrike" kern="1200" cap="none" spc="0" normalizeH="0" noProof="0" dirty="0">
+              <a:ln>
+                <a:noFill/>
+              </a:ln>
+              <a:solidFill>
+                <a:schemeClr val="tx1"/>
+              </a:solidFill>
+              <a:effectLst/>
+              <a:uLnTx/>
+              <a:uFillTx/>
+              <a:latin typeface="Cambria Math" pitchFamily="18" charset="0"/>
+              <a:ea typeface="Cambria Math" pitchFamily="18" charset="0"/>
+            </a:endParaRPr>
+          </a:p>
+          <a:p>
+            <a:pPr marL="274320" indent="-274320">
+              <a:spcBef>
+                <a:spcPct val="20000"/>
+              </a:spcBef>
+              <a:buClr>
+                <a:schemeClr val="accent3"/>
+              </a:buClr>
+              <a:buSzPct val="95000"/>
+              <a:defRPr/>
+            </a:pPr>
+            <a:r>
+              <a:rPr lang="en-US" sz="7200" i="1" dirty="0">
+                <a:ea typeface="Cambria Math"/>
+              </a:rPr>
+              <a:t>     </a:t>
+            </a:r>
+            <a:r>
+              <a:rPr lang="en-US" sz="7200" dirty="0">
+                <a:ea typeface="Cambria Math"/>
+              </a:rPr>
+              <a:t>remove smaller of first elements of </a:t>
+            </a:r>
+            <a:r>
+              <a:rPr lang="en-US" sz="7200" i="1" dirty="0">
+                <a:ea typeface="Cambria Math" pitchFamily="18" charset="0"/>
+              </a:rPr>
+              <a:t>L</a:t>
+            </a:r>
+            <a:r>
+              <a:rPr lang="en-US" sz="7200" baseline="-25000" dirty="0">
+                <a:latin typeface="Cambria Math" pitchFamily="18" charset="0"/>
+                <a:ea typeface="Cambria Math" pitchFamily="18" charset="0"/>
+              </a:rPr>
+              <a:t>1</a:t>
+            </a:r>
+            <a:r>
+              <a:rPr lang="en-US" sz="7200" dirty="0">
+                <a:ea typeface="Cambria Math"/>
+              </a:rPr>
+              <a:t> and </a:t>
+            </a:r>
+            <a:r>
+              <a:rPr lang="en-US" sz="7200" i="1" dirty="0">
+                <a:ea typeface="Cambria Math" pitchFamily="18" charset="0"/>
+              </a:rPr>
+              <a:t>L</a:t>
+            </a:r>
+            <a:r>
+              <a:rPr lang="en-US" sz="7200" baseline="-25000" dirty="0">
+                <a:latin typeface="Cambria Math" pitchFamily="18" charset="0"/>
+                <a:ea typeface="Cambria Math" pitchFamily="18" charset="0"/>
+              </a:rPr>
+              <a:t>2</a:t>
+            </a:r>
+            <a:r>
+              <a:rPr lang="en-US" sz="7200" dirty="0">
+                <a:ea typeface="Cambria Math"/>
+              </a:rPr>
+              <a:t> from its list; </a:t>
+            </a:r>
+          </a:p>
+          <a:p>
+            <a:pPr marL="274320" indent="-274320">
+              <a:spcBef>
+                <a:spcPct val="20000"/>
+              </a:spcBef>
+              <a:buClr>
+                <a:schemeClr val="accent3"/>
+              </a:buClr>
+              <a:buSzPct val="95000"/>
+              <a:defRPr/>
+            </a:pPr>
+            <a:r>
+              <a:rPr lang="en-US" sz="7200" dirty="0">
+                <a:ea typeface="Cambria Math"/>
+              </a:rPr>
+              <a:t>             put at the right end of </a:t>
+            </a:r>
+            <a:r>
+              <a:rPr lang="en-US" sz="7200" i="1" dirty="0">
+                <a:ea typeface="Cambria Math" pitchFamily="18" charset="0"/>
+              </a:rPr>
+              <a:t>L</a:t>
+            </a:r>
+          </a:p>
+          <a:p>
+            <a:pPr marL="274320" indent="-274320">
+              <a:spcBef>
+                <a:spcPct val="20000"/>
+              </a:spcBef>
+              <a:buClr>
+                <a:schemeClr val="accent3"/>
+              </a:buClr>
+              <a:buSzPct val="95000"/>
+              <a:defRPr/>
+            </a:pPr>
+            <a:r>
+              <a:rPr lang="en-US" sz="7200" i="1" dirty="0">
+                <a:ea typeface="Cambria Math" pitchFamily="18" charset="0"/>
+              </a:rPr>
+              <a:t>     </a:t>
+            </a:r>
+            <a:r>
+              <a:rPr lang="en-US" sz="7200" b="1" dirty="0">
+                <a:ea typeface="Cambria Math" pitchFamily="18" charset="0"/>
+              </a:rPr>
+              <a:t>if </a:t>
+            </a:r>
+            <a:r>
+              <a:rPr lang="en-US" sz="7200" dirty="0">
+                <a:ea typeface="Cambria Math" pitchFamily="18" charset="0"/>
+              </a:rPr>
+              <a:t>this removal makes one list empty </a:t>
+            </a:r>
+          </a:p>
+          <a:p>
+            <a:pPr marL="274320" indent="-274320">
+              <a:spcBef>
+                <a:spcPct val="20000"/>
+              </a:spcBef>
+              <a:buClr>
+                <a:schemeClr val="accent3"/>
+              </a:buClr>
+              <a:buSzPct val="95000"/>
+              <a:defRPr/>
+            </a:pPr>
+            <a:r>
+              <a:rPr lang="en-US" sz="7200" b="1" dirty="0">
+                <a:ea typeface="Cambria Math" pitchFamily="18" charset="0"/>
+              </a:rPr>
+              <a:t>         then</a:t>
+            </a:r>
+            <a:r>
+              <a:rPr lang="en-US" sz="7200" dirty="0">
+                <a:ea typeface="Cambria Math" pitchFamily="18" charset="0"/>
+              </a:rPr>
+              <a:t> remove all elements from the other list and append them to L</a:t>
+            </a:r>
+            <a:endParaRPr lang="en-US" sz="7200" dirty="0"/>
+          </a:p>
+          <a:p>
+            <a:pPr marL="274320" lvl="0" indent="-274320">
+              <a:spcBef>
+                <a:spcPct val="20000"/>
+              </a:spcBef>
+              <a:buClr>
+                <a:schemeClr val="accent3"/>
+              </a:buClr>
+              <a:buSzPct val="95000"/>
+              <a:defRPr/>
+            </a:pPr>
+            <a:r>
+              <a:rPr lang="en-US" sz="7200" b="1" dirty="0">
+                <a:ea typeface="Cambria Math" pitchFamily="18" charset="0"/>
+              </a:rPr>
+              <a:t>return</a:t>
+            </a:r>
+            <a:r>
+              <a:rPr lang="en-US" sz="7200" i="1" dirty="0">
+                <a:ea typeface="Cambria Math" pitchFamily="18" charset="0"/>
+              </a:rPr>
+              <a:t> L </a:t>
+            </a:r>
+            <a:r>
+              <a:rPr lang="en-US" sz="7200" noProof="0" dirty="0">
+                <a:ea typeface="Cambria Math" pitchFamily="18" charset="0"/>
+              </a:rPr>
+              <a:t>{</a:t>
+            </a:r>
+            <a:r>
+              <a:rPr lang="en-US" sz="7200" i="1" noProof="0" dirty="0">
+                <a:ea typeface="Cambria Math" pitchFamily="18" charset="0"/>
+              </a:rPr>
+              <a:t>L</a:t>
+            </a:r>
+            <a:r>
+              <a:rPr lang="en-US" sz="7200" noProof="0" dirty="0">
+                <a:ea typeface="Cambria Math" pitchFamily="18" charset="0"/>
+              </a:rPr>
+              <a:t> is the merged list with the elements in increasing order}</a:t>
+            </a:r>
+            <a:endParaRPr kumimoji="0" lang="en-US" sz="7200" u="none" strike="noStrike" kern="1200" cap="none" spc="0" normalizeH="0" baseline="0" noProof="0" dirty="0">
+              <a:ln>
+                <a:noFill/>
+              </a:ln>
+              <a:solidFill>
+                <a:schemeClr val="tx1"/>
+              </a:solidFill>
+              <a:effectLst/>
+              <a:uLnTx/>
+              <a:uFillTx/>
+              <a:ea typeface="Cambria Math" pitchFamily="18" charset="0"/>
+            </a:endParaRPr>
+          </a:p>
+          <a:p>
+            <a:pPr marL="274320" lvl="0" indent="-274320">
+              <a:spcBef>
+                <a:spcPct val="20000"/>
+              </a:spcBef>
+              <a:buClr>
+                <a:schemeClr val="accent3"/>
+              </a:buClr>
+              <a:buSzPct val="95000"/>
+            </a:pPr>
+            <a:endParaRPr lang="en-US" sz="2600" i="1" baseline="-25000" dirty="0"/>
+          </a:p>
+          <a:p>
+            <a:pPr marL="274320" lvl="0" indent="-274320">
+              <a:spcBef>
+                <a:spcPct val="20000"/>
+              </a:spcBef>
+              <a:buClr>
+                <a:schemeClr val="accent3"/>
+              </a:buClr>
+              <a:buSzPct val="95000"/>
+            </a:pPr>
+            <a:endParaRPr kumimoji="0" lang="en-US" sz="2600" b="0" i="1" u="none" strike="noStrike" kern="1200" cap="none" spc="0" normalizeH="0" baseline="0" noProof="0" dirty="0">
+              <a:ln>
+                <a:noFill/>
+              </a:ln>
+              <a:solidFill>
+                <a:schemeClr val="tx1"/>
+              </a:solidFill>
+              <a:effectLst/>
+              <a:uLnTx/>
+              <a:uFillTx/>
+              <a:latin typeface="+mn-lt"/>
+              <a:ea typeface="+mn-ea"/>
+              <a:cs typeface="+mn-cs"/>
+            </a:endParaRPr>
+          </a:p>
+          <a:p>
+            <a:pPr marL="274320" marR="0" lvl="0" indent="-274320" algn="l" defTabSz="914400" rtl="0" eaLnBrk="1" fontAlgn="auto" latinLnBrk="0" hangingPunct="1">
+              <a:lnSpc>
+                <a:spcPct val="100000"/>
+              </a:lnSpc>
+              <a:spcBef>
+                <a:spcPct val="20000"/>
+              </a:spcBef>
+              <a:spcAft>
+                <a:spcPts val="0"/>
+              </a:spcAft>
+              <a:buClr>
+                <a:schemeClr val="accent3"/>
+              </a:buClr>
+              <a:buSzPct val="95000"/>
+              <a:buFont typeface="Wingdings 2"/>
+              <a:buNone/>
+              <a:tabLst/>
+              <a:defRPr/>
+            </a:pPr>
+            <a:r>
+              <a:rPr kumimoji="0" lang="en-US" sz="2600" b="0" i="0" u="none" strike="noStrike" kern="1200" cap="none" spc="0" normalizeH="0" baseline="0" noProof="0" dirty="0">
+                <a:ln>
+                  <a:noFill/>
+                </a:ln>
+                <a:solidFill>
+                  <a:schemeClr val="tx1"/>
+                </a:solidFill>
+                <a:effectLst/>
+                <a:uLnTx/>
+                <a:uFillTx/>
+                <a:latin typeface="+mn-lt"/>
+                <a:ea typeface="+mn-ea"/>
+                <a:cs typeface="+mn-cs"/>
+              </a:rPr>
+              <a:t>         </a:t>
+            </a:r>
+            <a:endParaRPr kumimoji="0" lang="en-US" sz="2600" b="0" i="0" u="none" strike="noStrike" kern="1200" cap="none" spc="0" normalizeH="0" baseline="0" noProof="0" dirty="0">
+              <a:ln>
+                <a:noFill/>
+              </a:ln>
+              <a:solidFill>
+                <a:schemeClr val="tx1"/>
+              </a:solidFill>
+              <a:effectLst/>
+              <a:uLnTx/>
+              <a:uFillTx/>
+              <a:latin typeface="Cambria Math" pitchFamily="18" charset="0"/>
+              <a:ea typeface="Cambria Math" pitchFamily="18" charset="0"/>
+            </a:endParaRPr>
+          </a:p>
+          <a:p>
+            <a:pPr marL="274320" marR="0" lvl="0" indent="-274320" algn="l" defTabSz="914400" rtl="0" eaLnBrk="1" fontAlgn="auto" latinLnBrk="0" hangingPunct="1">
+              <a:lnSpc>
+                <a:spcPct val="100000"/>
+              </a:lnSpc>
+              <a:spcBef>
+                <a:spcPct val="20000"/>
+              </a:spcBef>
+              <a:spcAft>
+                <a:spcPts val="0"/>
+              </a:spcAft>
+              <a:buClr>
+                <a:schemeClr val="accent3"/>
+              </a:buClr>
+              <a:buSzPct val="95000"/>
+              <a:buFont typeface="Wingdings 2"/>
+              <a:buNone/>
+              <a:tabLst/>
+              <a:defRPr/>
+            </a:pPr>
+            <a:r>
+              <a:rPr kumimoji="0" lang="en-US" sz="2600" b="0" i="0" u="none" strike="noStrike" kern="1200" cap="none" spc="0" normalizeH="0" baseline="0" noProof="0" dirty="0">
+                <a:ln>
+                  <a:noFill/>
+                </a:ln>
+                <a:solidFill>
+                  <a:schemeClr val="tx1"/>
+                </a:solidFill>
+                <a:effectLst/>
+                <a:uLnTx/>
+                <a:uFillTx/>
+                <a:latin typeface="+mn-lt"/>
+                <a:ea typeface="+mn-ea"/>
+                <a:cs typeface="+mn-cs"/>
+              </a:rPr>
+              <a:t>    </a:t>
+            </a:r>
+            <a:endParaRPr kumimoji="0" lang="en-US" sz="2600" b="0" i="1" u="none" strike="noStrike" kern="1200" cap="none" spc="0" normalizeH="0" baseline="0" noProof="0" dirty="0">
+              <a:ln>
+                <a:noFill/>
+              </a:ln>
+              <a:solidFill>
+                <a:schemeClr val="tx1"/>
+              </a:solidFill>
+              <a:effectLst/>
+              <a:uLnTx/>
+              <a:uFillTx/>
+              <a:latin typeface="+mn-lt"/>
+              <a:ea typeface="+mn-ea"/>
+              <a:cs typeface="+mn-cs"/>
+            </a:endParaRPr>
+          </a:p>
+        </p:txBody>
+      </p:sp>
+    </p:spTree>
+  </p:cSld>
+  <p:clrMapOvr>
+    <a:masterClrMapping/>
+  </p:clrMapOvr>
+</p:sld>
+</file>
+
+<file path=ppt/slides/slide66.xml><?xml version="1.0" encoding="utf-8"?>
+<p:sld xmlns:a="http://schemas.openxmlformats.org/drawingml/2006/main" xmlns:r="http://schemas.openxmlformats.org/officeDocument/2006/relationships" xmlns:p="http://schemas.openxmlformats.org/presentationml/2006/main">
+  <p:cSld>
+    <p:spTree>
+      <p:nvGrpSpPr>
+        <p:cNvPr id="1" name=""/>
+        <p:cNvGrpSpPr/>
+        <p:nvPr/>
+      </p:nvGrpSpPr>
+      <p:grpSpPr>
+        <a:xfrm>
+          <a:off x="0" y="0"/>
+          <a:ext cx="0" cy="0"/>
+          <a:chOff x="0" y="0"/>
+          <a:chExt cx="0" cy="0"/>
+        </a:xfrm>
+      </p:grpSpPr>
+      <p:sp>
+        <p:nvSpPr>
+          <p:cNvPr id="2" name="Title 1"/>
+          <p:cNvSpPr>
+            <a:spLocks noGrp="1"/>
+          </p:cNvSpPr>
+          <p:nvPr>
+            <p:ph type="title"/>
+          </p:nvPr>
+        </p:nvSpPr>
+        <p:spPr/>
+        <p:txBody>
+          <a:bodyPr/>
+          <a:lstStyle/>
+          <a:p>
+            <a:r>
+              <a:rPr lang="en-US" dirty="0"/>
+              <a:t>Merging Two Lists</a:t>
+            </a:r>
+          </a:p>
+        </p:txBody>
+      </p:sp>
+      <p:sp>
+        <p:nvSpPr>
+          <p:cNvPr id="3" name="Content Placeholder 2"/>
+          <p:cNvSpPr>
+            <a:spLocks noGrp="1"/>
+          </p:cNvSpPr>
+          <p:nvPr>
+            <p:ph idx="1"/>
+          </p:nvPr>
+        </p:nvSpPr>
+        <p:spPr/>
+        <p:txBody>
+          <a:bodyPr/>
+          <a:lstStyle/>
+          <a:p>
+            <a:pPr>
+              <a:buNone/>
+            </a:pPr>
+            <a:r>
+              <a:rPr lang="en-US" b="1" dirty="0"/>
+              <a:t>   Example</a:t>
+            </a:r>
+            <a:r>
+              <a:rPr lang="en-US" dirty="0"/>
+              <a:t>: Merge the two lists </a:t>
+            </a:r>
+            <a:r>
+              <a:rPr lang="en-US" dirty="0">
+                <a:latin typeface="Cambria Math" pitchFamily="18" charset="0"/>
+                <a:ea typeface="Cambria Math" pitchFamily="18" charset="0"/>
+              </a:rPr>
+              <a:t>2,3,5,6</a:t>
+            </a:r>
+            <a:r>
+              <a:rPr lang="en-US" dirty="0"/>
+              <a:t>  and </a:t>
+            </a:r>
+            <a:r>
+              <a:rPr lang="en-US" dirty="0">
+                <a:latin typeface="Cambria Math" pitchFamily="18" charset="0"/>
+                <a:ea typeface="Cambria Math" pitchFamily="18" charset="0"/>
+              </a:rPr>
+              <a:t>1,4</a:t>
+            </a:r>
+            <a:r>
+              <a:rPr lang="en-US" dirty="0"/>
+              <a:t>.</a:t>
+            </a:r>
+          </a:p>
+          <a:p>
+            <a:pPr>
+              <a:buNone/>
+            </a:pPr>
+            <a:r>
+              <a:rPr lang="en-US" b="1" dirty="0"/>
+              <a:t>   Solution</a:t>
+            </a:r>
+            <a:r>
+              <a:rPr lang="en-US" dirty="0"/>
+              <a:t>:</a:t>
+            </a:r>
+          </a:p>
+        </p:txBody>
+      </p:sp>
+      <p:pic>
+        <p:nvPicPr>
+          <p:cNvPr id="4" name="Picture 3" descr="table33.jpg"/>
+          <p:cNvPicPr>
+            <a:picLocks noChangeAspect="1"/>
+          </p:cNvPicPr>
+          <p:nvPr/>
+        </p:nvPicPr>
+        <p:blipFill>
+          <a:blip r:embed="rId2" cstate="print"/>
+          <a:stretch>
+            <a:fillRect/>
+          </a:stretch>
+        </p:blipFill>
+        <p:spPr>
+          <a:xfrm>
+            <a:off x="1066800" y="3200400"/>
+            <a:ext cx="7445111" cy="2971800"/>
+          </a:xfrm>
+          <a:prstGeom prst="rect">
+            <a:avLst/>
+          </a:prstGeom>
+        </p:spPr>
+      </p:pic>
+    </p:spTree>
+  </p:cSld>
+  <p:clrMapOvr>
+    <a:masterClrMapping/>
+  </p:clrMapOvr>
+</p:sld>
+</file>
+
+<file path=ppt/slides/slide67.xml><?xml version="1.0" encoding="utf-8"?>
+<p:sld xmlns:a="http://schemas.openxmlformats.org/drawingml/2006/main" xmlns:r="http://schemas.openxmlformats.org/officeDocument/2006/relationships" xmlns:p="http://schemas.openxmlformats.org/presentationml/2006/main">
+  <p:cSld>
+    <p:spTree>
+      <p:nvGrpSpPr>
+        <p:cNvPr id="1" name=""/>
+        <p:cNvGrpSpPr/>
+        <p:nvPr/>
+      </p:nvGrpSpPr>
+      <p:grpSpPr>
+        <a:xfrm>
+          <a:off x="0" y="0"/>
+          <a:ext cx="0" cy="0"/>
+          <a:chOff x="0" y="0"/>
+          <a:chExt cx="0" cy="0"/>
+        </a:xfrm>
+      </p:grpSpPr>
+      <p:sp>
+        <p:nvSpPr>
+          <p:cNvPr id="2" name="Title 1"/>
+          <p:cNvSpPr>
+            <a:spLocks noGrp="1"/>
+          </p:cNvSpPr>
+          <p:nvPr>
+            <p:ph type="title"/>
+          </p:nvPr>
+        </p:nvSpPr>
+        <p:spPr/>
+        <p:txBody>
+          <a:bodyPr/>
+          <a:lstStyle/>
+          <a:p>
+            <a:r>
+              <a:rPr lang="en-US" dirty="0"/>
               <a:t>Complexity of Merge Sort</a:t>
             </a:r>
           </a:p>
@@ -37836,7 +38310,7 @@
 </p:sld>
 </file>
 
-<file path=ppt/slides/slide66.xml><?xml version="1.0" encoding="utf-8"?>
+<file path=ppt/slides/slide68.xml><?xml version="1.0" encoding="utf-8"?>
 <p:sld xmlns:a="http://schemas.openxmlformats.org/drawingml/2006/main" xmlns:r="http://schemas.openxmlformats.org/officeDocument/2006/relationships" xmlns:p="http://schemas.openxmlformats.org/presentationml/2006/main">
   <p:cSld>
     <p:spTree>
